--- a/AdD_B12025_Grupo5.pptx
+++ b/AdD_B12025_Grupo5.pptx
@@ -4,21 +4,26 @@
   <p:sldMasterIdLst>
     <p:sldMasterId id="2147483660" r:id="rId1"/>
   </p:sldMasterIdLst>
+  <p:notesMasterIdLst>
+    <p:notesMasterId r:id="rId18"/>
+  </p:notesMasterIdLst>
   <p:sldIdLst>
-    <p:sldId id="256" r:id="rId2"/>
-    <p:sldId id="257" r:id="rId3"/>
-    <p:sldId id="258" r:id="rId4"/>
-    <p:sldId id="265" r:id="rId5"/>
-    <p:sldId id="259" r:id="rId6"/>
-    <p:sldId id="260" r:id="rId7"/>
-    <p:sldId id="264" r:id="rId8"/>
-    <p:sldId id="263" r:id="rId9"/>
-    <p:sldId id="261" r:id="rId10"/>
-    <p:sldId id="272" r:id="rId11"/>
-    <p:sldId id="262" r:id="rId12"/>
-    <p:sldId id="266" r:id="rId13"/>
-    <p:sldId id="267" r:id="rId14"/>
-    <p:sldId id="268" r:id="rId15"/>
+    <p:sldId id="273" r:id="rId2"/>
+    <p:sldId id="274" r:id="rId3"/>
+    <p:sldId id="256" r:id="rId4"/>
+    <p:sldId id="257" r:id="rId5"/>
+    <p:sldId id="265" r:id="rId6"/>
+    <p:sldId id="259" r:id="rId7"/>
+    <p:sldId id="258" r:id="rId8"/>
+    <p:sldId id="260" r:id="rId9"/>
+    <p:sldId id="264" r:id="rId10"/>
+    <p:sldId id="263" r:id="rId11"/>
+    <p:sldId id="261" r:id="rId12"/>
+    <p:sldId id="272" r:id="rId13"/>
+    <p:sldId id="262" r:id="rId14"/>
+    <p:sldId id="266" r:id="rId15"/>
+    <p:sldId id="267" r:id="rId16"/>
+    <p:sldId id="268" r:id="rId17"/>
   </p:sldIdLst>
   <p:sldSz cx="12192000" cy="6858000"/>
   <p:notesSz cx="6858000" cy="9144000"/>
@@ -117,7 +122,854 @@
       </a:defRPr>
     </a:lvl9pPr>
   </p:defaultTextStyle>
+  <p:extLst>
+    <p:ext uri="{EFAFB233-063F-42B5-8137-9DF3F51BA10A}">
+      <p15:sldGuideLst xmlns:p15="http://schemas.microsoft.com/office/powerpoint/2012/main"/>
+    </p:ext>
+    <p:ext uri="{2D200454-40CA-4A62-9FC3-DE9A4176ACB9}">
+      <p15:notesGuideLst xmlns:p15="http://schemas.microsoft.com/office/powerpoint/2012/main"/>
+    </p:ext>
+  </p:extLst>
 </p:presentation>
+</file>
+
+<file path=ppt/notesMasters/notesMaster1.xml><?xml version="1.0" encoding="utf-8"?>
+<p:notesMaster xmlns:a="http://schemas.openxmlformats.org/drawingml/2006/main" xmlns:r="http://schemas.openxmlformats.org/officeDocument/2006/relationships" xmlns:p="http://schemas.openxmlformats.org/presentationml/2006/main">
+  <p:cSld>
+    <p:bg>
+      <p:bgRef idx="1001">
+        <a:schemeClr val="bg1"/>
+      </p:bgRef>
+    </p:bg>
+    <p:spTree>
+      <p:nvGrpSpPr>
+        <p:cNvPr id="1" name=""/>
+        <p:cNvGrpSpPr/>
+        <p:nvPr/>
+      </p:nvGrpSpPr>
+      <p:grpSpPr>
+        <a:xfrm>
+          <a:off x="0" y="0"/>
+          <a:ext cx="0" cy="0"/>
+          <a:chOff x="0" y="0"/>
+          <a:chExt cx="0" cy="0"/>
+        </a:xfrm>
+      </p:grpSpPr>
+      <p:sp>
+        <p:nvSpPr>
+          <p:cNvPr id="2" name="Marcador de encabezado 1"/>
+          <p:cNvSpPr>
+            <a:spLocks noGrp="1"/>
+          </p:cNvSpPr>
+          <p:nvPr>
+            <p:ph type="hdr" sz="quarter"/>
+          </p:nvPr>
+        </p:nvSpPr>
+        <p:spPr>
+          <a:xfrm>
+            <a:off x="0" y="0"/>
+            <a:ext cx="2971800" cy="458788"/>
+          </a:xfrm>
+          <a:prstGeom prst="rect">
+            <a:avLst/>
+          </a:prstGeom>
+        </p:spPr>
+        <p:txBody>
+          <a:bodyPr vert="horz" lIns="91440" tIns="45720" rIns="91440" bIns="45720" rtlCol="0"/>
+          <a:lstStyle>
+            <a:lvl1pPr algn="l">
+              <a:defRPr sz="1200"/>
+            </a:lvl1pPr>
+          </a:lstStyle>
+          <a:p>
+            <a:endParaRPr lang="es-ES_tradnl"/>
+          </a:p>
+        </p:txBody>
+      </p:sp>
+      <p:sp>
+        <p:nvSpPr>
+          <p:cNvPr id="3" name="Marcador de fecha 2"/>
+          <p:cNvSpPr>
+            <a:spLocks noGrp="1"/>
+          </p:cNvSpPr>
+          <p:nvPr>
+            <p:ph type="dt" idx="1"/>
+          </p:nvPr>
+        </p:nvSpPr>
+        <p:spPr>
+          <a:xfrm>
+            <a:off x="3884613" y="0"/>
+            <a:ext cx="2971800" cy="458788"/>
+          </a:xfrm>
+          <a:prstGeom prst="rect">
+            <a:avLst/>
+          </a:prstGeom>
+        </p:spPr>
+        <p:txBody>
+          <a:bodyPr vert="horz" lIns="91440" tIns="45720" rIns="91440" bIns="45720" rtlCol="0"/>
+          <a:lstStyle>
+            <a:lvl1pPr algn="r">
+              <a:defRPr sz="1200"/>
+            </a:lvl1pPr>
+          </a:lstStyle>
+          <a:p>
+            <a:fld id="{9F72869F-96DA-4CDA-8AA0-C85F0DC3C811}" type="datetimeFigureOut">
+              <a:rPr lang="es-ES_tradnl" smtClean="0"/>
+              <a:t>24/04/2025</a:t>
+            </a:fld>
+            <a:endParaRPr lang="es-ES_tradnl"/>
+          </a:p>
+        </p:txBody>
+      </p:sp>
+      <p:sp>
+        <p:nvSpPr>
+          <p:cNvPr id="4" name="Marcador de imagen de diapositiva 3"/>
+          <p:cNvSpPr>
+            <a:spLocks noGrp="1" noRot="1" noChangeAspect="1"/>
+          </p:cNvSpPr>
+          <p:nvPr>
+            <p:ph type="sldImg" idx="2"/>
+          </p:nvPr>
+        </p:nvSpPr>
+        <p:spPr>
+          <a:xfrm>
+            <a:off x="685800" y="1143000"/>
+            <a:ext cx="5486400" cy="3086100"/>
+          </a:xfrm>
+          <a:prstGeom prst="rect">
+            <a:avLst/>
+          </a:prstGeom>
+          <a:noFill/>
+          <a:ln w="12700">
+            <a:solidFill>
+              <a:prstClr val="black"/>
+            </a:solidFill>
+          </a:ln>
+        </p:spPr>
+        <p:txBody>
+          <a:bodyPr vert="horz" lIns="91440" tIns="45720" rIns="91440" bIns="45720" rtlCol="0" anchor="ctr"/>
+          <a:lstStyle/>
+          <a:p>
+            <a:endParaRPr lang="es-ES_tradnl"/>
+          </a:p>
+        </p:txBody>
+      </p:sp>
+      <p:sp>
+        <p:nvSpPr>
+          <p:cNvPr id="5" name="Marcador de notas 4"/>
+          <p:cNvSpPr>
+            <a:spLocks noGrp="1"/>
+          </p:cNvSpPr>
+          <p:nvPr>
+            <p:ph type="body" sz="quarter" idx="3"/>
+          </p:nvPr>
+        </p:nvSpPr>
+        <p:spPr>
+          <a:xfrm>
+            <a:off x="685800" y="4400550"/>
+            <a:ext cx="5486400" cy="3600450"/>
+          </a:xfrm>
+          <a:prstGeom prst="rect">
+            <a:avLst/>
+          </a:prstGeom>
+        </p:spPr>
+        <p:txBody>
+          <a:bodyPr vert="horz" lIns="91440" tIns="45720" rIns="91440" bIns="45720" rtlCol="0"/>
+          <a:lstStyle/>
+          <a:p>
+            <a:pPr lvl="0"/>
+            <a:r>
+              <a:rPr lang="es-ES"/>
+              <a:t>Haga clic para modificar los estilos de texto del patrón</a:t>
+            </a:r>
+          </a:p>
+          <a:p>
+            <a:pPr lvl="1"/>
+            <a:r>
+              <a:rPr lang="es-ES"/>
+              <a:t>Segundo nivel</a:t>
+            </a:r>
+          </a:p>
+          <a:p>
+            <a:pPr lvl="2"/>
+            <a:r>
+              <a:rPr lang="es-ES"/>
+              <a:t>Tercer nivel</a:t>
+            </a:r>
+          </a:p>
+          <a:p>
+            <a:pPr lvl="3"/>
+            <a:r>
+              <a:rPr lang="es-ES"/>
+              <a:t>Cuarto nivel</a:t>
+            </a:r>
+          </a:p>
+          <a:p>
+            <a:pPr lvl="4"/>
+            <a:r>
+              <a:rPr lang="es-ES"/>
+              <a:t>Quinto nivel</a:t>
+            </a:r>
+            <a:endParaRPr lang="es-ES_tradnl"/>
+          </a:p>
+        </p:txBody>
+      </p:sp>
+      <p:sp>
+        <p:nvSpPr>
+          <p:cNvPr id="6" name="Marcador de pie de página 5"/>
+          <p:cNvSpPr>
+            <a:spLocks noGrp="1"/>
+          </p:cNvSpPr>
+          <p:nvPr>
+            <p:ph type="ftr" sz="quarter" idx="4"/>
+          </p:nvPr>
+        </p:nvSpPr>
+        <p:spPr>
+          <a:xfrm>
+            <a:off x="0" y="8685213"/>
+            <a:ext cx="2971800" cy="458787"/>
+          </a:xfrm>
+          <a:prstGeom prst="rect">
+            <a:avLst/>
+          </a:prstGeom>
+        </p:spPr>
+        <p:txBody>
+          <a:bodyPr vert="horz" lIns="91440" tIns="45720" rIns="91440" bIns="45720" rtlCol="0" anchor="b"/>
+          <a:lstStyle>
+            <a:lvl1pPr algn="l">
+              <a:defRPr sz="1200"/>
+            </a:lvl1pPr>
+          </a:lstStyle>
+          <a:p>
+            <a:endParaRPr lang="es-ES_tradnl"/>
+          </a:p>
+        </p:txBody>
+      </p:sp>
+      <p:sp>
+        <p:nvSpPr>
+          <p:cNvPr id="7" name="Marcador de número de diapositiva 6"/>
+          <p:cNvSpPr>
+            <a:spLocks noGrp="1"/>
+          </p:cNvSpPr>
+          <p:nvPr>
+            <p:ph type="sldNum" sz="quarter" idx="5"/>
+          </p:nvPr>
+        </p:nvSpPr>
+        <p:spPr>
+          <a:xfrm>
+            <a:off x="3884613" y="8685213"/>
+            <a:ext cx="2971800" cy="458787"/>
+          </a:xfrm>
+          <a:prstGeom prst="rect">
+            <a:avLst/>
+          </a:prstGeom>
+        </p:spPr>
+        <p:txBody>
+          <a:bodyPr vert="horz" lIns="91440" tIns="45720" rIns="91440" bIns="45720" rtlCol="0" anchor="b"/>
+          <a:lstStyle>
+            <a:lvl1pPr algn="r">
+              <a:defRPr sz="1200"/>
+            </a:lvl1pPr>
+          </a:lstStyle>
+          <a:p>
+            <a:fld id="{104F4B93-FD80-40D1-A03B-B5EE94DE1DA2}" type="slidenum">
+              <a:rPr lang="es-ES_tradnl" smtClean="0"/>
+              <a:t>‹Nº›</a:t>
+            </a:fld>
+            <a:endParaRPr lang="es-ES_tradnl"/>
+          </a:p>
+        </p:txBody>
+      </p:sp>
+    </p:spTree>
+    <p:extLst>
+      <p:ext uri="{BB962C8B-B14F-4D97-AF65-F5344CB8AC3E}">
+        <p14:creationId xmlns:p14="http://schemas.microsoft.com/office/powerpoint/2010/main" val="3569846493"/>
+      </p:ext>
+    </p:extLst>
+  </p:cSld>
+  <p:clrMap bg1="lt1" tx1="dk1" bg2="lt2" tx2="dk2" accent1="accent1" accent2="accent2" accent3="accent3" accent4="accent4" accent5="accent5" accent6="accent6" hlink="hlink" folHlink="folHlink"/>
+  <p:notesStyle>
+    <a:lvl1pPr marL="0" algn="l" defTabSz="914400" rtl="0" eaLnBrk="1" latinLnBrk="0" hangingPunct="1">
+      <a:defRPr sz="1200" kern="1200">
+        <a:solidFill>
+          <a:schemeClr val="tx1"/>
+        </a:solidFill>
+        <a:latin typeface="+mn-lt"/>
+        <a:ea typeface="+mn-ea"/>
+        <a:cs typeface="+mn-cs"/>
+      </a:defRPr>
+    </a:lvl1pPr>
+    <a:lvl2pPr marL="457200" algn="l" defTabSz="914400" rtl="0" eaLnBrk="1" latinLnBrk="0" hangingPunct="1">
+      <a:defRPr sz="1200" kern="1200">
+        <a:solidFill>
+          <a:schemeClr val="tx1"/>
+        </a:solidFill>
+        <a:latin typeface="+mn-lt"/>
+        <a:ea typeface="+mn-ea"/>
+        <a:cs typeface="+mn-cs"/>
+      </a:defRPr>
+    </a:lvl2pPr>
+    <a:lvl3pPr marL="914400" algn="l" defTabSz="914400" rtl="0" eaLnBrk="1" latinLnBrk="0" hangingPunct="1">
+      <a:defRPr sz="1200" kern="1200">
+        <a:solidFill>
+          <a:schemeClr val="tx1"/>
+        </a:solidFill>
+        <a:latin typeface="+mn-lt"/>
+        <a:ea typeface="+mn-ea"/>
+        <a:cs typeface="+mn-cs"/>
+      </a:defRPr>
+    </a:lvl3pPr>
+    <a:lvl4pPr marL="1371600" algn="l" defTabSz="914400" rtl="0" eaLnBrk="1" latinLnBrk="0" hangingPunct="1">
+      <a:defRPr sz="1200" kern="1200">
+        <a:solidFill>
+          <a:schemeClr val="tx1"/>
+        </a:solidFill>
+        <a:latin typeface="+mn-lt"/>
+        <a:ea typeface="+mn-ea"/>
+        <a:cs typeface="+mn-cs"/>
+      </a:defRPr>
+    </a:lvl4pPr>
+    <a:lvl5pPr marL="1828800" algn="l" defTabSz="914400" rtl="0" eaLnBrk="1" latinLnBrk="0" hangingPunct="1">
+      <a:defRPr sz="1200" kern="1200">
+        <a:solidFill>
+          <a:schemeClr val="tx1"/>
+        </a:solidFill>
+        <a:latin typeface="+mn-lt"/>
+        <a:ea typeface="+mn-ea"/>
+        <a:cs typeface="+mn-cs"/>
+      </a:defRPr>
+    </a:lvl5pPr>
+    <a:lvl6pPr marL="2286000" algn="l" defTabSz="914400" rtl="0" eaLnBrk="1" latinLnBrk="0" hangingPunct="1">
+      <a:defRPr sz="1200" kern="1200">
+        <a:solidFill>
+          <a:schemeClr val="tx1"/>
+        </a:solidFill>
+        <a:latin typeface="+mn-lt"/>
+        <a:ea typeface="+mn-ea"/>
+        <a:cs typeface="+mn-cs"/>
+      </a:defRPr>
+    </a:lvl6pPr>
+    <a:lvl7pPr marL="2743200" algn="l" defTabSz="914400" rtl="0" eaLnBrk="1" latinLnBrk="0" hangingPunct="1">
+      <a:defRPr sz="1200" kern="1200">
+        <a:solidFill>
+          <a:schemeClr val="tx1"/>
+        </a:solidFill>
+        <a:latin typeface="+mn-lt"/>
+        <a:ea typeface="+mn-ea"/>
+        <a:cs typeface="+mn-cs"/>
+      </a:defRPr>
+    </a:lvl7pPr>
+    <a:lvl8pPr marL="3200400" algn="l" defTabSz="914400" rtl="0" eaLnBrk="1" latinLnBrk="0" hangingPunct="1">
+      <a:defRPr sz="1200" kern="1200">
+        <a:solidFill>
+          <a:schemeClr val="tx1"/>
+        </a:solidFill>
+        <a:latin typeface="+mn-lt"/>
+        <a:ea typeface="+mn-ea"/>
+        <a:cs typeface="+mn-cs"/>
+      </a:defRPr>
+    </a:lvl8pPr>
+    <a:lvl9pPr marL="3657600" algn="l" defTabSz="914400" rtl="0" eaLnBrk="1" latinLnBrk="0" hangingPunct="1">
+      <a:defRPr sz="1200" kern="1200">
+        <a:solidFill>
+          <a:schemeClr val="tx1"/>
+        </a:solidFill>
+        <a:latin typeface="+mn-lt"/>
+        <a:ea typeface="+mn-ea"/>
+        <a:cs typeface="+mn-cs"/>
+      </a:defRPr>
+    </a:lvl9pPr>
+  </p:notesStyle>
+</p:notesMaster>
+</file>
+
+<file path=ppt/notesSlides/notesSlide1.xml><?xml version="1.0" encoding="utf-8"?>
+<p:notes xmlns:a="http://schemas.openxmlformats.org/drawingml/2006/main" xmlns:r="http://schemas.openxmlformats.org/officeDocument/2006/relationships" xmlns:p="http://schemas.openxmlformats.org/presentationml/2006/main">
+  <p:cSld>
+    <p:spTree>
+      <p:nvGrpSpPr>
+        <p:cNvPr id="1" name=""/>
+        <p:cNvGrpSpPr/>
+        <p:nvPr/>
+      </p:nvGrpSpPr>
+      <p:grpSpPr>
+        <a:xfrm>
+          <a:off x="0" y="0"/>
+          <a:ext cx="0" cy="0"/>
+          <a:chOff x="0" y="0"/>
+          <a:chExt cx="0" cy="0"/>
+        </a:xfrm>
+      </p:grpSpPr>
+      <p:sp>
+        <p:nvSpPr>
+          <p:cNvPr id="2" name="Marcador de imagen de diapositiva 1"/>
+          <p:cNvSpPr>
+            <a:spLocks noGrp="1" noRot="1" noChangeAspect="1"/>
+          </p:cNvSpPr>
+          <p:nvPr>
+            <p:ph type="sldImg"/>
+          </p:nvPr>
+        </p:nvSpPr>
+        <p:spPr/>
+      </p:sp>
+      <p:sp>
+        <p:nvSpPr>
+          <p:cNvPr id="3" name="Marcador de notas 2"/>
+          <p:cNvSpPr>
+            <a:spLocks noGrp="1"/>
+          </p:cNvSpPr>
+          <p:nvPr>
+            <p:ph type="body" idx="1"/>
+          </p:nvPr>
+        </p:nvSpPr>
+        <p:spPr/>
+        <p:txBody>
+          <a:bodyPr/>
+          <a:lstStyle/>
+          <a:p>
+            <a:endParaRPr lang="es-ES_tradnl" dirty="0"/>
+          </a:p>
+        </p:txBody>
+      </p:sp>
+      <p:sp>
+        <p:nvSpPr>
+          <p:cNvPr id="4" name="Marcador de número de diapositiva 3"/>
+          <p:cNvSpPr>
+            <a:spLocks noGrp="1"/>
+          </p:cNvSpPr>
+          <p:nvPr>
+            <p:ph type="sldNum" sz="quarter" idx="5"/>
+          </p:nvPr>
+        </p:nvSpPr>
+        <p:spPr/>
+        <p:txBody>
+          <a:bodyPr/>
+          <a:lstStyle/>
+          <a:p>
+            <a:fld id="{104F4B93-FD80-40D1-A03B-B5EE94DE1DA2}" type="slidenum">
+              <a:rPr lang="es-ES_tradnl" smtClean="0"/>
+              <a:t>2</a:t>
+            </a:fld>
+            <a:endParaRPr lang="es-ES_tradnl"/>
+          </a:p>
+        </p:txBody>
+      </p:sp>
+    </p:spTree>
+    <p:extLst>
+      <p:ext uri="{BB962C8B-B14F-4D97-AF65-F5344CB8AC3E}">
+        <p14:creationId xmlns:p14="http://schemas.microsoft.com/office/powerpoint/2010/main" val="1342879446"/>
+      </p:ext>
+    </p:extLst>
+  </p:cSld>
+  <p:clrMapOvr>
+    <a:masterClrMapping/>
+  </p:clrMapOvr>
+</p:notes>
+</file>
+
+<file path=ppt/notesSlides/notesSlide2.xml><?xml version="1.0" encoding="utf-8"?>
+<p:notes xmlns:a="http://schemas.openxmlformats.org/drawingml/2006/main" xmlns:r="http://schemas.openxmlformats.org/officeDocument/2006/relationships" xmlns:p="http://schemas.openxmlformats.org/presentationml/2006/main">
+  <p:cSld>
+    <p:spTree>
+      <p:nvGrpSpPr>
+        <p:cNvPr id="1" name=""/>
+        <p:cNvGrpSpPr/>
+        <p:nvPr/>
+      </p:nvGrpSpPr>
+      <p:grpSpPr>
+        <a:xfrm>
+          <a:off x="0" y="0"/>
+          <a:ext cx="0" cy="0"/>
+          <a:chOff x="0" y="0"/>
+          <a:chExt cx="0" cy="0"/>
+        </a:xfrm>
+      </p:grpSpPr>
+      <p:sp>
+        <p:nvSpPr>
+          <p:cNvPr id="2" name="Marcador de imagen de diapositiva 1"/>
+          <p:cNvSpPr>
+            <a:spLocks noGrp="1" noRot="1" noChangeAspect="1"/>
+          </p:cNvSpPr>
+          <p:nvPr>
+            <p:ph type="sldImg"/>
+          </p:nvPr>
+        </p:nvSpPr>
+        <p:spPr/>
+      </p:sp>
+      <p:sp>
+        <p:nvSpPr>
+          <p:cNvPr id="3" name="Marcador de notas 2"/>
+          <p:cNvSpPr>
+            <a:spLocks noGrp="1"/>
+          </p:cNvSpPr>
+          <p:nvPr>
+            <p:ph type="body" idx="1"/>
+          </p:nvPr>
+        </p:nvSpPr>
+        <p:spPr/>
+        <p:txBody>
+          <a:bodyPr/>
+          <a:lstStyle/>
+          <a:p>
+            <a:endParaRPr lang="es-ES_tradnl" dirty="0"/>
+          </a:p>
+        </p:txBody>
+      </p:sp>
+      <p:sp>
+        <p:nvSpPr>
+          <p:cNvPr id="4" name="Marcador de número de diapositiva 3"/>
+          <p:cNvSpPr>
+            <a:spLocks noGrp="1"/>
+          </p:cNvSpPr>
+          <p:nvPr>
+            <p:ph type="sldNum" sz="quarter" idx="5"/>
+          </p:nvPr>
+        </p:nvSpPr>
+        <p:spPr/>
+        <p:txBody>
+          <a:bodyPr/>
+          <a:lstStyle/>
+          <a:p>
+            <a:fld id="{104F4B93-FD80-40D1-A03B-B5EE94DE1DA2}" type="slidenum">
+              <a:rPr lang="es-ES_tradnl" smtClean="0"/>
+              <a:t>3</a:t>
+            </a:fld>
+            <a:endParaRPr lang="es-ES_tradnl"/>
+          </a:p>
+        </p:txBody>
+      </p:sp>
+    </p:spTree>
+    <p:extLst>
+      <p:ext uri="{BB962C8B-B14F-4D97-AF65-F5344CB8AC3E}">
+        <p14:creationId xmlns:p14="http://schemas.microsoft.com/office/powerpoint/2010/main" val="802933266"/>
+      </p:ext>
+    </p:extLst>
+  </p:cSld>
+  <p:clrMapOvr>
+    <a:masterClrMapping/>
+  </p:clrMapOvr>
+</p:notes>
+</file>
+
+<file path=ppt/notesSlides/notesSlide3.xml><?xml version="1.0" encoding="utf-8"?>
+<p:notes xmlns:a="http://schemas.openxmlformats.org/drawingml/2006/main" xmlns:r="http://schemas.openxmlformats.org/officeDocument/2006/relationships" xmlns:p="http://schemas.openxmlformats.org/presentationml/2006/main">
+  <p:cSld>
+    <p:spTree>
+      <p:nvGrpSpPr>
+        <p:cNvPr id="1" name=""/>
+        <p:cNvGrpSpPr/>
+        <p:nvPr/>
+      </p:nvGrpSpPr>
+      <p:grpSpPr>
+        <a:xfrm>
+          <a:off x="0" y="0"/>
+          <a:ext cx="0" cy="0"/>
+          <a:chOff x="0" y="0"/>
+          <a:chExt cx="0" cy="0"/>
+        </a:xfrm>
+      </p:grpSpPr>
+      <p:sp>
+        <p:nvSpPr>
+          <p:cNvPr id="2" name="Marcador de imagen de diapositiva 1"/>
+          <p:cNvSpPr>
+            <a:spLocks noGrp="1" noRot="1" noChangeAspect="1"/>
+          </p:cNvSpPr>
+          <p:nvPr>
+            <p:ph type="sldImg"/>
+          </p:nvPr>
+        </p:nvSpPr>
+        <p:spPr/>
+      </p:sp>
+      <p:sp>
+        <p:nvSpPr>
+          <p:cNvPr id="3" name="Marcador de notas 2"/>
+          <p:cNvSpPr>
+            <a:spLocks noGrp="1"/>
+          </p:cNvSpPr>
+          <p:nvPr>
+            <p:ph type="body" idx="1"/>
+          </p:nvPr>
+        </p:nvSpPr>
+        <p:spPr/>
+        <p:txBody>
+          <a:bodyPr/>
+          <a:lstStyle/>
+          <a:p>
+            <a:r>
+              <a:rPr lang="es-ES_tradnl" b="1" dirty="0">
+                <a:effectLst/>
+                <a:latin typeface="Consolas" panose="020B0609020204030204" pitchFamily="49" charset="0"/>
+              </a:rPr>
+              <a:t>- Tipos de datos interpretados por **pandas** en cada uno de los campos del </a:t>
+            </a:r>
+            <a:r>
+              <a:rPr lang="es-ES_tradnl" b="1" dirty="0" err="1">
+                <a:effectLst/>
+                <a:latin typeface="Consolas" panose="020B0609020204030204" pitchFamily="49" charset="0"/>
+              </a:rPr>
+              <a:t>dataframe</a:t>
+            </a:r>
+            <a:r>
+              <a:rPr lang="es-ES_tradnl" b="1" dirty="0">
+                <a:effectLst/>
+                <a:latin typeface="Consolas" panose="020B0609020204030204" pitchFamily="49" charset="0"/>
+              </a:rPr>
+              <a:t> </a:t>
+            </a:r>
+          </a:p>
+          <a:p>
+            <a:r>
+              <a:rPr lang="es-ES_tradnl" b="1" dirty="0">
+                <a:effectLst/>
+                <a:latin typeface="Consolas" panose="020B0609020204030204" pitchFamily="49" charset="0"/>
+              </a:rPr>
+              <a:t>- Cantidad de datos NULL que presentamos en los campos **genero** que representan el 0.34% y **</a:t>
+            </a:r>
+            <a:r>
+              <a:rPr lang="es-ES_tradnl" b="1" dirty="0" err="1">
+                <a:effectLst/>
+                <a:latin typeface="Consolas" panose="020B0609020204030204" pitchFamily="49" charset="0"/>
+              </a:rPr>
+              <a:t>fecha_destino_recorrido</a:t>
+            </a:r>
+            <a:r>
+              <a:rPr lang="es-ES_tradnl" b="1" dirty="0">
+                <a:effectLst/>
+                <a:latin typeface="Consolas" panose="020B0609020204030204" pitchFamily="49" charset="0"/>
+              </a:rPr>
+              <a:t>** que representan el 0.09% </a:t>
+            </a:r>
+          </a:p>
+          <a:p>
+            <a:r>
+              <a:rPr lang="es-ES_tradnl" b="1" dirty="0">
+                <a:effectLst/>
+                <a:latin typeface="Consolas" panose="020B0609020204030204" pitchFamily="49" charset="0"/>
+              </a:rPr>
+              <a:t>- El campo **</a:t>
+            </a:r>
+            <a:r>
+              <a:rPr lang="es-ES_tradnl" b="1" dirty="0" err="1">
+                <a:effectLst/>
+                <a:latin typeface="Consolas" panose="020B0609020204030204" pitchFamily="49" charset="0"/>
+              </a:rPr>
+              <a:t>duracion_recorrido</a:t>
+            </a:r>
+            <a:r>
+              <a:rPr lang="es-ES_tradnl" b="1" dirty="0">
+                <a:effectLst/>
+                <a:latin typeface="Consolas" panose="020B0609020204030204" pitchFamily="49" charset="0"/>
+              </a:rPr>
+              <a:t>** posee 37.618 registros  con valor **0** Correspondiente al 1.06% de 3.559.284 registros, este campo se almacena el tiempo del viaje. desconocemos si esta expresado en minutos o segundos  </a:t>
+            </a:r>
+          </a:p>
+          <a:p>
+            <a:endParaRPr lang="es-ES_tradnl" dirty="0"/>
+          </a:p>
+        </p:txBody>
+      </p:sp>
+      <p:sp>
+        <p:nvSpPr>
+          <p:cNvPr id="4" name="Marcador de número de diapositiva 3"/>
+          <p:cNvSpPr>
+            <a:spLocks noGrp="1"/>
+          </p:cNvSpPr>
+          <p:nvPr>
+            <p:ph type="sldNum" sz="quarter" idx="5"/>
+          </p:nvPr>
+        </p:nvSpPr>
+        <p:spPr/>
+        <p:txBody>
+          <a:bodyPr/>
+          <a:lstStyle/>
+          <a:p>
+            <a:fld id="{104F4B93-FD80-40D1-A03B-B5EE94DE1DA2}" type="slidenum">
+              <a:rPr lang="es-ES_tradnl" smtClean="0"/>
+              <a:t>4</a:t>
+            </a:fld>
+            <a:endParaRPr lang="es-ES_tradnl"/>
+          </a:p>
+        </p:txBody>
+      </p:sp>
+    </p:spTree>
+    <p:extLst>
+      <p:ext uri="{BB962C8B-B14F-4D97-AF65-F5344CB8AC3E}">
+        <p14:creationId xmlns:p14="http://schemas.microsoft.com/office/powerpoint/2010/main" val="3806196634"/>
+      </p:ext>
+    </p:extLst>
+  </p:cSld>
+  <p:clrMapOvr>
+    <a:masterClrMapping/>
+  </p:clrMapOvr>
+</p:notes>
+</file>
+
+<file path=ppt/notesSlides/notesSlide4.xml><?xml version="1.0" encoding="utf-8"?>
+<p:notes xmlns:a="http://schemas.openxmlformats.org/drawingml/2006/main" xmlns:r="http://schemas.openxmlformats.org/officeDocument/2006/relationships" xmlns:p="http://schemas.openxmlformats.org/presentationml/2006/main">
+  <p:cSld>
+    <p:spTree>
+      <p:nvGrpSpPr>
+        <p:cNvPr id="1" name=""/>
+        <p:cNvGrpSpPr/>
+        <p:nvPr/>
+      </p:nvGrpSpPr>
+      <p:grpSpPr>
+        <a:xfrm>
+          <a:off x="0" y="0"/>
+          <a:ext cx="0" cy="0"/>
+          <a:chOff x="0" y="0"/>
+          <a:chExt cx="0" cy="0"/>
+        </a:xfrm>
+      </p:grpSpPr>
+      <p:sp>
+        <p:nvSpPr>
+          <p:cNvPr id="2" name="Marcador de imagen de diapositiva 1"/>
+          <p:cNvSpPr>
+            <a:spLocks noGrp="1" noRot="1" noChangeAspect="1"/>
+          </p:cNvSpPr>
+          <p:nvPr>
+            <p:ph type="sldImg"/>
+          </p:nvPr>
+        </p:nvSpPr>
+        <p:spPr/>
+      </p:sp>
+      <p:sp>
+        <p:nvSpPr>
+          <p:cNvPr id="3" name="Marcador de notas 2"/>
+          <p:cNvSpPr>
+            <a:spLocks noGrp="1"/>
+          </p:cNvSpPr>
+          <p:nvPr>
+            <p:ph type="body" idx="1"/>
+          </p:nvPr>
+        </p:nvSpPr>
+        <p:spPr/>
+        <p:txBody>
+          <a:bodyPr/>
+          <a:lstStyle/>
+          <a:p>
+            <a:endParaRPr lang="es-ES_tradnl"/>
+          </a:p>
+        </p:txBody>
+      </p:sp>
+      <p:sp>
+        <p:nvSpPr>
+          <p:cNvPr id="4" name="Marcador de número de diapositiva 3"/>
+          <p:cNvSpPr>
+            <a:spLocks noGrp="1"/>
+          </p:cNvSpPr>
+          <p:nvPr>
+            <p:ph type="sldNum" sz="quarter" idx="5"/>
+          </p:nvPr>
+        </p:nvSpPr>
+        <p:spPr/>
+        <p:txBody>
+          <a:bodyPr/>
+          <a:lstStyle/>
+          <a:p>
+            <a:fld id="{104F4B93-FD80-40D1-A03B-B5EE94DE1DA2}" type="slidenum">
+              <a:rPr lang="es-ES_tradnl" smtClean="0"/>
+              <a:t>5</a:t>
+            </a:fld>
+            <a:endParaRPr lang="es-ES_tradnl"/>
+          </a:p>
+        </p:txBody>
+      </p:sp>
+    </p:spTree>
+    <p:extLst>
+      <p:ext uri="{BB962C8B-B14F-4D97-AF65-F5344CB8AC3E}">
+        <p14:creationId xmlns:p14="http://schemas.microsoft.com/office/powerpoint/2010/main" val="107817278"/>
+      </p:ext>
+    </p:extLst>
+  </p:cSld>
+  <p:clrMapOvr>
+    <a:masterClrMapping/>
+  </p:clrMapOvr>
+</p:notes>
+</file>
+
+<file path=ppt/notesSlides/notesSlide5.xml><?xml version="1.0" encoding="utf-8"?>
+<p:notes xmlns:a="http://schemas.openxmlformats.org/drawingml/2006/main" xmlns:r="http://schemas.openxmlformats.org/officeDocument/2006/relationships" xmlns:p="http://schemas.openxmlformats.org/presentationml/2006/main">
+  <p:cSld>
+    <p:spTree>
+      <p:nvGrpSpPr>
+        <p:cNvPr id="1" name=""/>
+        <p:cNvGrpSpPr/>
+        <p:nvPr/>
+      </p:nvGrpSpPr>
+      <p:grpSpPr>
+        <a:xfrm>
+          <a:off x="0" y="0"/>
+          <a:ext cx="0" cy="0"/>
+          <a:chOff x="0" y="0"/>
+          <a:chExt cx="0" cy="0"/>
+        </a:xfrm>
+      </p:grpSpPr>
+      <p:sp>
+        <p:nvSpPr>
+          <p:cNvPr id="2" name="Marcador de imagen de diapositiva 1"/>
+          <p:cNvSpPr>
+            <a:spLocks noGrp="1" noRot="1" noChangeAspect="1"/>
+          </p:cNvSpPr>
+          <p:nvPr>
+            <p:ph type="sldImg"/>
+          </p:nvPr>
+        </p:nvSpPr>
+        <p:spPr/>
+      </p:sp>
+      <p:sp>
+        <p:nvSpPr>
+          <p:cNvPr id="3" name="Marcador de notas 2"/>
+          <p:cNvSpPr>
+            <a:spLocks noGrp="1"/>
+          </p:cNvSpPr>
+          <p:nvPr>
+            <p:ph type="body" idx="1"/>
+          </p:nvPr>
+        </p:nvSpPr>
+        <p:spPr/>
+        <p:txBody>
+          <a:bodyPr/>
+          <a:lstStyle/>
+          <a:p>
+            <a:endParaRPr lang="es-ES_tradnl"/>
+          </a:p>
+        </p:txBody>
+      </p:sp>
+      <p:sp>
+        <p:nvSpPr>
+          <p:cNvPr id="4" name="Marcador de número de diapositiva 3"/>
+          <p:cNvSpPr>
+            <a:spLocks noGrp="1"/>
+          </p:cNvSpPr>
+          <p:nvPr>
+            <p:ph type="sldNum" sz="quarter" idx="5"/>
+          </p:nvPr>
+        </p:nvSpPr>
+        <p:spPr/>
+        <p:txBody>
+          <a:bodyPr/>
+          <a:lstStyle/>
+          <a:p>
+            <a:fld id="{104F4B93-FD80-40D1-A03B-B5EE94DE1DA2}" type="slidenum">
+              <a:rPr lang="es-ES_tradnl" smtClean="0"/>
+              <a:t>7</a:t>
+            </a:fld>
+            <a:endParaRPr lang="es-ES_tradnl"/>
+          </a:p>
+        </p:txBody>
+      </p:sp>
+    </p:spTree>
+    <p:extLst>
+      <p:ext uri="{BB962C8B-B14F-4D97-AF65-F5344CB8AC3E}">
+        <p14:creationId xmlns:p14="http://schemas.microsoft.com/office/powerpoint/2010/main" val="737635417"/>
+      </p:ext>
+    </p:extLst>
+  </p:cSld>
+  <p:clrMapOvr>
+    <a:masterClrMapping/>
+  </p:clrMapOvr>
+</p:notes>
 </file>
 
 <file path=ppt/slideLayouts/slideLayout1.xml><?xml version="1.0" encoding="utf-8"?>
@@ -311,7 +1163,7 @@
           <a:p>
             <a:fld id="{2ECD1528-1619-4A37-AC36-A340C31E9115}" type="datetimeFigureOut">
               <a:rPr lang="es-ES_tradnl" smtClean="0"/>
-              <a:t>16/04/2025</a:t>
+              <a:t>24/04/2025</a:t>
             </a:fld>
             <a:endParaRPr lang="es-ES_tradnl"/>
           </a:p>
@@ -747,7 +1599,7 @@
           <a:p>
             <a:fld id="{2ECD1528-1619-4A37-AC36-A340C31E9115}" type="datetimeFigureOut">
               <a:rPr lang="es-ES_tradnl" smtClean="0"/>
-              <a:t>16/04/2025</a:t>
+              <a:t>24/04/2025</a:t>
             </a:fld>
             <a:endParaRPr lang="es-ES_tradnl"/>
           </a:p>
@@ -997,7 +1849,7 @@
           <a:p>
             <a:fld id="{2ECD1528-1619-4A37-AC36-A340C31E9115}" type="datetimeFigureOut">
               <a:rPr lang="es-ES_tradnl" smtClean="0"/>
-              <a:t>16/04/2025</a:t>
+              <a:t>24/04/2025</a:t>
             </a:fld>
             <a:endParaRPr lang="es-ES_tradnl"/>
           </a:p>
@@ -1305,7 +2157,7 @@
           <a:p>
             <a:fld id="{2ECD1528-1619-4A37-AC36-A340C31E9115}" type="datetimeFigureOut">
               <a:rPr lang="es-ES_tradnl" smtClean="0"/>
-              <a:t>16/04/2025</a:t>
+              <a:t>24/04/2025</a:t>
             </a:fld>
             <a:endParaRPr lang="es-ES_tradnl"/>
           </a:p>
@@ -1623,7 +2475,7 @@
           <a:p>
             <a:fld id="{2ECD1528-1619-4A37-AC36-A340C31E9115}" type="datetimeFigureOut">
               <a:rPr lang="es-ES_tradnl" smtClean="0"/>
-              <a:t>16/04/2025</a:t>
+              <a:t>24/04/2025</a:t>
             </a:fld>
             <a:endParaRPr lang="es-ES_tradnl"/>
           </a:p>
@@ -1925,7 +2777,7 @@
           <a:p>
             <a:fld id="{2ECD1528-1619-4A37-AC36-A340C31E9115}" type="datetimeFigureOut">
               <a:rPr lang="es-ES_tradnl" smtClean="0"/>
-              <a:t>16/04/2025</a:t>
+              <a:t>24/04/2025</a:t>
             </a:fld>
             <a:endParaRPr lang="es-ES_tradnl"/>
           </a:p>
@@ -2292,7 +3144,7 @@
           <a:p>
             <a:fld id="{2ECD1528-1619-4A37-AC36-A340C31E9115}" type="datetimeFigureOut">
               <a:rPr lang="es-ES_tradnl" smtClean="0"/>
-              <a:t>16/04/2025</a:t>
+              <a:t>24/04/2025</a:t>
             </a:fld>
             <a:endParaRPr lang="es-ES_tradnl"/>
           </a:p>
@@ -2466,7 +3318,7 @@
           <a:p>
             <a:fld id="{2ECD1528-1619-4A37-AC36-A340C31E9115}" type="datetimeFigureOut">
               <a:rPr lang="es-ES_tradnl" smtClean="0"/>
-              <a:t>16/04/2025</a:t>
+              <a:t>24/04/2025</a:t>
             </a:fld>
             <a:endParaRPr lang="es-ES_tradnl"/>
           </a:p>
@@ -2646,7 +3498,7 @@
           <a:p>
             <a:fld id="{2ECD1528-1619-4A37-AC36-A340C31E9115}" type="datetimeFigureOut">
               <a:rPr lang="es-ES_tradnl" smtClean="0"/>
-              <a:t>16/04/2025</a:t>
+              <a:t>24/04/2025</a:t>
             </a:fld>
             <a:endParaRPr lang="es-ES_tradnl"/>
           </a:p>
@@ -2816,7 +3668,7 @@
           <a:p>
             <a:fld id="{2ECD1528-1619-4A37-AC36-A340C31E9115}" type="datetimeFigureOut">
               <a:rPr lang="es-ES_tradnl" smtClean="0"/>
-              <a:t>16/04/2025</a:t>
+              <a:t>24/04/2025</a:t>
             </a:fld>
             <a:endParaRPr lang="es-ES_tradnl"/>
           </a:p>
@@ -3066,7 +3918,7 @@
           <a:p>
             <a:fld id="{2ECD1528-1619-4A37-AC36-A340C31E9115}" type="datetimeFigureOut">
               <a:rPr lang="es-ES_tradnl" smtClean="0"/>
-              <a:t>16/04/2025</a:t>
+              <a:t>24/04/2025</a:t>
             </a:fld>
             <a:endParaRPr lang="es-ES_tradnl"/>
           </a:p>
@@ -3302,7 +4154,7 @@
           <a:p>
             <a:fld id="{2ECD1528-1619-4A37-AC36-A340C31E9115}" type="datetimeFigureOut">
               <a:rPr lang="es-ES_tradnl" smtClean="0"/>
-              <a:t>16/04/2025</a:t>
+              <a:t>24/04/2025</a:t>
             </a:fld>
             <a:endParaRPr lang="es-ES_tradnl"/>
           </a:p>
@@ -3684,7 +4536,7 @@
           <a:p>
             <a:fld id="{2ECD1528-1619-4A37-AC36-A340C31E9115}" type="datetimeFigureOut">
               <a:rPr lang="es-ES_tradnl" smtClean="0"/>
-              <a:t>16/04/2025</a:t>
+              <a:t>24/04/2025</a:t>
             </a:fld>
             <a:endParaRPr lang="es-ES_tradnl"/>
           </a:p>
@@ -3802,7 +4654,7 @@
           <a:p>
             <a:fld id="{2ECD1528-1619-4A37-AC36-A340C31E9115}" type="datetimeFigureOut">
               <a:rPr lang="es-ES_tradnl" smtClean="0"/>
-              <a:t>16/04/2025</a:t>
+              <a:t>24/04/2025</a:t>
             </a:fld>
             <a:endParaRPr lang="es-ES_tradnl"/>
           </a:p>
@@ -3897,7 +4749,7 @@
           <a:p>
             <a:fld id="{2ECD1528-1619-4A37-AC36-A340C31E9115}" type="datetimeFigureOut">
               <a:rPr lang="es-ES_tradnl" smtClean="0"/>
-              <a:t>16/04/2025</a:t>
+              <a:t>24/04/2025</a:t>
             </a:fld>
             <a:endParaRPr lang="es-ES_tradnl"/>
           </a:p>
@@ -4152,7 +5004,7 @@
           <a:p>
             <a:fld id="{2ECD1528-1619-4A37-AC36-A340C31E9115}" type="datetimeFigureOut">
               <a:rPr lang="es-ES_tradnl" smtClean="0"/>
-              <a:t>16/04/2025</a:t>
+              <a:t>24/04/2025</a:t>
             </a:fld>
             <a:endParaRPr lang="es-ES_tradnl"/>
           </a:p>
@@ -4435,7 +5287,7 @@
           <a:p>
             <a:fld id="{2ECD1528-1619-4A37-AC36-A340C31E9115}" type="datetimeFigureOut">
               <a:rPr lang="es-ES_tradnl" smtClean="0"/>
-              <a:t>16/04/2025</a:t>
+              <a:t>24/04/2025</a:t>
             </a:fld>
             <a:endParaRPr lang="es-ES_tradnl"/>
           </a:p>
@@ -4841,7 +5693,7 @@
           <a:p>
             <a:fld id="{2ECD1528-1619-4A37-AC36-A340C31E9115}" type="datetimeFigureOut">
               <a:rPr lang="es-ES_tradnl" smtClean="0"/>
-              <a:t>16/04/2025</a:t>
+              <a:t>24/04/2025</a:t>
             </a:fld>
             <a:endParaRPr lang="es-ES_tradnl"/>
           </a:p>
@@ -5378,10 +6230,10 @@
       </p:grpSpPr>
       <p:sp>
         <p:nvSpPr>
-          <p:cNvPr id="14" name="Rectángulo 13">
+          <p:cNvPr id="4" name="Rectángulo 3">
             <a:extLst>
               <a:ext uri="{FF2B5EF4-FFF2-40B4-BE49-F238E27FC236}">
-                <a16:creationId xmlns:a16="http://schemas.microsoft.com/office/drawing/2014/main" id="{3131D6A5-C9C5-4AC4-8DBE-44CD3A61CACE}"/>
+                <a16:creationId xmlns:a16="http://schemas.microsoft.com/office/drawing/2014/main" id="{113972C5-B9D6-4A2E-A8BF-0C1CAB91FA9F}"/>
               </a:ext>
             </a:extLst>
           </p:cNvPr>
@@ -5391,7 +6243,7 @@
         <p:spPr>
           <a:xfrm>
             <a:off x="0" y="0"/>
-            <a:ext cx="12204875" cy="1017320"/>
+            <a:ext cx="12204875" cy="3645074"/>
           </a:xfrm>
           <a:prstGeom prst="rect">
             <a:avLst/>
@@ -5428,51 +6280,12 @@
           </a:p>
         </p:txBody>
       </p:sp>
-      <p:cxnSp>
-        <p:nvCxnSpPr>
-          <p:cNvPr id="15" name="Conector recto 14">
+      <p:sp>
+        <p:nvSpPr>
+          <p:cNvPr id="6" name="CuadroTexto 5">
             <a:extLst>
               <a:ext uri="{FF2B5EF4-FFF2-40B4-BE49-F238E27FC236}">
-                <a16:creationId xmlns:a16="http://schemas.microsoft.com/office/drawing/2014/main" id="{BF3AF9A4-1448-48D6-A63F-70765D1C80C0}"/>
-              </a:ext>
-            </a:extLst>
-          </p:cNvPr>
-          <p:cNvCxnSpPr>
-            <a:cxnSpLocks/>
-          </p:cNvCxnSpPr>
-          <p:nvPr/>
-        </p:nvCxnSpPr>
-        <p:spPr>
-          <a:xfrm flipH="1">
-            <a:off x="-1814" y="1039469"/>
-            <a:ext cx="7020000" cy="0"/>
-          </a:xfrm>
-          <a:prstGeom prst="line">
-            <a:avLst/>
-          </a:prstGeom>
-          <a:ln w="76200"/>
-        </p:spPr>
-        <p:style>
-          <a:lnRef idx="3">
-            <a:schemeClr val="accent2"/>
-          </a:lnRef>
-          <a:fillRef idx="0">
-            <a:schemeClr val="accent2"/>
-          </a:fillRef>
-          <a:effectRef idx="2">
-            <a:schemeClr val="accent2"/>
-          </a:effectRef>
-          <a:fontRef idx="minor">
-            <a:schemeClr val="tx1"/>
-          </a:fontRef>
-        </p:style>
-      </p:cxnSp>
-      <p:sp>
-        <p:nvSpPr>
-          <p:cNvPr id="16" name="CuadroTexto 15">
-            <a:extLst>
-              <a:ext uri="{FF2B5EF4-FFF2-40B4-BE49-F238E27FC236}">
-                <a16:creationId xmlns:a16="http://schemas.microsoft.com/office/drawing/2014/main" id="{DCAF78B4-8C09-456F-92A6-2917446CEC7E}"/>
+                <a16:creationId xmlns:a16="http://schemas.microsoft.com/office/drawing/2014/main" id="{AEF24A7A-3C79-4A50-BDCD-5FDB11683A9C}"/>
               </a:ext>
             </a:extLst>
           </p:cNvPr>
@@ -5481,8 +6294,8 @@
         </p:nvSpPr>
         <p:spPr>
           <a:xfrm>
-            <a:off x="100012" y="36547"/>
-            <a:ext cx="11918694" cy="954107"/>
+            <a:off x="80286" y="345209"/>
+            <a:ext cx="11918694" cy="3416320"/>
           </a:xfrm>
           <a:prstGeom prst="rect">
             <a:avLst/>
@@ -5501,15 +6314,74 @@
                   <a:schemeClr val="bg1"/>
                 </a:solidFill>
               </a:rPr>
-              <a:t>Materia - Análisis de Datos - </a:t>
-            </a:r>
+              <a:t>Materia - Análisis de Datos – </a:t>
+            </a:r>
+          </a:p>
+          <a:p>
+            <a:endParaRPr lang="es-ES" cap="all" dirty="0">
+              <a:solidFill>
+                <a:schemeClr val="bg1"/>
+              </a:solidFill>
+            </a:endParaRPr>
+          </a:p>
+          <a:p>
+            <a:endParaRPr lang="es-ES" cap="all" dirty="0">
+              <a:solidFill>
+                <a:schemeClr val="bg1"/>
+              </a:solidFill>
+            </a:endParaRPr>
+          </a:p>
+          <a:p>
+            <a:endParaRPr lang="es-ES" cap="all" dirty="0">
+              <a:solidFill>
+                <a:schemeClr val="bg1"/>
+              </a:solidFill>
+            </a:endParaRPr>
+          </a:p>
+          <a:p>
+            <a:endParaRPr lang="es-ES" cap="all" dirty="0">
+              <a:solidFill>
+                <a:schemeClr val="bg1"/>
+              </a:solidFill>
+            </a:endParaRPr>
+          </a:p>
+          <a:p>
+            <a:endParaRPr lang="es-ES" cap="all" dirty="0">
+              <a:solidFill>
+                <a:schemeClr val="bg1"/>
+              </a:solidFill>
+            </a:endParaRPr>
+          </a:p>
+          <a:p>
+            <a:endParaRPr lang="es-ES" cap="all" dirty="0">
+              <a:solidFill>
+                <a:schemeClr val="bg1"/>
+              </a:solidFill>
+            </a:endParaRPr>
+          </a:p>
+          <a:p>
+            <a:endParaRPr lang="es-ES" cap="all" dirty="0">
+              <a:solidFill>
+                <a:schemeClr val="bg1"/>
+              </a:solidFill>
+            </a:endParaRPr>
+          </a:p>
+          <a:p>
+            <a:endParaRPr lang="es-ES" cap="all" dirty="0">
+              <a:solidFill>
+                <a:schemeClr val="bg1"/>
+              </a:solidFill>
+            </a:endParaRPr>
+          </a:p>
+          <a:p>
+            <a:pPr algn="ctr"/>
             <a:r>
               <a:rPr lang="es-ES_tradnl" cap="all" dirty="0">
                 <a:solidFill>
                   <a:schemeClr val="bg1"/>
                 </a:solidFill>
               </a:rPr>
-              <a:t>Recorridos en </a:t>
+              <a:t>DATASET- Recorridos en </a:t>
             </a:r>
             <a:r>
               <a:rPr lang="es-ES_tradnl" cap="all" dirty="0" err="1">
@@ -5529,6 +6401,7 @@
             </a:r>
           </a:p>
           <a:p>
+            <a:pPr algn="ctr"/>
             <a:endParaRPr lang="es-ES_tradnl" cap="all" dirty="0">
               <a:solidFill>
                 <a:schemeClr val="bg1"/>
@@ -5537,14 +6410,6 @@
           </a:p>
           <a:p>
             <a:pPr algn="ctr"/>
-            <a:r>
-              <a:rPr lang="es-ES_tradnl" sz="2000" b="1" cap="all" dirty="0">
-                <a:solidFill>
-                  <a:schemeClr val="bg1"/>
-                </a:solidFill>
-              </a:rPr>
-              <a:t>Listado 5 registros de manera aleatoria</a:t>
-            </a:r>
             <a:endParaRPr lang="es-ES_tradnl" cap="all" dirty="0">
               <a:solidFill>
                 <a:schemeClr val="bg1"/>
@@ -5555,10 +6420,10 @@
       </p:sp>
       <p:pic>
         <p:nvPicPr>
-          <p:cNvPr id="17" name="Picture 4" descr="UBA | Facultad de Ingeniería">
+          <p:cNvPr id="7" name="Picture 4" descr="UBA | Facultad de Ingeniería">
             <a:extLst>
               <a:ext uri="{FF2B5EF4-FFF2-40B4-BE49-F238E27FC236}">
-                <a16:creationId xmlns:a16="http://schemas.microsoft.com/office/drawing/2014/main" id="{3BC9EBEC-4415-429D-82E3-F343E3A064BB}"/>
+                <a16:creationId xmlns:a16="http://schemas.microsoft.com/office/drawing/2014/main" id="{E08794E3-5317-4DBB-8AAA-2A0CB401A592}"/>
               </a:ext>
             </a:extLst>
           </p:cNvPr>
@@ -5591,7 +6456,7 @@
         </p:blipFill>
         <p:spPr bwMode="auto">
           <a:xfrm>
-            <a:off x="9890975" y="36547"/>
+            <a:off x="9551835" y="80389"/>
             <a:ext cx="2201013" cy="842812"/>
           </a:xfrm>
           <a:prstGeom prst="rect">
@@ -5602,40 +6467,123 @@
           </a:solidFill>
         </p:spPr>
       </p:pic>
-      <p:pic>
-        <p:nvPicPr>
-          <p:cNvPr id="18" name="Imagen 17">
+      <p:sp>
+        <p:nvSpPr>
+          <p:cNvPr id="8" name="CuadroTexto 7">
             <a:extLst>
               <a:ext uri="{FF2B5EF4-FFF2-40B4-BE49-F238E27FC236}">
-                <a16:creationId xmlns:a16="http://schemas.microsoft.com/office/drawing/2014/main" id="{A0DF26D6-8F0C-4FE8-86AB-F3328F28FA4A}"/>
+                <a16:creationId xmlns:a16="http://schemas.microsoft.com/office/drawing/2014/main" id="{0C8A3A7B-9AF8-4107-92BB-5D28FD9997C7}"/>
               </a:ext>
             </a:extLst>
           </p:cNvPr>
-          <p:cNvPicPr>
-            <a:picLocks noChangeAspect="1"/>
-          </p:cNvPicPr>
+          <p:cNvSpPr txBox="1"/>
           <p:nvPr/>
-        </p:nvPicPr>
-        <p:blipFill>
-          <a:blip r:embed="rId4"/>
-          <a:stretch>
-            <a:fillRect/>
-          </a:stretch>
-        </p:blipFill>
-        <p:spPr>
-          <a:xfrm>
-            <a:off x="514164" y="1403435"/>
-            <a:ext cx="10891234" cy="5214059"/>
+        </p:nvSpPr>
+        <p:spPr>
+          <a:xfrm>
+            <a:off x="7897661" y="5934670"/>
+            <a:ext cx="4690997" cy="923330"/>
           </a:xfrm>
           <a:prstGeom prst="rect">
             <a:avLst/>
           </a:prstGeom>
-        </p:spPr>
-      </p:pic>
+          <a:noFill/>
+        </p:spPr>
+        <p:txBody>
+          <a:bodyPr wrap="square" rtlCol="0">
+            <a:spAutoFit/>
+          </a:bodyPr>
+          <a:lstStyle/>
+          <a:p>
+            <a:r>
+              <a:rPr lang="es-ES_tradnl" b="0" dirty="0">
+                <a:solidFill>
+                  <a:srgbClr val="D4D4D4"/>
+                </a:solidFill>
+                <a:effectLst/>
+                <a:latin typeface="Consolas" panose="020B0609020204030204" pitchFamily="49" charset="0"/>
+              </a:rPr>
+              <a:t>Autores:</a:t>
+            </a:r>
+          </a:p>
+          <a:p>
+            <a:r>
+              <a:rPr lang="es-ES_tradnl" b="0" dirty="0" err="1">
+                <a:solidFill>
+                  <a:srgbClr val="D4D4D4"/>
+                </a:solidFill>
+                <a:effectLst/>
+                <a:latin typeface="Consolas" panose="020B0609020204030204" pitchFamily="49" charset="0"/>
+              </a:rPr>
+              <a:t>Yandri</a:t>
+            </a:r>
+            <a:r>
+              <a:rPr lang="es-ES_tradnl" b="0" dirty="0">
+                <a:solidFill>
+                  <a:srgbClr val="D4D4D4"/>
+                </a:solidFill>
+                <a:effectLst/>
+                <a:latin typeface="Consolas" panose="020B0609020204030204" pitchFamily="49" charset="0"/>
+              </a:rPr>
+              <a:t> Jair </a:t>
+            </a:r>
+            <a:r>
+              <a:rPr lang="es-ES_tradnl" b="0" dirty="0" err="1">
+                <a:solidFill>
+                  <a:srgbClr val="D4D4D4"/>
+                </a:solidFill>
+                <a:effectLst/>
+                <a:latin typeface="Consolas" panose="020B0609020204030204" pitchFamily="49" charset="0"/>
+              </a:rPr>
+              <a:t>Uchuari</a:t>
+            </a:r>
+            <a:r>
+              <a:rPr lang="es-ES_tradnl" b="0" dirty="0">
+                <a:solidFill>
+                  <a:srgbClr val="D4D4D4"/>
+                </a:solidFill>
+                <a:effectLst/>
+                <a:latin typeface="Consolas" panose="020B0609020204030204" pitchFamily="49" charset="0"/>
+              </a:rPr>
+              <a:t> </a:t>
+            </a:r>
+            <a:r>
+              <a:rPr lang="es-ES_tradnl" b="0" dirty="0" err="1">
+                <a:solidFill>
+                  <a:srgbClr val="D4D4D4"/>
+                </a:solidFill>
+                <a:effectLst/>
+                <a:latin typeface="Consolas" panose="020B0609020204030204" pitchFamily="49" charset="0"/>
+              </a:rPr>
+              <a:t>Gallardo</a:t>
+            </a:r>
+            <a:endParaRPr lang="es-ES_tradnl" b="0" dirty="0">
+              <a:solidFill>
+                <a:srgbClr val="D4D4D4"/>
+              </a:solidFill>
+              <a:effectLst/>
+              <a:latin typeface="Consolas" panose="020B0609020204030204" pitchFamily="49" charset="0"/>
+            </a:endParaRPr>
+          </a:p>
+          <a:p>
+            <a:r>
+              <a:rPr lang="es-ES_tradnl" b="0" dirty="0">
+                <a:solidFill>
+                  <a:srgbClr val="D4D4D4"/>
+                </a:solidFill>
+                <a:effectLst/>
+                <a:latin typeface="Consolas" panose="020B0609020204030204" pitchFamily="49" charset="0"/>
+              </a:rPr>
+              <a:t>Luis Alberto Santamaría Jiménez</a:t>
+            </a:r>
+            <a:endParaRPr lang="es-ES_tradnl" dirty="0"/>
+          </a:p>
+        </p:txBody>
+      </p:sp>
     </p:spTree>
     <p:extLst>
       <p:ext uri="{BB962C8B-B14F-4D97-AF65-F5344CB8AC3E}">
-        <p14:creationId xmlns:p14="http://schemas.microsoft.com/office/powerpoint/2010/main" val="3824200471"/>
+        <p14:creationId xmlns:p14="http://schemas.microsoft.com/office/powerpoint/2010/main" val="3573303859"/>
       </p:ext>
     </p:extLst>
   </p:cSld>
@@ -5664,10 +6612,10 @@
       </p:grpSpPr>
       <p:sp>
         <p:nvSpPr>
-          <p:cNvPr id="4" name="Rectángulo 3">
+          <p:cNvPr id="8" name="Rectángulo 7">
             <a:extLst>
               <a:ext uri="{FF2B5EF4-FFF2-40B4-BE49-F238E27FC236}">
-                <a16:creationId xmlns:a16="http://schemas.microsoft.com/office/drawing/2014/main" id="{79ADB037-0579-4046-AEEE-0758D66C23B0}"/>
+                <a16:creationId xmlns:a16="http://schemas.microsoft.com/office/drawing/2014/main" id="{4128A73D-1EFD-40B8-9961-6A97BCED5EC7}"/>
               </a:ext>
             </a:extLst>
           </p:cNvPr>
@@ -5716,10 +6664,10 @@
       </p:sp>
       <p:cxnSp>
         <p:nvCxnSpPr>
-          <p:cNvPr id="5" name="Conector recto 4">
+          <p:cNvPr id="9" name="Conector recto 8">
             <a:extLst>
               <a:ext uri="{FF2B5EF4-FFF2-40B4-BE49-F238E27FC236}">
-                <a16:creationId xmlns:a16="http://schemas.microsoft.com/office/drawing/2014/main" id="{886B9D95-4EB5-44F4-AF60-F79AC07360A6}"/>
+                <a16:creationId xmlns:a16="http://schemas.microsoft.com/office/drawing/2014/main" id="{A56D1B3B-B74D-4175-BA8C-DB487ABD37FB}"/>
               </a:ext>
             </a:extLst>
           </p:cNvPr>
@@ -5755,6 +6703,624 @@
       </p:cxnSp>
       <p:sp>
         <p:nvSpPr>
+          <p:cNvPr id="10" name="CuadroTexto 9">
+            <a:extLst>
+              <a:ext uri="{FF2B5EF4-FFF2-40B4-BE49-F238E27FC236}">
+                <a16:creationId xmlns:a16="http://schemas.microsoft.com/office/drawing/2014/main" id="{0BA32A5A-A36B-430C-BE06-9D7E6B7DF715}"/>
+              </a:ext>
+            </a:extLst>
+          </p:cNvPr>
+          <p:cNvSpPr txBox="1"/>
+          <p:nvPr/>
+        </p:nvSpPr>
+        <p:spPr>
+          <a:xfrm>
+            <a:off x="100012" y="36547"/>
+            <a:ext cx="11918694" cy="954107"/>
+          </a:xfrm>
+          <a:prstGeom prst="rect">
+            <a:avLst/>
+          </a:prstGeom>
+          <a:noFill/>
+        </p:spPr>
+        <p:txBody>
+          <a:bodyPr wrap="square" numCol="1" rtlCol="0">
+            <a:spAutoFit/>
+          </a:bodyPr>
+          <a:lstStyle/>
+          <a:p>
+            <a:r>
+              <a:rPr lang="es-ES" cap="all" dirty="0">
+                <a:solidFill>
+                  <a:schemeClr val="bg1"/>
+                </a:solidFill>
+              </a:rPr>
+              <a:t>Materia - Análisis de Datos - </a:t>
+            </a:r>
+            <a:r>
+              <a:rPr lang="es-ES_tradnl" cap="all" dirty="0">
+                <a:solidFill>
+                  <a:schemeClr val="bg1"/>
+                </a:solidFill>
+              </a:rPr>
+              <a:t>Recorridos en </a:t>
+            </a:r>
+            <a:r>
+              <a:rPr lang="es-ES_tradnl" cap="all" dirty="0" err="1">
+                <a:solidFill>
+                  <a:schemeClr val="bg1"/>
+                </a:solidFill>
+              </a:rPr>
+              <a:t>Ecobicis</a:t>
+            </a:r>
+            <a:r>
+              <a:rPr lang="es-ES_tradnl" cap="all" dirty="0">
+                <a:solidFill>
+                  <a:schemeClr val="bg1"/>
+                </a:solidFill>
+              </a:rPr>
+              <a:t> en el año 2024</a:t>
+            </a:r>
+          </a:p>
+          <a:p>
+            <a:endParaRPr lang="es-ES_tradnl" cap="all" dirty="0">
+              <a:solidFill>
+                <a:schemeClr val="bg1"/>
+              </a:solidFill>
+            </a:endParaRPr>
+          </a:p>
+          <a:p>
+            <a:pPr algn="ctr"/>
+            <a:r>
+              <a:rPr lang="es-ES_tradnl" sz="2000" b="1" cap="all" dirty="0" err="1">
+                <a:solidFill>
+                  <a:schemeClr val="bg1"/>
+                </a:solidFill>
+              </a:rPr>
+              <a:t>fecha_destino_recorrido</a:t>
+            </a:r>
+            <a:r>
+              <a:rPr lang="es-ES_tradnl" sz="2000" b="1" cap="all" dirty="0">
+                <a:solidFill>
+                  <a:schemeClr val="bg1"/>
+                </a:solidFill>
+              </a:rPr>
+              <a:t> / GENERO  CON VALOR NULL </a:t>
+            </a:r>
+            <a:endParaRPr lang="es-ES_tradnl" cap="all" dirty="0">
+              <a:solidFill>
+                <a:schemeClr val="bg1"/>
+              </a:solidFill>
+            </a:endParaRPr>
+          </a:p>
+        </p:txBody>
+      </p:sp>
+      <p:pic>
+        <p:nvPicPr>
+          <p:cNvPr id="11" name="Picture 4" descr="UBA | Facultad de Ingeniería">
+            <a:extLst>
+              <a:ext uri="{FF2B5EF4-FFF2-40B4-BE49-F238E27FC236}">
+                <a16:creationId xmlns:a16="http://schemas.microsoft.com/office/drawing/2014/main" id="{CA6B17F3-07DE-4557-8AB0-B67F2FA2143C}"/>
+              </a:ext>
+            </a:extLst>
+          </p:cNvPr>
+          <p:cNvPicPr>
+            <a:picLocks noChangeAspect="1" noChangeArrowheads="1"/>
+          </p:cNvPicPr>
+          <p:nvPr/>
+        </p:nvPicPr>
+        <p:blipFill>
+          <a:blip r:embed="rId2">
+            <a:extLst>
+              <a:ext uri="{BEBA8EAE-BF5A-486C-A8C5-ECC9F3942E4B}">
+                <a14:imgProps xmlns:a14="http://schemas.microsoft.com/office/drawing/2010/main">
+                  <a14:imgLayer r:embed="rId3">
+                    <a14:imgEffect>
+                      <a14:saturation sat="33000"/>
+                    </a14:imgEffect>
+                  </a14:imgLayer>
+                </a14:imgProps>
+              </a:ext>
+              <a:ext uri="{28A0092B-C50C-407E-A947-70E740481C1C}">
+                <a14:useLocalDpi xmlns:a14="http://schemas.microsoft.com/office/drawing/2010/main" val="0"/>
+              </a:ext>
+            </a:extLst>
+          </a:blip>
+          <a:srcRect/>
+          <a:stretch>
+            <a:fillRect/>
+          </a:stretch>
+        </p:blipFill>
+        <p:spPr bwMode="auto">
+          <a:xfrm>
+            <a:off x="9890975" y="36547"/>
+            <a:ext cx="2201013" cy="842812"/>
+          </a:xfrm>
+          <a:prstGeom prst="rect">
+            <a:avLst/>
+          </a:prstGeom>
+          <a:solidFill>
+            <a:srgbClr val="FFFFFF"/>
+          </a:solidFill>
+        </p:spPr>
+      </p:pic>
+      <p:pic>
+        <p:nvPicPr>
+          <p:cNvPr id="13" name="Imagen 12">
+            <a:extLst>
+              <a:ext uri="{FF2B5EF4-FFF2-40B4-BE49-F238E27FC236}">
+                <a16:creationId xmlns:a16="http://schemas.microsoft.com/office/drawing/2014/main" id="{F4906063-EC7F-43AC-82A1-3F25319DBFD0}"/>
+              </a:ext>
+            </a:extLst>
+          </p:cNvPr>
+          <p:cNvPicPr>
+            <a:picLocks noChangeAspect="1"/>
+          </p:cNvPicPr>
+          <p:nvPr/>
+        </p:nvPicPr>
+        <p:blipFill>
+          <a:blip r:embed="rId4"/>
+          <a:stretch>
+            <a:fillRect/>
+          </a:stretch>
+        </p:blipFill>
+        <p:spPr>
+          <a:xfrm>
+            <a:off x="6632532" y="1717070"/>
+            <a:ext cx="5401642" cy="4984622"/>
+          </a:xfrm>
+          <a:prstGeom prst="rect">
+            <a:avLst/>
+          </a:prstGeom>
+        </p:spPr>
+      </p:pic>
+      <p:pic>
+        <p:nvPicPr>
+          <p:cNvPr id="15" name="Imagen 14">
+            <a:extLst>
+              <a:ext uri="{FF2B5EF4-FFF2-40B4-BE49-F238E27FC236}">
+                <a16:creationId xmlns:a16="http://schemas.microsoft.com/office/drawing/2014/main" id="{386840FF-1E6D-4A94-AF9D-4E7253B48B71}"/>
+              </a:ext>
+            </a:extLst>
+          </p:cNvPr>
+          <p:cNvPicPr>
+            <a:picLocks noChangeAspect="1"/>
+          </p:cNvPicPr>
+          <p:nvPr/>
+        </p:nvPicPr>
+        <p:blipFill>
+          <a:blip r:embed="rId5"/>
+          <a:stretch>
+            <a:fillRect/>
+          </a:stretch>
+        </p:blipFill>
+        <p:spPr>
+          <a:xfrm>
+            <a:off x="-1814" y="1158449"/>
+            <a:ext cx="6590504" cy="3392617"/>
+          </a:xfrm>
+          <a:prstGeom prst="rect">
+            <a:avLst/>
+          </a:prstGeom>
+        </p:spPr>
+      </p:pic>
+    </p:spTree>
+    <p:extLst>
+      <p:ext uri="{BB962C8B-B14F-4D97-AF65-F5344CB8AC3E}">
+        <p14:creationId xmlns:p14="http://schemas.microsoft.com/office/powerpoint/2010/main" val="3833198138"/>
+      </p:ext>
+    </p:extLst>
+  </p:cSld>
+  <p:clrMapOvr>
+    <a:masterClrMapping/>
+  </p:clrMapOvr>
+</p:sld>
+</file>
+
+<file path=ppt/slides/slide11.xml><?xml version="1.0" encoding="utf-8"?>
+<p:sld xmlns:a="http://schemas.openxmlformats.org/drawingml/2006/main" xmlns:r="http://schemas.openxmlformats.org/officeDocument/2006/relationships" xmlns:p="http://schemas.openxmlformats.org/presentationml/2006/main">
+  <p:cSld>
+    <p:spTree>
+      <p:nvGrpSpPr>
+        <p:cNvPr id="1" name=""/>
+        <p:cNvGrpSpPr/>
+        <p:nvPr/>
+      </p:nvGrpSpPr>
+      <p:grpSpPr>
+        <a:xfrm>
+          <a:off x="0" y="0"/>
+          <a:ext cx="0" cy="0"/>
+          <a:chOff x="0" y="0"/>
+          <a:chExt cx="0" cy="0"/>
+        </a:xfrm>
+      </p:grpSpPr>
+      <p:sp>
+        <p:nvSpPr>
+          <p:cNvPr id="4" name="Rectángulo 3">
+            <a:extLst>
+              <a:ext uri="{FF2B5EF4-FFF2-40B4-BE49-F238E27FC236}">
+                <a16:creationId xmlns:a16="http://schemas.microsoft.com/office/drawing/2014/main" id="{90CFDF54-28CD-426A-9DE4-47A8A6D93A69}"/>
+              </a:ext>
+            </a:extLst>
+          </p:cNvPr>
+          <p:cNvSpPr/>
+          <p:nvPr/>
+        </p:nvSpPr>
+        <p:spPr>
+          <a:xfrm>
+            <a:off x="0" y="0"/>
+            <a:ext cx="12204875" cy="1017320"/>
+          </a:xfrm>
+          <a:prstGeom prst="rect">
+            <a:avLst/>
+          </a:prstGeom>
+          <a:solidFill>
+            <a:srgbClr val="FFFFFF"/>
+          </a:solidFill>
+          <a:ln>
+            <a:noFill/>
+          </a:ln>
+        </p:spPr>
+        <p:style>
+          <a:lnRef idx="2">
+            <a:schemeClr val="accent1">
+              <a:shade val="50000"/>
+            </a:schemeClr>
+          </a:lnRef>
+          <a:fillRef idx="1">
+            <a:schemeClr val="accent1"/>
+          </a:fillRef>
+          <a:effectRef idx="0">
+            <a:schemeClr val="accent1"/>
+          </a:effectRef>
+          <a:fontRef idx="minor">
+            <a:schemeClr val="lt1"/>
+          </a:fontRef>
+        </p:style>
+        <p:txBody>
+          <a:bodyPr rtlCol="0" anchor="ctr"/>
+          <a:lstStyle/>
+          <a:p>
+            <a:pPr algn="ctr"/>
+            <a:endParaRPr lang="es-ES_tradnl" dirty="0"/>
+          </a:p>
+        </p:txBody>
+      </p:sp>
+      <p:cxnSp>
+        <p:nvCxnSpPr>
+          <p:cNvPr id="5" name="Conector recto 4">
+            <a:extLst>
+              <a:ext uri="{FF2B5EF4-FFF2-40B4-BE49-F238E27FC236}">
+                <a16:creationId xmlns:a16="http://schemas.microsoft.com/office/drawing/2014/main" id="{3FE2725E-9DDD-4324-89A0-6AA7172971BB}"/>
+              </a:ext>
+            </a:extLst>
+          </p:cNvPr>
+          <p:cNvCxnSpPr>
+            <a:cxnSpLocks/>
+          </p:cNvCxnSpPr>
+          <p:nvPr/>
+        </p:nvCxnSpPr>
+        <p:spPr>
+          <a:xfrm flipH="1">
+            <a:off x="-1814" y="1039469"/>
+            <a:ext cx="7020000" cy="0"/>
+          </a:xfrm>
+          <a:prstGeom prst="line">
+            <a:avLst/>
+          </a:prstGeom>
+          <a:ln w="76200"/>
+        </p:spPr>
+        <p:style>
+          <a:lnRef idx="3">
+            <a:schemeClr val="accent2"/>
+          </a:lnRef>
+          <a:fillRef idx="0">
+            <a:schemeClr val="accent2"/>
+          </a:fillRef>
+          <a:effectRef idx="2">
+            <a:schemeClr val="accent2"/>
+          </a:effectRef>
+          <a:fontRef idx="minor">
+            <a:schemeClr val="tx1"/>
+          </a:fontRef>
+        </p:style>
+      </p:cxnSp>
+      <p:sp>
+        <p:nvSpPr>
+          <p:cNvPr id="6" name="CuadroTexto 5">
+            <a:extLst>
+              <a:ext uri="{FF2B5EF4-FFF2-40B4-BE49-F238E27FC236}">
+                <a16:creationId xmlns:a16="http://schemas.microsoft.com/office/drawing/2014/main" id="{3B43E018-C464-4580-8C78-3613C0E7B1C1}"/>
+              </a:ext>
+            </a:extLst>
+          </p:cNvPr>
+          <p:cNvSpPr txBox="1"/>
+          <p:nvPr/>
+        </p:nvSpPr>
+        <p:spPr>
+          <a:xfrm>
+            <a:off x="100012" y="36547"/>
+            <a:ext cx="11918694" cy="954107"/>
+          </a:xfrm>
+          <a:prstGeom prst="rect">
+            <a:avLst/>
+          </a:prstGeom>
+          <a:noFill/>
+        </p:spPr>
+        <p:txBody>
+          <a:bodyPr wrap="square" numCol="1" rtlCol="0">
+            <a:spAutoFit/>
+          </a:bodyPr>
+          <a:lstStyle/>
+          <a:p>
+            <a:r>
+              <a:rPr lang="es-ES" dirty="0">
+                <a:solidFill>
+                  <a:schemeClr val="bg1"/>
+                </a:solidFill>
+              </a:rPr>
+              <a:t>Materia - Análisis de Datos - </a:t>
+            </a:r>
+            <a:r>
+              <a:rPr lang="es-ES_tradnl" dirty="0">
+                <a:solidFill>
+                  <a:schemeClr val="bg1"/>
+                </a:solidFill>
+              </a:rPr>
+              <a:t>Recorridos en </a:t>
+            </a:r>
+            <a:r>
+              <a:rPr lang="es-ES_tradnl" dirty="0" err="1">
+                <a:solidFill>
+                  <a:schemeClr val="bg1"/>
+                </a:solidFill>
+              </a:rPr>
+              <a:t>Ecobicis</a:t>
+            </a:r>
+            <a:r>
+              <a:rPr lang="es-ES_tradnl" dirty="0">
+                <a:solidFill>
+                  <a:schemeClr val="bg1"/>
+                </a:solidFill>
+              </a:rPr>
+              <a:t> en el año 2024</a:t>
+            </a:r>
+          </a:p>
+          <a:p>
+            <a:endParaRPr lang="es-ES_tradnl" dirty="0">
+              <a:solidFill>
+                <a:schemeClr val="bg1"/>
+              </a:solidFill>
+            </a:endParaRPr>
+          </a:p>
+          <a:p>
+            <a:pPr algn="ctr"/>
+            <a:r>
+              <a:rPr lang="es-ES_tradnl" sz="2000" b="1" cap="all" dirty="0">
+                <a:solidFill>
+                  <a:schemeClr val="bg1"/>
+                </a:solidFill>
+              </a:rPr>
+              <a:t>GENERO  CON VALOR NULL</a:t>
+            </a:r>
+            <a:r>
+              <a:rPr lang="es-ES_tradnl" sz="2000" b="1" dirty="0">
+                <a:solidFill>
+                  <a:schemeClr val="bg1"/>
+                </a:solidFill>
+              </a:rPr>
+              <a:t> </a:t>
+            </a:r>
+            <a:endParaRPr lang="es-ES_tradnl" dirty="0">
+              <a:solidFill>
+                <a:schemeClr val="bg1"/>
+              </a:solidFill>
+            </a:endParaRPr>
+          </a:p>
+        </p:txBody>
+      </p:sp>
+      <p:pic>
+        <p:nvPicPr>
+          <p:cNvPr id="7" name="Picture 4" descr="UBA | Facultad de Ingeniería">
+            <a:extLst>
+              <a:ext uri="{FF2B5EF4-FFF2-40B4-BE49-F238E27FC236}">
+                <a16:creationId xmlns:a16="http://schemas.microsoft.com/office/drawing/2014/main" id="{837516E4-BDED-4C19-AE0E-7049AF2D8B37}"/>
+              </a:ext>
+            </a:extLst>
+          </p:cNvPr>
+          <p:cNvPicPr>
+            <a:picLocks noChangeAspect="1" noChangeArrowheads="1"/>
+          </p:cNvPicPr>
+          <p:nvPr/>
+        </p:nvPicPr>
+        <p:blipFill>
+          <a:blip r:embed="rId2">
+            <a:extLst>
+              <a:ext uri="{BEBA8EAE-BF5A-486C-A8C5-ECC9F3942E4B}">
+                <a14:imgProps xmlns:a14="http://schemas.microsoft.com/office/drawing/2010/main">
+                  <a14:imgLayer r:embed="rId3">
+                    <a14:imgEffect>
+                      <a14:saturation sat="33000"/>
+                    </a14:imgEffect>
+                  </a14:imgLayer>
+                </a14:imgProps>
+              </a:ext>
+              <a:ext uri="{28A0092B-C50C-407E-A947-70E740481C1C}">
+                <a14:useLocalDpi xmlns:a14="http://schemas.microsoft.com/office/drawing/2010/main" val="0"/>
+              </a:ext>
+            </a:extLst>
+          </a:blip>
+          <a:srcRect/>
+          <a:stretch>
+            <a:fillRect/>
+          </a:stretch>
+        </p:blipFill>
+        <p:spPr bwMode="auto">
+          <a:xfrm>
+            <a:off x="9890975" y="36547"/>
+            <a:ext cx="2201013" cy="842812"/>
+          </a:xfrm>
+          <a:prstGeom prst="rect">
+            <a:avLst/>
+          </a:prstGeom>
+          <a:solidFill>
+            <a:srgbClr val="FFFFFF"/>
+          </a:solidFill>
+        </p:spPr>
+      </p:pic>
+      <p:pic>
+        <p:nvPicPr>
+          <p:cNvPr id="8" name="Imagen 7">
+            <a:extLst>
+              <a:ext uri="{FF2B5EF4-FFF2-40B4-BE49-F238E27FC236}">
+                <a16:creationId xmlns:a16="http://schemas.microsoft.com/office/drawing/2014/main" id="{81632ECB-7CF4-4E1E-9711-4B7744573383}"/>
+              </a:ext>
+            </a:extLst>
+          </p:cNvPr>
+          <p:cNvPicPr>
+            <a:picLocks noChangeAspect="1"/>
+          </p:cNvPicPr>
+          <p:nvPr/>
+        </p:nvPicPr>
+        <p:blipFill>
+          <a:blip r:embed="rId4"/>
+          <a:stretch>
+            <a:fillRect/>
+          </a:stretch>
+        </p:blipFill>
+        <p:spPr>
+          <a:xfrm>
+            <a:off x="2055446" y="1273757"/>
+            <a:ext cx="8287016" cy="5506091"/>
+          </a:xfrm>
+          <a:prstGeom prst="rect">
+            <a:avLst/>
+          </a:prstGeom>
+        </p:spPr>
+      </p:pic>
+    </p:spTree>
+    <p:extLst>
+      <p:ext uri="{BB962C8B-B14F-4D97-AF65-F5344CB8AC3E}">
+        <p14:creationId xmlns:p14="http://schemas.microsoft.com/office/powerpoint/2010/main" val="2117826350"/>
+      </p:ext>
+    </p:extLst>
+  </p:cSld>
+  <p:clrMapOvr>
+    <a:masterClrMapping/>
+  </p:clrMapOvr>
+</p:sld>
+</file>
+
+<file path=ppt/slides/slide12.xml><?xml version="1.0" encoding="utf-8"?>
+<p:sld xmlns:a="http://schemas.openxmlformats.org/drawingml/2006/main" xmlns:r="http://schemas.openxmlformats.org/officeDocument/2006/relationships" xmlns:p="http://schemas.openxmlformats.org/presentationml/2006/main">
+  <p:cSld>
+    <p:spTree>
+      <p:nvGrpSpPr>
+        <p:cNvPr id="1" name=""/>
+        <p:cNvGrpSpPr/>
+        <p:nvPr/>
+      </p:nvGrpSpPr>
+      <p:grpSpPr>
+        <a:xfrm>
+          <a:off x="0" y="0"/>
+          <a:ext cx="0" cy="0"/>
+          <a:chOff x="0" y="0"/>
+          <a:chExt cx="0" cy="0"/>
+        </a:xfrm>
+      </p:grpSpPr>
+      <p:sp>
+        <p:nvSpPr>
+          <p:cNvPr id="4" name="Rectángulo 3">
+            <a:extLst>
+              <a:ext uri="{FF2B5EF4-FFF2-40B4-BE49-F238E27FC236}">
+                <a16:creationId xmlns:a16="http://schemas.microsoft.com/office/drawing/2014/main" id="{79ADB037-0579-4046-AEEE-0758D66C23B0}"/>
+              </a:ext>
+            </a:extLst>
+          </p:cNvPr>
+          <p:cNvSpPr/>
+          <p:nvPr/>
+        </p:nvSpPr>
+        <p:spPr>
+          <a:xfrm>
+            <a:off x="0" y="0"/>
+            <a:ext cx="12204875" cy="1017320"/>
+          </a:xfrm>
+          <a:prstGeom prst="rect">
+            <a:avLst/>
+          </a:prstGeom>
+          <a:solidFill>
+            <a:srgbClr val="FFFFFF"/>
+          </a:solidFill>
+          <a:ln>
+            <a:noFill/>
+          </a:ln>
+        </p:spPr>
+        <p:style>
+          <a:lnRef idx="2">
+            <a:schemeClr val="accent1">
+              <a:shade val="50000"/>
+            </a:schemeClr>
+          </a:lnRef>
+          <a:fillRef idx="1">
+            <a:schemeClr val="accent1"/>
+          </a:fillRef>
+          <a:effectRef idx="0">
+            <a:schemeClr val="accent1"/>
+          </a:effectRef>
+          <a:fontRef idx="minor">
+            <a:schemeClr val="lt1"/>
+          </a:fontRef>
+        </p:style>
+        <p:txBody>
+          <a:bodyPr rtlCol="0" anchor="ctr"/>
+          <a:lstStyle/>
+          <a:p>
+            <a:pPr algn="ctr"/>
+            <a:endParaRPr lang="es-ES_tradnl" cap="all" dirty="0"/>
+          </a:p>
+        </p:txBody>
+      </p:sp>
+      <p:cxnSp>
+        <p:nvCxnSpPr>
+          <p:cNvPr id="5" name="Conector recto 4">
+            <a:extLst>
+              <a:ext uri="{FF2B5EF4-FFF2-40B4-BE49-F238E27FC236}">
+                <a16:creationId xmlns:a16="http://schemas.microsoft.com/office/drawing/2014/main" id="{886B9D95-4EB5-44F4-AF60-F79AC07360A6}"/>
+              </a:ext>
+            </a:extLst>
+          </p:cNvPr>
+          <p:cNvCxnSpPr>
+            <a:cxnSpLocks/>
+          </p:cNvCxnSpPr>
+          <p:nvPr/>
+        </p:nvCxnSpPr>
+        <p:spPr>
+          <a:xfrm flipH="1">
+            <a:off x="-1814" y="1039469"/>
+            <a:ext cx="7020000" cy="0"/>
+          </a:xfrm>
+          <a:prstGeom prst="line">
+            <a:avLst/>
+          </a:prstGeom>
+          <a:ln w="76200"/>
+        </p:spPr>
+        <p:style>
+          <a:lnRef idx="3">
+            <a:schemeClr val="accent2"/>
+          </a:lnRef>
+          <a:fillRef idx="0">
+            <a:schemeClr val="accent2"/>
+          </a:fillRef>
+          <a:effectRef idx="2">
+            <a:schemeClr val="accent2"/>
+          </a:effectRef>
+          <a:fontRef idx="minor">
+            <a:schemeClr val="tx1"/>
+          </a:fontRef>
+        </p:style>
+      </p:cxnSp>
+      <p:sp>
+        <p:nvSpPr>
           <p:cNvPr id="6" name="CuadroTexto 5">
             <a:extLst>
               <a:ext uri="{FF2B5EF4-FFF2-40B4-BE49-F238E27FC236}">
@@ -5768,7 +7334,7 @@
         <p:spPr>
           <a:xfrm>
             <a:off x="100012" y="36547"/>
-            <a:ext cx="11918694" cy="1292662"/>
+            <a:ext cx="11918694" cy="984885"/>
           </a:xfrm>
           <a:prstGeom prst="rect">
             <a:avLst/>
@@ -5830,79 +7396,7 @@
                   <a:schemeClr val="bg1"/>
                 </a:solidFill>
               </a:rPr>
-              <a:t>variables </a:t>
-            </a:r>
-            <a:r>
-              <a:rPr lang="es-ES_tradnl" sz="2000" b="1" cap="all" dirty="0" err="1">
-                <a:solidFill>
-                  <a:schemeClr val="bg1"/>
-                </a:solidFill>
-              </a:rPr>
-              <a:t>category</a:t>
-            </a:r>
-            <a:r>
-              <a:rPr lang="es-ES_tradnl" sz="2000" b="1" cap="all" dirty="0">
-                <a:solidFill>
-                  <a:schemeClr val="bg1"/>
-                </a:solidFill>
-              </a:rPr>
-              <a:t>, </a:t>
-            </a:r>
-            <a:r>
-              <a:rPr lang="es-ES_tradnl" sz="2000" b="1" cap="all" dirty="0" err="1">
-                <a:solidFill>
-                  <a:schemeClr val="bg1"/>
-                </a:solidFill>
-              </a:rPr>
-              <a:t>KNN</a:t>
-            </a:r>
-            <a:r>
-              <a:rPr lang="es-ES_tradnl" sz="2000" b="1" cap="all" dirty="0">
-                <a:solidFill>
-                  <a:schemeClr val="bg1"/>
-                </a:solidFill>
-              </a:rPr>
-              <a:t>, </a:t>
-            </a:r>
-            <a:r>
-              <a:rPr lang="es-ES_tradnl" sz="2000" b="1" cap="all" dirty="0" err="1">
-                <a:solidFill>
-                  <a:schemeClr val="bg1"/>
-                </a:solidFill>
-              </a:rPr>
-              <a:t>One</a:t>
-            </a:r>
-            <a:r>
-              <a:rPr lang="es-ES_tradnl" sz="2000" b="1" cap="all" dirty="0">
-                <a:solidFill>
-                  <a:schemeClr val="bg1"/>
-                </a:solidFill>
-              </a:rPr>
-              <a:t>-Hot </a:t>
-            </a:r>
-            <a:r>
-              <a:rPr lang="es-ES_tradnl" sz="2000" b="1" cap="all" dirty="0" err="1">
-                <a:solidFill>
-                  <a:schemeClr val="bg1"/>
-                </a:solidFill>
-              </a:rPr>
-              <a:t>Encoding</a:t>
-            </a:r>
-            <a:endParaRPr lang="es-ES_tradnl" sz="2000" b="1" cap="all" dirty="0">
-              <a:solidFill>
-                <a:schemeClr val="bg1"/>
-              </a:solidFill>
-            </a:endParaRPr>
-          </a:p>
-          <a:p>
-            <a:pPr algn="ctr"/>
-            <a:r>
-              <a:rPr lang="es-ES_tradnl" sz="2000" b="1" cap="all" dirty="0">
-                <a:solidFill>
-                  <a:schemeClr val="bg1"/>
-                </a:solidFill>
-              </a:rPr>
-              <a:t> </a:t>
+              <a:t> Imputación de Datos /Campo Genero</a:t>
             </a:r>
             <a:endParaRPr lang="es-ES_tradnl" cap="all" dirty="0">
               <a:solidFill>
@@ -6034,7 +7528,7 @@
 </p:sld>
 </file>
 
-<file path=ppt/slides/slide11.xml><?xml version="1.0" encoding="utf-8"?>
+<file path=ppt/slides/slide13.xml><?xml version="1.0" encoding="utf-8"?>
 <p:sld xmlns:a="http://schemas.openxmlformats.org/drawingml/2006/main" xmlns:r="http://schemas.openxmlformats.org/officeDocument/2006/relationships" xmlns:p="http://schemas.openxmlformats.org/presentationml/2006/main">
   <p:cSld>
     <p:spTree>
@@ -6320,7 +7814,7 @@
 </p:sld>
 </file>
 
-<file path=ppt/slides/slide12.xml><?xml version="1.0" encoding="utf-8"?>
+<file path=ppt/slides/slide14.xml><?xml version="1.0" encoding="utf-8"?>
 <p:sld xmlns:a="http://schemas.openxmlformats.org/drawingml/2006/main" xmlns:r="http://schemas.openxmlformats.org/officeDocument/2006/relationships" xmlns:p="http://schemas.openxmlformats.org/presentationml/2006/main">
   <p:cSld>
     <p:spTree>
@@ -6504,7 +7998,7 @@
                   <a:schemeClr val="bg1"/>
                 </a:solidFill>
               </a:rPr>
-              <a:t>patrones en la cantidad de viajes </a:t>
+              <a:t>patrones en la cantidad de viajes  </a:t>
             </a:r>
             <a:endParaRPr lang="es-ES_tradnl" cap="all" dirty="0">
               <a:solidFill>
@@ -6606,7 +8100,7 @@
 </p:sld>
 </file>
 
-<file path=ppt/slides/slide13.xml><?xml version="1.0" encoding="utf-8"?>
+<file path=ppt/slides/slide15.xml><?xml version="1.0" encoding="utf-8"?>
 <p:sld xmlns:a="http://schemas.openxmlformats.org/drawingml/2006/main" xmlns:r="http://schemas.openxmlformats.org/officeDocument/2006/relationships" xmlns:p="http://schemas.openxmlformats.org/presentationml/2006/main">
   <p:cSld>
     <p:spTree>
@@ -6892,7 +8386,7 @@
 </p:sld>
 </file>
 
-<file path=ppt/slides/slide14.xml><?xml version="1.0" encoding="utf-8"?>
+<file path=ppt/slides/slide16.xml><?xml version="1.0" encoding="utf-8"?>
 <p:sld xmlns:a="http://schemas.openxmlformats.org/drawingml/2006/main" xmlns:r="http://schemas.openxmlformats.org/officeDocument/2006/relationships" xmlns:p="http://schemas.openxmlformats.org/presentationml/2006/main">
   <p:cSld>
     <p:spTree>
@@ -7071,12 +8565,20 @@
           <a:p>
             <a:pPr algn="ctr"/>
             <a:r>
+              <a:rPr lang="es-ES_tradnl" sz="2000" b="1" cap="all" dirty="0" err="1">
+                <a:solidFill>
+                  <a:schemeClr val="bg1"/>
+                </a:solidFill>
+              </a:rPr>
+              <a:t>PCA</a:t>
+            </a:r>
+            <a:r>
               <a:rPr lang="es-ES_tradnl" sz="2000" b="1" cap="all" dirty="0">
                 <a:solidFill>
                   <a:schemeClr val="bg1"/>
                 </a:solidFill>
               </a:rPr>
-              <a:t>Varianza acumulada / diagrama dispersión  </a:t>
+              <a:t> Reducción de Dimensión / diagrama dispersión  </a:t>
             </a:r>
             <a:endParaRPr lang="es-ES_tradnl" cap="all" dirty="0">
               <a:solidFill>
@@ -7149,16 +8651,15 @@
           </p:cNvPicPr>
           <p:nvPr/>
         </p:nvPicPr>
-        <p:blipFill>
+        <p:blipFill rotWithShape="1">
           <a:blip r:embed="rId4"/>
-          <a:stretch>
-            <a:fillRect/>
-          </a:stretch>
+          <a:srcRect t="4458"/>
+          <a:stretch/>
         </p:blipFill>
         <p:spPr>
           <a:xfrm>
-            <a:off x="3979916" y="1172528"/>
-            <a:ext cx="4028097" cy="2498440"/>
+            <a:off x="3115619" y="1099288"/>
+            <a:ext cx="4556573" cy="2700224"/>
           </a:xfrm>
           <a:prstGeom prst="rect">
             <a:avLst/>
@@ -7257,10 +8758,10 @@
       </p:grpSpPr>
       <p:sp>
         <p:nvSpPr>
-          <p:cNvPr id="8" name="Rectángulo 7">
+          <p:cNvPr id="14" name="Rectángulo 13">
             <a:extLst>
               <a:ext uri="{FF2B5EF4-FFF2-40B4-BE49-F238E27FC236}">
-                <a16:creationId xmlns:a16="http://schemas.microsoft.com/office/drawing/2014/main" id="{498B16D2-E2DC-4024-B886-871AA6AAE277}"/>
+                <a16:creationId xmlns:a16="http://schemas.microsoft.com/office/drawing/2014/main" id="{3131D6A5-C9C5-4AC4-8DBE-44CD3A61CACE}"/>
               </a:ext>
             </a:extLst>
           </p:cNvPr>
@@ -7309,10 +8810,10 @@
       </p:sp>
       <p:cxnSp>
         <p:nvCxnSpPr>
-          <p:cNvPr id="9" name="Conector recto 8">
+          <p:cNvPr id="15" name="Conector recto 14">
             <a:extLst>
               <a:ext uri="{FF2B5EF4-FFF2-40B4-BE49-F238E27FC236}">
-                <a16:creationId xmlns:a16="http://schemas.microsoft.com/office/drawing/2014/main" id="{E9EEA845-CCC5-44B8-A49A-5B7AA522399E}"/>
+                <a16:creationId xmlns:a16="http://schemas.microsoft.com/office/drawing/2014/main" id="{BF3AF9A4-1448-48D6-A63F-70765D1C80C0}"/>
               </a:ext>
             </a:extLst>
           </p:cNvPr>
@@ -7348,10 +8849,10 @@
       </p:cxnSp>
       <p:sp>
         <p:nvSpPr>
-          <p:cNvPr id="10" name="CuadroTexto 9">
+          <p:cNvPr id="16" name="CuadroTexto 15">
             <a:extLst>
               <a:ext uri="{FF2B5EF4-FFF2-40B4-BE49-F238E27FC236}">
-                <a16:creationId xmlns:a16="http://schemas.microsoft.com/office/drawing/2014/main" id="{DECA9771-7B4D-4B56-8DF8-953EA692FB27}"/>
+                <a16:creationId xmlns:a16="http://schemas.microsoft.com/office/drawing/2014/main" id="{DCAF78B4-8C09-456F-92A6-2917446CEC7E}"/>
               </a:ext>
             </a:extLst>
           </p:cNvPr>
@@ -7422,7 +8923,7 @@
                   <a:schemeClr val="bg1"/>
                 </a:solidFill>
               </a:rPr>
-              <a:t>TABLA RESUMEN DE CONTENIDO DEL DATASET </a:t>
+              <a:t>Listado 5 registros de manera aleatoria</a:t>
             </a:r>
             <a:endParaRPr lang="es-ES_tradnl" cap="all" dirty="0">
               <a:solidFill>
@@ -7434,10 +8935,10 @@
       </p:sp>
       <p:pic>
         <p:nvPicPr>
-          <p:cNvPr id="11" name="Picture 4" descr="UBA | Facultad de Ingeniería">
+          <p:cNvPr id="17" name="Picture 4" descr="UBA | Facultad de Ingeniería">
             <a:extLst>
               <a:ext uri="{FF2B5EF4-FFF2-40B4-BE49-F238E27FC236}">
-                <a16:creationId xmlns:a16="http://schemas.microsoft.com/office/drawing/2014/main" id="{4CEEB21A-E192-4EE4-8786-DBF91BE0220E}"/>
+                <a16:creationId xmlns:a16="http://schemas.microsoft.com/office/drawing/2014/main" id="{3BC9EBEC-4415-429D-82E3-F343E3A064BB}"/>
               </a:ext>
             </a:extLst>
           </p:cNvPr>
@@ -7447,11 +8948,11 @@
           <p:nvPr/>
         </p:nvPicPr>
         <p:blipFill>
-          <a:blip r:embed="rId2">
+          <a:blip r:embed="rId3">
             <a:extLst>
               <a:ext uri="{BEBA8EAE-BF5A-486C-A8C5-ECC9F3942E4B}">
                 <a14:imgProps xmlns:a14="http://schemas.microsoft.com/office/drawing/2010/main">
-                  <a14:imgLayer r:embed="rId3">
+                  <a14:imgLayer r:embed="rId4">
                     <a14:imgEffect>
                       <a14:saturation sat="33000"/>
                     </a14:imgEffect>
@@ -7483,10 +8984,10 @@
       </p:pic>
       <p:pic>
         <p:nvPicPr>
-          <p:cNvPr id="16" name="Imagen 15">
+          <p:cNvPr id="18" name="Imagen 17">
             <a:extLst>
               <a:ext uri="{FF2B5EF4-FFF2-40B4-BE49-F238E27FC236}">
-                <a16:creationId xmlns:a16="http://schemas.microsoft.com/office/drawing/2014/main" id="{204E2D29-B7C6-409E-BC43-E46B068AF485}"/>
+                <a16:creationId xmlns:a16="http://schemas.microsoft.com/office/drawing/2014/main" id="{A0DF26D6-8F0C-4FE8-86AB-F3328F28FA4A}"/>
               </a:ext>
             </a:extLst>
           </p:cNvPr>
@@ -7496,15 +8997,15 @@
           <p:nvPr/>
         </p:nvPicPr>
         <p:blipFill>
-          <a:blip r:embed="rId4"/>
+          <a:blip r:embed="rId5"/>
           <a:stretch>
             <a:fillRect/>
           </a:stretch>
         </p:blipFill>
         <p:spPr>
           <a:xfrm>
-            <a:off x="0" y="1192306"/>
-            <a:ext cx="12192000" cy="4473388"/>
+            <a:off x="514164" y="1403435"/>
+            <a:ext cx="10891234" cy="5214059"/>
           </a:xfrm>
           <a:prstGeom prst="rect">
             <a:avLst/>
@@ -7514,7 +9015,7 @@
     </p:spTree>
     <p:extLst>
       <p:ext uri="{BB962C8B-B14F-4D97-AF65-F5344CB8AC3E}">
-        <p14:creationId xmlns:p14="http://schemas.microsoft.com/office/powerpoint/2010/main" val="3362706104"/>
+        <p14:creationId xmlns:p14="http://schemas.microsoft.com/office/powerpoint/2010/main" val="3766870634"/>
       </p:ext>
     </p:extLst>
   </p:cSld>
@@ -7543,10 +9044,10 @@
       </p:grpSpPr>
       <p:sp>
         <p:nvSpPr>
-          <p:cNvPr id="8" name="Rectángulo 7">
+          <p:cNvPr id="14" name="Rectángulo 13">
             <a:extLst>
               <a:ext uri="{FF2B5EF4-FFF2-40B4-BE49-F238E27FC236}">
-                <a16:creationId xmlns:a16="http://schemas.microsoft.com/office/drawing/2014/main" id="{52FC6658-C1BF-420E-AE5C-A3613A748310}"/>
+                <a16:creationId xmlns:a16="http://schemas.microsoft.com/office/drawing/2014/main" id="{3131D6A5-C9C5-4AC4-8DBE-44CD3A61CACE}"/>
               </a:ext>
             </a:extLst>
           </p:cNvPr>
@@ -7595,10 +9096,10 @@
       </p:sp>
       <p:cxnSp>
         <p:nvCxnSpPr>
-          <p:cNvPr id="9" name="Conector recto 8">
+          <p:cNvPr id="15" name="Conector recto 14">
             <a:extLst>
               <a:ext uri="{FF2B5EF4-FFF2-40B4-BE49-F238E27FC236}">
-                <a16:creationId xmlns:a16="http://schemas.microsoft.com/office/drawing/2014/main" id="{ED771758-FE12-4353-B583-CA473D68FDEB}"/>
+                <a16:creationId xmlns:a16="http://schemas.microsoft.com/office/drawing/2014/main" id="{BF3AF9A4-1448-48D6-A63F-70765D1C80C0}"/>
               </a:ext>
             </a:extLst>
           </p:cNvPr>
@@ -7634,10 +9135,10 @@
       </p:cxnSp>
       <p:sp>
         <p:nvSpPr>
-          <p:cNvPr id="10" name="CuadroTexto 9">
+          <p:cNvPr id="16" name="CuadroTexto 15">
             <a:extLst>
               <a:ext uri="{FF2B5EF4-FFF2-40B4-BE49-F238E27FC236}">
-                <a16:creationId xmlns:a16="http://schemas.microsoft.com/office/drawing/2014/main" id="{09FB29D1-1142-4A71-BAEF-885B8AEBE633}"/>
+                <a16:creationId xmlns:a16="http://schemas.microsoft.com/office/drawing/2014/main" id="{DCAF78B4-8C09-456F-92A6-2917446CEC7E}"/>
               </a:ext>
             </a:extLst>
           </p:cNvPr>
@@ -7708,15 +9209,7 @@
                   <a:schemeClr val="bg1"/>
                 </a:solidFill>
               </a:rPr>
-              <a:t> Patrón Registros Null </a:t>
-            </a:r>
-            <a:r>
-              <a:rPr lang="es-ES_tradnl" sz="2000" b="1" cap="all" dirty="0" err="1">
-                <a:solidFill>
-                  <a:schemeClr val="bg1"/>
-                </a:solidFill>
-              </a:rPr>
-              <a:t>duracion_recorrido</a:t>
+              <a:t>Listado 5 registros de manera aleatoria</a:t>
             </a:r>
             <a:endParaRPr lang="es-ES_tradnl" cap="all" dirty="0">
               <a:solidFill>
@@ -7728,10 +9221,10 @@
       </p:sp>
       <p:pic>
         <p:nvPicPr>
-          <p:cNvPr id="11" name="Picture 4" descr="UBA | Facultad de Ingeniería">
+          <p:cNvPr id="17" name="Picture 4" descr="UBA | Facultad de Ingeniería">
             <a:extLst>
               <a:ext uri="{FF2B5EF4-FFF2-40B4-BE49-F238E27FC236}">
-                <a16:creationId xmlns:a16="http://schemas.microsoft.com/office/drawing/2014/main" id="{67557C29-E071-4A01-898E-A7C7E900DB19}"/>
+                <a16:creationId xmlns:a16="http://schemas.microsoft.com/office/drawing/2014/main" id="{3BC9EBEC-4415-429D-82E3-F343E3A064BB}"/>
               </a:ext>
             </a:extLst>
           </p:cNvPr>
@@ -7741,11 +9234,11 @@
           <p:nvPr/>
         </p:nvPicPr>
         <p:blipFill>
-          <a:blip r:embed="rId2">
+          <a:blip r:embed="rId3">
             <a:extLst>
               <a:ext uri="{BEBA8EAE-BF5A-486C-A8C5-ECC9F3942E4B}">
                 <a14:imgProps xmlns:a14="http://schemas.microsoft.com/office/drawing/2010/main">
-                  <a14:imgLayer r:embed="rId3">
+                  <a14:imgLayer r:embed="rId4">
                     <a14:imgEffect>
                       <a14:saturation sat="33000"/>
                     </a14:imgEffect>
@@ -7777,10 +9270,10 @@
       </p:pic>
       <p:pic>
         <p:nvPicPr>
-          <p:cNvPr id="13" name="Imagen 12">
+          <p:cNvPr id="18" name="Imagen 17">
             <a:extLst>
               <a:ext uri="{FF2B5EF4-FFF2-40B4-BE49-F238E27FC236}">
-                <a16:creationId xmlns:a16="http://schemas.microsoft.com/office/drawing/2014/main" id="{6B681BB8-0D2F-4575-838D-9A9C0354E6EC}"/>
+                <a16:creationId xmlns:a16="http://schemas.microsoft.com/office/drawing/2014/main" id="{A0DF26D6-8F0C-4FE8-86AB-F3328F28FA4A}"/>
               </a:ext>
             </a:extLst>
           </p:cNvPr>
@@ -7790,15 +9283,15 @@
           <p:nvPr/>
         </p:nvPicPr>
         <p:blipFill>
-          <a:blip r:embed="rId4"/>
+          <a:blip r:embed="rId5"/>
           <a:stretch>
             <a:fillRect/>
           </a:stretch>
         </p:blipFill>
         <p:spPr>
           <a:xfrm>
-            <a:off x="0" y="1438240"/>
-            <a:ext cx="12192000" cy="3981520"/>
+            <a:off x="514164" y="1403435"/>
+            <a:ext cx="10891234" cy="5214059"/>
           </a:xfrm>
           <a:prstGeom prst="rect">
             <a:avLst/>
@@ -7808,7 +9301,7 @@
     </p:spTree>
     <p:extLst>
       <p:ext uri="{BB962C8B-B14F-4D97-AF65-F5344CB8AC3E}">
-        <p14:creationId xmlns:p14="http://schemas.microsoft.com/office/powerpoint/2010/main" val="3072822005"/>
+        <p14:creationId xmlns:p14="http://schemas.microsoft.com/office/powerpoint/2010/main" val="3824200471"/>
       </p:ext>
     </p:extLst>
   </p:cSld>
@@ -7840,7 +9333,7 @@
           <p:cNvPr id="8" name="Rectángulo 7">
             <a:extLst>
               <a:ext uri="{FF2B5EF4-FFF2-40B4-BE49-F238E27FC236}">
-                <a16:creationId xmlns:a16="http://schemas.microsoft.com/office/drawing/2014/main" id="{FBBD296A-01E5-4110-A194-FDD8400BC74E}"/>
+                <a16:creationId xmlns:a16="http://schemas.microsoft.com/office/drawing/2014/main" id="{498B16D2-E2DC-4024-B886-871AA6AAE277}"/>
               </a:ext>
             </a:extLst>
           </p:cNvPr>
@@ -7892,7 +9385,7 @@
           <p:cNvPr id="9" name="Conector recto 8">
             <a:extLst>
               <a:ext uri="{FF2B5EF4-FFF2-40B4-BE49-F238E27FC236}">
-                <a16:creationId xmlns:a16="http://schemas.microsoft.com/office/drawing/2014/main" id="{3D13F2F9-A2BF-4634-836B-99C7BF44BEA3}"/>
+                <a16:creationId xmlns:a16="http://schemas.microsoft.com/office/drawing/2014/main" id="{E9EEA845-CCC5-44B8-A49A-5B7AA522399E}"/>
               </a:ext>
             </a:extLst>
           </p:cNvPr>
@@ -7931,6 +9424,292 @@
           <p:cNvPr id="10" name="CuadroTexto 9">
             <a:extLst>
               <a:ext uri="{FF2B5EF4-FFF2-40B4-BE49-F238E27FC236}">
+                <a16:creationId xmlns:a16="http://schemas.microsoft.com/office/drawing/2014/main" id="{DECA9771-7B4D-4B56-8DF8-953EA692FB27}"/>
+              </a:ext>
+            </a:extLst>
+          </p:cNvPr>
+          <p:cNvSpPr txBox="1"/>
+          <p:nvPr/>
+        </p:nvSpPr>
+        <p:spPr>
+          <a:xfrm>
+            <a:off x="100012" y="36547"/>
+            <a:ext cx="11918694" cy="954107"/>
+          </a:xfrm>
+          <a:prstGeom prst="rect">
+            <a:avLst/>
+          </a:prstGeom>
+          <a:noFill/>
+        </p:spPr>
+        <p:txBody>
+          <a:bodyPr wrap="square" numCol="1" rtlCol="0">
+            <a:spAutoFit/>
+          </a:bodyPr>
+          <a:lstStyle/>
+          <a:p>
+            <a:r>
+              <a:rPr lang="es-ES" cap="all" dirty="0">
+                <a:solidFill>
+                  <a:schemeClr val="bg1"/>
+                </a:solidFill>
+              </a:rPr>
+              <a:t>Materia - Análisis de Datos - </a:t>
+            </a:r>
+            <a:r>
+              <a:rPr lang="es-ES_tradnl" cap="all" dirty="0">
+                <a:solidFill>
+                  <a:schemeClr val="bg1"/>
+                </a:solidFill>
+              </a:rPr>
+              <a:t>Recorridos en </a:t>
+            </a:r>
+            <a:r>
+              <a:rPr lang="es-ES_tradnl" cap="all" dirty="0" err="1">
+                <a:solidFill>
+                  <a:schemeClr val="bg1"/>
+                </a:solidFill>
+              </a:rPr>
+              <a:t>Ecobicis</a:t>
+            </a:r>
+            <a:r>
+              <a:rPr lang="es-ES_tradnl" cap="all" dirty="0">
+                <a:solidFill>
+                  <a:schemeClr val="bg1"/>
+                </a:solidFill>
+              </a:rPr>
+              <a:t> en el año 2024</a:t>
+            </a:r>
+          </a:p>
+          <a:p>
+            <a:endParaRPr lang="es-ES_tradnl" cap="all" dirty="0">
+              <a:solidFill>
+                <a:schemeClr val="bg1"/>
+              </a:solidFill>
+            </a:endParaRPr>
+          </a:p>
+          <a:p>
+            <a:pPr algn="ctr"/>
+            <a:r>
+              <a:rPr lang="es-ES_tradnl" sz="2000" b="1" cap="all" dirty="0">
+                <a:solidFill>
+                  <a:schemeClr val="bg1"/>
+                </a:solidFill>
+              </a:rPr>
+              <a:t>TABLA RESUMEN DE CONTENIDO DEL DATASET </a:t>
+            </a:r>
+            <a:endParaRPr lang="es-ES_tradnl" cap="all" dirty="0">
+              <a:solidFill>
+                <a:schemeClr val="bg1"/>
+              </a:solidFill>
+            </a:endParaRPr>
+          </a:p>
+        </p:txBody>
+      </p:sp>
+      <p:pic>
+        <p:nvPicPr>
+          <p:cNvPr id="11" name="Picture 4" descr="UBA | Facultad de Ingeniería">
+            <a:extLst>
+              <a:ext uri="{FF2B5EF4-FFF2-40B4-BE49-F238E27FC236}">
+                <a16:creationId xmlns:a16="http://schemas.microsoft.com/office/drawing/2014/main" id="{4CEEB21A-E192-4EE4-8786-DBF91BE0220E}"/>
+              </a:ext>
+            </a:extLst>
+          </p:cNvPr>
+          <p:cNvPicPr>
+            <a:picLocks noChangeAspect="1" noChangeArrowheads="1"/>
+          </p:cNvPicPr>
+          <p:nvPr/>
+        </p:nvPicPr>
+        <p:blipFill>
+          <a:blip r:embed="rId3">
+            <a:extLst>
+              <a:ext uri="{BEBA8EAE-BF5A-486C-A8C5-ECC9F3942E4B}">
+                <a14:imgProps xmlns:a14="http://schemas.microsoft.com/office/drawing/2010/main">
+                  <a14:imgLayer r:embed="rId4">
+                    <a14:imgEffect>
+                      <a14:saturation sat="33000"/>
+                    </a14:imgEffect>
+                  </a14:imgLayer>
+                </a14:imgProps>
+              </a:ext>
+              <a:ext uri="{28A0092B-C50C-407E-A947-70E740481C1C}">
+                <a14:useLocalDpi xmlns:a14="http://schemas.microsoft.com/office/drawing/2010/main" val="0"/>
+              </a:ext>
+            </a:extLst>
+          </a:blip>
+          <a:srcRect/>
+          <a:stretch>
+            <a:fillRect/>
+          </a:stretch>
+        </p:blipFill>
+        <p:spPr bwMode="auto">
+          <a:xfrm>
+            <a:off x="9890975" y="36547"/>
+            <a:ext cx="2201013" cy="842812"/>
+          </a:xfrm>
+          <a:prstGeom prst="rect">
+            <a:avLst/>
+          </a:prstGeom>
+          <a:solidFill>
+            <a:srgbClr val="FFFFFF"/>
+          </a:solidFill>
+        </p:spPr>
+      </p:pic>
+      <p:pic>
+        <p:nvPicPr>
+          <p:cNvPr id="16" name="Imagen 15">
+            <a:extLst>
+              <a:ext uri="{FF2B5EF4-FFF2-40B4-BE49-F238E27FC236}">
+                <a16:creationId xmlns:a16="http://schemas.microsoft.com/office/drawing/2014/main" id="{204E2D29-B7C6-409E-BC43-E46B068AF485}"/>
+              </a:ext>
+            </a:extLst>
+          </p:cNvPr>
+          <p:cNvPicPr>
+            <a:picLocks noChangeAspect="1"/>
+          </p:cNvPicPr>
+          <p:nvPr/>
+        </p:nvPicPr>
+        <p:blipFill>
+          <a:blip r:embed="rId5"/>
+          <a:stretch>
+            <a:fillRect/>
+          </a:stretch>
+        </p:blipFill>
+        <p:spPr>
+          <a:xfrm>
+            <a:off x="0" y="1192306"/>
+            <a:ext cx="12192000" cy="4473388"/>
+          </a:xfrm>
+          <a:prstGeom prst="rect">
+            <a:avLst/>
+          </a:prstGeom>
+        </p:spPr>
+      </p:pic>
+    </p:spTree>
+    <p:extLst>
+      <p:ext uri="{BB962C8B-B14F-4D97-AF65-F5344CB8AC3E}">
+        <p14:creationId xmlns:p14="http://schemas.microsoft.com/office/powerpoint/2010/main" val="3362706104"/>
+      </p:ext>
+    </p:extLst>
+  </p:cSld>
+  <p:clrMapOvr>
+    <a:masterClrMapping/>
+  </p:clrMapOvr>
+</p:sld>
+</file>
+
+<file path=ppt/slides/slide5.xml><?xml version="1.0" encoding="utf-8"?>
+<p:sld xmlns:a="http://schemas.openxmlformats.org/drawingml/2006/main" xmlns:r="http://schemas.openxmlformats.org/officeDocument/2006/relationships" xmlns:p="http://schemas.openxmlformats.org/presentationml/2006/main">
+  <p:cSld>
+    <p:spTree>
+      <p:nvGrpSpPr>
+        <p:cNvPr id="1" name=""/>
+        <p:cNvGrpSpPr/>
+        <p:nvPr/>
+      </p:nvGrpSpPr>
+      <p:grpSpPr>
+        <a:xfrm>
+          <a:off x="0" y="0"/>
+          <a:ext cx="0" cy="0"/>
+          <a:chOff x="0" y="0"/>
+          <a:chExt cx="0" cy="0"/>
+        </a:xfrm>
+      </p:grpSpPr>
+      <p:sp>
+        <p:nvSpPr>
+          <p:cNvPr id="8" name="Rectángulo 7">
+            <a:extLst>
+              <a:ext uri="{FF2B5EF4-FFF2-40B4-BE49-F238E27FC236}">
+                <a16:creationId xmlns:a16="http://schemas.microsoft.com/office/drawing/2014/main" id="{FBBD296A-01E5-4110-A194-FDD8400BC74E}"/>
+              </a:ext>
+            </a:extLst>
+          </p:cNvPr>
+          <p:cNvSpPr/>
+          <p:nvPr/>
+        </p:nvSpPr>
+        <p:spPr>
+          <a:xfrm>
+            <a:off x="0" y="0"/>
+            <a:ext cx="12204875" cy="1017320"/>
+          </a:xfrm>
+          <a:prstGeom prst="rect">
+            <a:avLst/>
+          </a:prstGeom>
+          <a:solidFill>
+            <a:srgbClr val="FFFFFF"/>
+          </a:solidFill>
+          <a:ln>
+            <a:noFill/>
+          </a:ln>
+        </p:spPr>
+        <p:style>
+          <a:lnRef idx="2">
+            <a:schemeClr val="accent1">
+              <a:shade val="50000"/>
+            </a:schemeClr>
+          </a:lnRef>
+          <a:fillRef idx="1">
+            <a:schemeClr val="accent1"/>
+          </a:fillRef>
+          <a:effectRef idx="0">
+            <a:schemeClr val="accent1"/>
+          </a:effectRef>
+          <a:fontRef idx="minor">
+            <a:schemeClr val="lt1"/>
+          </a:fontRef>
+        </p:style>
+        <p:txBody>
+          <a:bodyPr rtlCol="0" anchor="ctr"/>
+          <a:lstStyle/>
+          <a:p>
+            <a:pPr algn="ctr"/>
+            <a:endParaRPr lang="es-ES_tradnl" cap="all" dirty="0"/>
+          </a:p>
+        </p:txBody>
+      </p:sp>
+      <p:cxnSp>
+        <p:nvCxnSpPr>
+          <p:cNvPr id="9" name="Conector recto 8">
+            <a:extLst>
+              <a:ext uri="{FF2B5EF4-FFF2-40B4-BE49-F238E27FC236}">
+                <a16:creationId xmlns:a16="http://schemas.microsoft.com/office/drawing/2014/main" id="{3D13F2F9-A2BF-4634-836B-99C7BF44BEA3}"/>
+              </a:ext>
+            </a:extLst>
+          </p:cNvPr>
+          <p:cNvCxnSpPr>
+            <a:cxnSpLocks/>
+          </p:cNvCxnSpPr>
+          <p:nvPr/>
+        </p:nvCxnSpPr>
+        <p:spPr>
+          <a:xfrm flipH="1">
+            <a:off x="-1814" y="1039469"/>
+            <a:ext cx="7020000" cy="0"/>
+          </a:xfrm>
+          <a:prstGeom prst="line">
+            <a:avLst/>
+          </a:prstGeom>
+          <a:ln w="76200"/>
+        </p:spPr>
+        <p:style>
+          <a:lnRef idx="3">
+            <a:schemeClr val="accent2"/>
+          </a:lnRef>
+          <a:fillRef idx="0">
+            <a:schemeClr val="accent2"/>
+          </a:fillRef>
+          <a:effectRef idx="2">
+            <a:schemeClr val="accent2"/>
+          </a:effectRef>
+          <a:fontRef idx="minor">
+            <a:schemeClr val="tx1"/>
+          </a:fontRef>
+        </p:style>
+      </p:cxnSp>
+      <p:sp>
+        <p:nvSpPr>
+          <p:cNvPr id="10" name="CuadroTexto 9">
+            <a:extLst>
+              <a:ext uri="{FF2B5EF4-FFF2-40B4-BE49-F238E27FC236}">
                 <a16:creationId xmlns:a16="http://schemas.microsoft.com/office/drawing/2014/main" id="{FA96AE39-791A-447C-93BE-9E1BBEC3233B}"/>
               </a:ext>
             </a:extLst>
@@ -8021,6 +9800,511 @@
               <a:t>outliers</a:t>
             </a:r>
             <a:endParaRPr lang="es-ES_tradnl" sz="2000" b="1" cap="all" dirty="0">
+              <a:solidFill>
+                <a:schemeClr val="bg1"/>
+              </a:solidFill>
+            </a:endParaRPr>
+          </a:p>
+        </p:txBody>
+      </p:sp>
+      <p:pic>
+        <p:nvPicPr>
+          <p:cNvPr id="11" name="Picture 4" descr="UBA | Facultad de Ingeniería">
+            <a:extLst>
+              <a:ext uri="{FF2B5EF4-FFF2-40B4-BE49-F238E27FC236}">
+                <a16:creationId xmlns:a16="http://schemas.microsoft.com/office/drawing/2014/main" id="{62FCA779-D6EF-46A2-AA7D-1457134B9D3E}"/>
+              </a:ext>
+            </a:extLst>
+          </p:cNvPr>
+          <p:cNvPicPr>
+            <a:picLocks noChangeAspect="1" noChangeArrowheads="1"/>
+          </p:cNvPicPr>
+          <p:nvPr/>
+        </p:nvPicPr>
+        <p:blipFill>
+          <a:blip r:embed="rId3">
+            <a:extLst>
+              <a:ext uri="{BEBA8EAE-BF5A-486C-A8C5-ECC9F3942E4B}">
+                <a14:imgProps xmlns:a14="http://schemas.microsoft.com/office/drawing/2010/main">
+                  <a14:imgLayer r:embed="rId4">
+                    <a14:imgEffect>
+                      <a14:saturation sat="33000"/>
+                    </a14:imgEffect>
+                  </a14:imgLayer>
+                </a14:imgProps>
+              </a:ext>
+              <a:ext uri="{28A0092B-C50C-407E-A947-70E740481C1C}">
+                <a14:useLocalDpi xmlns:a14="http://schemas.microsoft.com/office/drawing/2010/main" val="0"/>
+              </a:ext>
+            </a:extLst>
+          </a:blip>
+          <a:srcRect/>
+          <a:stretch>
+            <a:fillRect/>
+          </a:stretch>
+        </p:blipFill>
+        <p:spPr bwMode="auto">
+          <a:xfrm>
+            <a:off x="9890975" y="36547"/>
+            <a:ext cx="2201013" cy="842812"/>
+          </a:xfrm>
+          <a:prstGeom prst="rect">
+            <a:avLst/>
+          </a:prstGeom>
+          <a:solidFill>
+            <a:srgbClr val="FFFFFF"/>
+          </a:solidFill>
+        </p:spPr>
+      </p:pic>
+      <p:pic>
+        <p:nvPicPr>
+          <p:cNvPr id="3" name="Imagen 2">
+            <a:extLst>
+              <a:ext uri="{FF2B5EF4-FFF2-40B4-BE49-F238E27FC236}">
+                <a16:creationId xmlns:a16="http://schemas.microsoft.com/office/drawing/2014/main" id="{92181E80-272F-45BF-A568-D70537E1DE9D}"/>
+              </a:ext>
+            </a:extLst>
+          </p:cNvPr>
+          <p:cNvPicPr>
+            <a:picLocks noChangeAspect="1"/>
+          </p:cNvPicPr>
+          <p:nvPr/>
+        </p:nvPicPr>
+        <p:blipFill>
+          <a:blip r:embed="rId5"/>
+          <a:stretch>
+            <a:fillRect/>
+          </a:stretch>
+        </p:blipFill>
+        <p:spPr>
+          <a:xfrm>
+            <a:off x="6288066" y="1039469"/>
+            <a:ext cx="5903934" cy="3901344"/>
+          </a:xfrm>
+          <a:prstGeom prst="rect">
+            <a:avLst/>
+          </a:prstGeom>
+        </p:spPr>
+      </p:pic>
+      <p:sp>
+        <p:nvSpPr>
+          <p:cNvPr id="12" name="CuadroTexto 11">
+            <a:extLst>
+              <a:ext uri="{FF2B5EF4-FFF2-40B4-BE49-F238E27FC236}">
+                <a16:creationId xmlns:a16="http://schemas.microsoft.com/office/drawing/2014/main" id="{44718B80-8D51-4529-A10C-8C8383243BB5}"/>
+              </a:ext>
+            </a:extLst>
+          </p:cNvPr>
+          <p:cNvSpPr txBox="1"/>
+          <p:nvPr/>
+        </p:nvSpPr>
+        <p:spPr>
+          <a:xfrm>
+            <a:off x="100012" y="2093430"/>
+            <a:ext cx="6119161" cy="738664"/>
+          </a:xfrm>
+          <a:prstGeom prst="rect">
+            <a:avLst/>
+          </a:prstGeom>
+          <a:noFill/>
+        </p:spPr>
+        <p:txBody>
+          <a:bodyPr wrap="square">
+            <a:spAutoFit/>
+          </a:bodyPr>
+          <a:lstStyle/>
+          <a:p>
+            <a:r>
+              <a:rPr lang="es-ES_tradnl" sz="1400" b="1" i="0" cap="all" dirty="0">
+                <a:solidFill>
+                  <a:srgbClr val="FFFF00"/>
+                </a:solidFill>
+                <a:effectLst/>
+                <a:latin typeface="Consolas" panose="020B0609020204030204" pitchFamily="49" charset="0"/>
+              </a:rPr>
+              <a:t>Valor del cuartil Q1 - Box </a:t>
+            </a:r>
+            <a:r>
+              <a:rPr lang="es-ES_tradnl" sz="1400" b="1" i="0" cap="all" dirty="0" err="1">
+                <a:solidFill>
+                  <a:srgbClr val="FFFF00"/>
+                </a:solidFill>
+                <a:effectLst/>
+                <a:latin typeface="Consolas" panose="020B0609020204030204" pitchFamily="49" charset="0"/>
+              </a:rPr>
+              <a:t>Plot</a:t>
+            </a:r>
+            <a:r>
+              <a:rPr lang="es-ES_tradnl" sz="1400" b="1" i="0" cap="all" dirty="0">
+                <a:solidFill>
+                  <a:srgbClr val="FFFF00"/>
+                </a:solidFill>
+                <a:effectLst/>
+                <a:latin typeface="Consolas" panose="020B0609020204030204" pitchFamily="49" charset="0"/>
+              </a:rPr>
+              <a:t> </a:t>
+            </a:r>
+            <a:r>
+              <a:rPr lang="es-ES_tradnl" sz="1400" b="1" i="0" cap="all" dirty="0" err="1">
+                <a:solidFill>
+                  <a:srgbClr val="FFFF00"/>
+                </a:solidFill>
+                <a:effectLst/>
+                <a:latin typeface="Consolas" panose="020B0609020204030204" pitchFamily="49" charset="0"/>
+              </a:rPr>
+              <a:t>duracion_recorrido</a:t>
+            </a:r>
+            <a:r>
+              <a:rPr lang="es-ES_tradnl" sz="1400" b="1" i="0" cap="all" dirty="0">
+                <a:solidFill>
+                  <a:srgbClr val="FFFF00"/>
+                </a:solidFill>
+                <a:effectLst/>
+                <a:latin typeface="Consolas" panose="020B0609020204030204" pitchFamily="49" charset="0"/>
+              </a:rPr>
+              <a:t> 493.00 </a:t>
+            </a:r>
+          </a:p>
+          <a:p>
+            <a:r>
+              <a:rPr lang="es-ES_tradnl" sz="1400" b="1" i="0" cap="all" dirty="0">
+                <a:solidFill>
+                  <a:srgbClr val="FFFF00"/>
+                </a:solidFill>
+                <a:effectLst/>
+                <a:latin typeface="Consolas" panose="020B0609020204030204" pitchFamily="49" charset="0"/>
+              </a:rPr>
+              <a:t>Valor media, cuartil Q2 - Box </a:t>
+            </a:r>
+            <a:r>
+              <a:rPr lang="es-ES_tradnl" sz="1400" b="1" i="0" cap="all" dirty="0" err="1">
+                <a:solidFill>
+                  <a:srgbClr val="FFFF00"/>
+                </a:solidFill>
+                <a:effectLst/>
+                <a:latin typeface="Consolas" panose="020B0609020204030204" pitchFamily="49" charset="0"/>
+              </a:rPr>
+              <a:t>Plot</a:t>
+            </a:r>
+            <a:r>
+              <a:rPr lang="es-ES_tradnl" sz="1400" b="1" i="0" cap="all" dirty="0">
+                <a:solidFill>
+                  <a:srgbClr val="FFFF00"/>
+                </a:solidFill>
+                <a:effectLst/>
+                <a:latin typeface="Consolas" panose="020B0609020204030204" pitchFamily="49" charset="0"/>
+              </a:rPr>
+              <a:t> </a:t>
+            </a:r>
+            <a:r>
+              <a:rPr lang="es-ES_tradnl" sz="1400" b="1" i="0" cap="all" dirty="0" err="1">
+                <a:solidFill>
+                  <a:srgbClr val="FFFF00"/>
+                </a:solidFill>
+                <a:effectLst/>
+                <a:latin typeface="Consolas" panose="020B0609020204030204" pitchFamily="49" charset="0"/>
+              </a:rPr>
+              <a:t>duracion_recorrido</a:t>
+            </a:r>
+            <a:r>
+              <a:rPr lang="es-ES_tradnl" sz="1400" b="1" i="0" cap="all" dirty="0">
+                <a:solidFill>
+                  <a:srgbClr val="FFFF00"/>
+                </a:solidFill>
+                <a:effectLst/>
+                <a:latin typeface="Consolas" panose="020B0609020204030204" pitchFamily="49" charset="0"/>
+              </a:rPr>
+              <a:t> 881.00</a:t>
+            </a:r>
+          </a:p>
+          <a:p>
+            <a:r>
+              <a:rPr lang="es-ES_tradnl" sz="1400" b="1" i="0" cap="all" dirty="0">
+                <a:solidFill>
+                  <a:srgbClr val="FFFF00"/>
+                </a:solidFill>
+                <a:effectLst/>
+                <a:latin typeface="Consolas" panose="020B0609020204030204" pitchFamily="49" charset="0"/>
+              </a:rPr>
+              <a:t>Valor del cuartil Q3 - Box </a:t>
+            </a:r>
+            <a:r>
+              <a:rPr lang="es-ES_tradnl" sz="1400" b="1" i="0" cap="all" dirty="0" err="1">
+                <a:solidFill>
+                  <a:srgbClr val="FFFF00"/>
+                </a:solidFill>
+                <a:effectLst/>
+                <a:latin typeface="Consolas" panose="020B0609020204030204" pitchFamily="49" charset="0"/>
+              </a:rPr>
+              <a:t>Plot</a:t>
+            </a:r>
+            <a:r>
+              <a:rPr lang="es-ES_tradnl" sz="1400" b="1" i="0" cap="all" dirty="0">
+                <a:solidFill>
+                  <a:srgbClr val="FFFF00"/>
+                </a:solidFill>
+                <a:effectLst/>
+                <a:latin typeface="Consolas" panose="020B0609020204030204" pitchFamily="49" charset="0"/>
+              </a:rPr>
+              <a:t> </a:t>
+            </a:r>
+            <a:r>
+              <a:rPr lang="es-ES_tradnl" sz="1400" b="1" i="0" cap="all" dirty="0" err="1">
+                <a:solidFill>
+                  <a:srgbClr val="FFFF00"/>
+                </a:solidFill>
+                <a:effectLst/>
+                <a:latin typeface="Consolas" panose="020B0609020204030204" pitchFamily="49" charset="0"/>
+              </a:rPr>
+              <a:t>duracion_recorrido</a:t>
+            </a:r>
+            <a:r>
+              <a:rPr lang="es-ES_tradnl" sz="1400" b="1" i="0" cap="all" dirty="0">
+                <a:solidFill>
+                  <a:srgbClr val="FFFF00"/>
+                </a:solidFill>
+                <a:effectLst/>
+                <a:latin typeface="Consolas" panose="020B0609020204030204" pitchFamily="49" charset="0"/>
+              </a:rPr>
+              <a:t> 1474.00</a:t>
+            </a:r>
+            <a:endParaRPr lang="es-ES_tradnl" sz="1400" b="1" cap="all" dirty="0">
+              <a:solidFill>
+                <a:srgbClr val="FFFF00"/>
+              </a:solidFill>
+            </a:endParaRPr>
+          </a:p>
+        </p:txBody>
+      </p:sp>
+      <p:pic>
+        <p:nvPicPr>
+          <p:cNvPr id="6" name="Imagen 5">
+            <a:extLst>
+              <a:ext uri="{FF2B5EF4-FFF2-40B4-BE49-F238E27FC236}">
+                <a16:creationId xmlns:a16="http://schemas.microsoft.com/office/drawing/2014/main" id="{BA8EFD3E-5626-4E9F-914C-4D1AEB9A37AE}"/>
+              </a:ext>
+            </a:extLst>
+          </p:cNvPr>
+          <p:cNvPicPr>
+            <a:picLocks noChangeAspect="1"/>
+          </p:cNvPicPr>
+          <p:nvPr/>
+        </p:nvPicPr>
+        <p:blipFill>
+          <a:blip r:embed="rId6"/>
+          <a:stretch>
+            <a:fillRect/>
+          </a:stretch>
+        </p:blipFill>
+        <p:spPr>
+          <a:xfrm>
+            <a:off x="12875" y="4961751"/>
+            <a:ext cx="12192000" cy="1852646"/>
+          </a:xfrm>
+          <a:prstGeom prst="rect">
+            <a:avLst/>
+          </a:prstGeom>
+        </p:spPr>
+      </p:pic>
+    </p:spTree>
+    <p:extLst>
+      <p:ext uri="{BB962C8B-B14F-4D97-AF65-F5344CB8AC3E}">
+        <p14:creationId xmlns:p14="http://schemas.microsoft.com/office/powerpoint/2010/main" val="1067469435"/>
+      </p:ext>
+    </p:extLst>
+  </p:cSld>
+  <p:clrMapOvr>
+    <a:masterClrMapping/>
+  </p:clrMapOvr>
+</p:sld>
+</file>
+
+<file path=ppt/slides/slide6.xml><?xml version="1.0" encoding="utf-8"?>
+<p:sld xmlns:a="http://schemas.openxmlformats.org/drawingml/2006/main" xmlns:r="http://schemas.openxmlformats.org/officeDocument/2006/relationships" xmlns:p="http://schemas.openxmlformats.org/presentationml/2006/main">
+  <p:cSld>
+    <p:spTree>
+      <p:nvGrpSpPr>
+        <p:cNvPr id="1" name=""/>
+        <p:cNvGrpSpPr/>
+        <p:nvPr/>
+      </p:nvGrpSpPr>
+      <p:grpSpPr>
+        <a:xfrm>
+          <a:off x="0" y="0"/>
+          <a:ext cx="0" cy="0"/>
+          <a:chOff x="0" y="0"/>
+          <a:chExt cx="0" cy="0"/>
+        </a:xfrm>
+      </p:grpSpPr>
+      <p:sp>
+        <p:nvSpPr>
+          <p:cNvPr id="8" name="Rectángulo 7">
+            <a:extLst>
+              <a:ext uri="{FF2B5EF4-FFF2-40B4-BE49-F238E27FC236}">
+                <a16:creationId xmlns:a16="http://schemas.microsoft.com/office/drawing/2014/main" id="{FBBD296A-01E5-4110-A194-FDD8400BC74E}"/>
+              </a:ext>
+            </a:extLst>
+          </p:cNvPr>
+          <p:cNvSpPr/>
+          <p:nvPr/>
+        </p:nvSpPr>
+        <p:spPr>
+          <a:xfrm>
+            <a:off x="0" y="0"/>
+            <a:ext cx="12204875" cy="1017320"/>
+          </a:xfrm>
+          <a:prstGeom prst="rect">
+            <a:avLst/>
+          </a:prstGeom>
+          <a:solidFill>
+            <a:srgbClr val="FFFFFF"/>
+          </a:solidFill>
+          <a:ln>
+            <a:noFill/>
+          </a:ln>
+        </p:spPr>
+        <p:style>
+          <a:lnRef idx="2">
+            <a:schemeClr val="accent1">
+              <a:shade val="50000"/>
+            </a:schemeClr>
+          </a:lnRef>
+          <a:fillRef idx="1">
+            <a:schemeClr val="accent1"/>
+          </a:fillRef>
+          <a:effectRef idx="0">
+            <a:schemeClr val="accent1"/>
+          </a:effectRef>
+          <a:fontRef idx="minor">
+            <a:schemeClr val="lt1"/>
+          </a:fontRef>
+        </p:style>
+        <p:txBody>
+          <a:bodyPr rtlCol="0" anchor="ctr"/>
+          <a:lstStyle/>
+          <a:p>
+            <a:pPr algn="ctr"/>
+            <a:endParaRPr lang="es-ES_tradnl" cap="all" dirty="0"/>
+          </a:p>
+        </p:txBody>
+      </p:sp>
+      <p:cxnSp>
+        <p:nvCxnSpPr>
+          <p:cNvPr id="9" name="Conector recto 8">
+            <a:extLst>
+              <a:ext uri="{FF2B5EF4-FFF2-40B4-BE49-F238E27FC236}">
+                <a16:creationId xmlns:a16="http://schemas.microsoft.com/office/drawing/2014/main" id="{3D13F2F9-A2BF-4634-836B-99C7BF44BEA3}"/>
+              </a:ext>
+            </a:extLst>
+          </p:cNvPr>
+          <p:cNvCxnSpPr>
+            <a:cxnSpLocks/>
+          </p:cNvCxnSpPr>
+          <p:nvPr/>
+        </p:nvCxnSpPr>
+        <p:spPr>
+          <a:xfrm flipH="1">
+            <a:off x="-1814" y="1039469"/>
+            <a:ext cx="7020000" cy="0"/>
+          </a:xfrm>
+          <a:prstGeom prst="line">
+            <a:avLst/>
+          </a:prstGeom>
+          <a:ln w="76200"/>
+        </p:spPr>
+        <p:style>
+          <a:lnRef idx="3">
+            <a:schemeClr val="accent2"/>
+          </a:lnRef>
+          <a:fillRef idx="0">
+            <a:schemeClr val="accent2"/>
+          </a:fillRef>
+          <a:effectRef idx="2">
+            <a:schemeClr val="accent2"/>
+          </a:effectRef>
+          <a:fontRef idx="minor">
+            <a:schemeClr val="tx1"/>
+          </a:fontRef>
+        </p:style>
+      </p:cxnSp>
+      <p:sp>
+        <p:nvSpPr>
+          <p:cNvPr id="10" name="CuadroTexto 9">
+            <a:extLst>
+              <a:ext uri="{FF2B5EF4-FFF2-40B4-BE49-F238E27FC236}">
+                <a16:creationId xmlns:a16="http://schemas.microsoft.com/office/drawing/2014/main" id="{FA96AE39-791A-447C-93BE-9E1BBEC3233B}"/>
+              </a:ext>
+            </a:extLst>
+          </p:cNvPr>
+          <p:cNvSpPr txBox="1"/>
+          <p:nvPr/>
+        </p:nvSpPr>
+        <p:spPr>
+          <a:xfrm>
+            <a:off x="100012" y="36547"/>
+            <a:ext cx="11918694" cy="954107"/>
+          </a:xfrm>
+          <a:prstGeom prst="rect">
+            <a:avLst/>
+          </a:prstGeom>
+          <a:noFill/>
+        </p:spPr>
+        <p:txBody>
+          <a:bodyPr wrap="square" numCol="1" rtlCol="0">
+            <a:spAutoFit/>
+          </a:bodyPr>
+          <a:lstStyle/>
+          <a:p>
+            <a:r>
+              <a:rPr lang="es-ES" cap="all" dirty="0">
+                <a:solidFill>
+                  <a:schemeClr val="bg1"/>
+                </a:solidFill>
+              </a:rPr>
+              <a:t>Materia - Análisis de Datos - </a:t>
+            </a:r>
+            <a:r>
+              <a:rPr lang="es-ES_tradnl" cap="all" dirty="0">
+                <a:solidFill>
+                  <a:schemeClr val="bg1"/>
+                </a:solidFill>
+              </a:rPr>
+              <a:t>Recorridos en </a:t>
+            </a:r>
+            <a:r>
+              <a:rPr lang="es-ES_tradnl" cap="all" dirty="0" err="1">
+                <a:solidFill>
+                  <a:schemeClr val="bg1"/>
+                </a:solidFill>
+              </a:rPr>
+              <a:t>Ecobicis</a:t>
+            </a:r>
+            <a:r>
+              <a:rPr lang="es-ES_tradnl" cap="all" dirty="0">
+                <a:solidFill>
+                  <a:schemeClr val="bg1"/>
+                </a:solidFill>
+              </a:rPr>
+              <a:t> en el año 2024</a:t>
+            </a:r>
+          </a:p>
+          <a:p>
+            <a:endParaRPr lang="es-ES_tradnl" cap="all" dirty="0">
+              <a:solidFill>
+                <a:schemeClr val="bg1"/>
+              </a:solidFill>
+            </a:endParaRPr>
+          </a:p>
+          <a:p>
+            <a:r>
+              <a:rPr lang="es-ES_tradnl" sz="2000" b="1" cap="all" dirty="0">
+                <a:solidFill>
+                  <a:schemeClr val="bg1"/>
+                </a:solidFill>
+              </a:rPr>
+              <a:t>Listado 5 registros de manera aleatoria para conocer su contenido </a:t>
+            </a:r>
+            <a:endParaRPr lang="es-ES_tradnl" cap="all" dirty="0">
               <a:solidFill>
                 <a:schemeClr val="bg1"/>
               </a:solidFill>
@@ -8077,482 +10361,6 @@
           </a:solidFill>
         </p:spPr>
       </p:pic>
-      <p:pic>
-        <p:nvPicPr>
-          <p:cNvPr id="3" name="Imagen 2">
-            <a:extLst>
-              <a:ext uri="{FF2B5EF4-FFF2-40B4-BE49-F238E27FC236}">
-                <a16:creationId xmlns:a16="http://schemas.microsoft.com/office/drawing/2014/main" id="{92181E80-272F-45BF-A568-D70537E1DE9D}"/>
-              </a:ext>
-            </a:extLst>
-          </p:cNvPr>
-          <p:cNvPicPr>
-            <a:picLocks noChangeAspect="1"/>
-          </p:cNvPicPr>
-          <p:nvPr/>
-        </p:nvPicPr>
-        <p:blipFill>
-          <a:blip r:embed="rId4"/>
-          <a:stretch>
-            <a:fillRect/>
-          </a:stretch>
-        </p:blipFill>
-        <p:spPr>
-          <a:xfrm>
-            <a:off x="4861452" y="1039469"/>
-            <a:ext cx="7330548" cy="4844056"/>
-          </a:xfrm>
-          <a:prstGeom prst="rect">
-            <a:avLst/>
-          </a:prstGeom>
-        </p:spPr>
-      </p:pic>
-      <p:sp>
-        <p:nvSpPr>
-          <p:cNvPr id="12" name="CuadroTexto 11">
-            <a:extLst>
-              <a:ext uri="{FF2B5EF4-FFF2-40B4-BE49-F238E27FC236}">
-                <a16:creationId xmlns:a16="http://schemas.microsoft.com/office/drawing/2014/main" id="{44718B80-8D51-4529-A10C-8C8383243BB5}"/>
-              </a:ext>
-            </a:extLst>
-          </p:cNvPr>
-          <p:cNvSpPr txBox="1"/>
-          <p:nvPr/>
-        </p:nvSpPr>
-        <p:spPr>
-          <a:xfrm>
-            <a:off x="84382" y="5883505"/>
-            <a:ext cx="10990385" cy="1015663"/>
-          </a:xfrm>
-          <a:prstGeom prst="rect">
-            <a:avLst/>
-          </a:prstGeom>
-          <a:noFill/>
-        </p:spPr>
-        <p:txBody>
-          <a:bodyPr wrap="square">
-            <a:spAutoFit/>
-          </a:bodyPr>
-          <a:lstStyle/>
-          <a:p>
-            <a:r>
-              <a:rPr lang="es-ES_tradnl" sz="2000" b="1" i="0" cap="all" dirty="0">
-                <a:solidFill>
-                  <a:srgbClr val="FFFF00"/>
-                </a:solidFill>
-                <a:effectLst/>
-                <a:latin typeface="Consolas" panose="020B0609020204030204" pitchFamily="49" charset="0"/>
-              </a:rPr>
-              <a:t>Valor del cuartil Q1 - Box </a:t>
-            </a:r>
-            <a:r>
-              <a:rPr lang="es-ES_tradnl" sz="2000" b="1" i="0" cap="all" dirty="0" err="1">
-                <a:solidFill>
-                  <a:srgbClr val="FFFF00"/>
-                </a:solidFill>
-                <a:effectLst/>
-                <a:latin typeface="Consolas" panose="020B0609020204030204" pitchFamily="49" charset="0"/>
-              </a:rPr>
-              <a:t>Plot</a:t>
-            </a:r>
-            <a:r>
-              <a:rPr lang="es-ES_tradnl" sz="2000" b="1" i="0" cap="all" dirty="0">
-                <a:solidFill>
-                  <a:srgbClr val="FFFF00"/>
-                </a:solidFill>
-                <a:effectLst/>
-                <a:latin typeface="Consolas" panose="020B0609020204030204" pitchFamily="49" charset="0"/>
-              </a:rPr>
-              <a:t> </a:t>
-            </a:r>
-            <a:r>
-              <a:rPr lang="es-ES_tradnl" sz="2000" b="1" i="0" cap="all" dirty="0" err="1">
-                <a:solidFill>
-                  <a:srgbClr val="FFFF00"/>
-                </a:solidFill>
-                <a:effectLst/>
-                <a:latin typeface="Consolas" panose="020B0609020204030204" pitchFamily="49" charset="0"/>
-              </a:rPr>
-              <a:t>duracion_recorrido</a:t>
-            </a:r>
-            <a:r>
-              <a:rPr lang="es-ES_tradnl" sz="2000" b="1" i="0" cap="all" dirty="0">
-                <a:solidFill>
-                  <a:srgbClr val="FFFF00"/>
-                </a:solidFill>
-                <a:effectLst/>
-                <a:latin typeface="Consolas" panose="020B0609020204030204" pitchFamily="49" charset="0"/>
-              </a:rPr>
-              <a:t> 493.00 </a:t>
-            </a:r>
-          </a:p>
-          <a:p>
-            <a:r>
-              <a:rPr lang="es-ES_tradnl" sz="2000" b="1" i="0" cap="all" dirty="0">
-                <a:solidFill>
-                  <a:srgbClr val="FFFF00"/>
-                </a:solidFill>
-                <a:effectLst/>
-                <a:latin typeface="Consolas" panose="020B0609020204030204" pitchFamily="49" charset="0"/>
-              </a:rPr>
-              <a:t>Valor media, cuartil Q2 - Box </a:t>
-            </a:r>
-            <a:r>
-              <a:rPr lang="es-ES_tradnl" sz="2000" b="1" i="0" cap="all" dirty="0" err="1">
-                <a:solidFill>
-                  <a:srgbClr val="FFFF00"/>
-                </a:solidFill>
-                <a:effectLst/>
-                <a:latin typeface="Consolas" panose="020B0609020204030204" pitchFamily="49" charset="0"/>
-              </a:rPr>
-              <a:t>Plot</a:t>
-            </a:r>
-            <a:r>
-              <a:rPr lang="es-ES_tradnl" sz="2000" b="1" i="0" cap="all" dirty="0">
-                <a:solidFill>
-                  <a:srgbClr val="FFFF00"/>
-                </a:solidFill>
-                <a:effectLst/>
-                <a:latin typeface="Consolas" panose="020B0609020204030204" pitchFamily="49" charset="0"/>
-              </a:rPr>
-              <a:t> </a:t>
-            </a:r>
-            <a:r>
-              <a:rPr lang="es-ES_tradnl" sz="2000" b="1" i="0" cap="all" dirty="0" err="1">
-                <a:solidFill>
-                  <a:srgbClr val="FFFF00"/>
-                </a:solidFill>
-                <a:effectLst/>
-                <a:latin typeface="Consolas" panose="020B0609020204030204" pitchFamily="49" charset="0"/>
-              </a:rPr>
-              <a:t>duracion_recorrido</a:t>
-            </a:r>
-            <a:r>
-              <a:rPr lang="es-ES_tradnl" sz="2000" b="1" i="0" cap="all" dirty="0">
-                <a:solidFill>
-                  <a:srgbClr val="FFFF00"/>
-                </a:solidFill>
-                <a:effectLst/>
-                <a:latin typeface="Consolas" panose="020B0609020204030204" pitchFamily="49" charset="0"/>
-              </a:rPr>
-              <a:t> 881.00</a:t>
-            </a:r>
-          </a:p>
-          <a:p>
-            <a:r>
-              <a:rPr lang="es-ES_tradnl" sz="2000" b="1" i="0" cap="all" dirty="0">
-                <a:solidFill>
-                  <a:srgbClr val="FFFF00"/>
-                </a:solidFill>
-                <a:effectLst/>
-                <a:latin typeface="Consolas" panose="020B0609020204030204" pitchFamily="49" charset="0"/>
-              </a:rPr>
-              <a:t>Valor del cuartil Q3 - Box </a:t>
-            </a:r>
-            <a:r>
-              <a:rPr lang="es-ES_tradnl" sz="2000" b="1" i="0" cap="all" dirty="0" err="1">
-                <a:solidFill>
-                  <a:srgbClr val="FFFF00"/>
-                </a:solidFill>
-                <a:effectLst/>
-                <a:latin typeface="Consolas" panose="020B0609020204030204" pitchFamily="49" charset="0"/>
-              </a:rPr>
-              <a:t>Plot</a:t>
-            </a:r>
-            <a:r>
-              <a:rPr lang="es-ES_tradnl" sz="2000" b="1" i="0" cap="all" dirty="0">
-                <a:solidFill>
-                  <a:srgbClr val="FFFF00"/>
-                </a:solidFill>
-                <a:effectLst/>
-                <a:latin typeface="Consolas" panose="020B0609020204030204" pitchFamily="49" charset="0"/>
-              </a:rPr>
-              <a:t> </a:t>
-            </a:r>
-            <a:r>
-              <a:rPr lang="es-ES_tradnl" sz="2000" b="1" i="0" cap="all" dirty="0" err="1">
-                <a:solidFill>
-                  <a:srgbClr val="FFFF00"/>
-                </a:solidFill>
-                <a:effectLst/>
-                <a:latin typeface="Consolas" panose="020B0609020204030204" pitchFamily="49" charset="0"/>
-              </a:rPr>
-              <a:t>duracion_recorrido</a:t>
-            </a:r>
-            <a:r>
-              <a:rPr lang="es-ES_tradnl" sz="2000" b="1" i="0" cap="all" dirty="0">
-                <a:solidFill>
-                  <a:srgbClr val="FFFF00"/>
-                </a:solidFill>
-                <a:effectLst/>
-                <a:latin typeface="Consolas" panose="020B0609020204030204" pitchFamily="49" charset="0"/>
-              </a:rPr>
-              <a:t> 1474.00</a:t>
-            </a:r>
-            <a:endParaRPr lang="es-ES_tradnl" sz="2000" b="1" cap="all" dirty="0">
-              <a:solidFill>
-                <a:srgbClr val="FFFF00"/>
-              </a:solidFill>
-            </a:endParaRPr>
-          </a:p>
-        </p:txBody>
-      </p:sp>
-    </p:spTree>
-    <p:extLst>
-      <p:ext uri="{BB962C8B-B14F-4D97-AF65-F5344CB8AC3E}">
-        <p14:creationId xmlns:p14="http://schemas.microsoft.com/office/powerpoint/2010/main" val="1067469435"/>
-      </p:ext>
-    </p:extLst>
-  </p:cSld>
-  <p:clrMapOvr>
-    <a:masterClrMapping/>
-  </p:clrMapOvr>
-</p:sld>
-</file>
-
-<file path=ppt/slides/slide5.xml><?xml version="1.0" encoding="utf-8"?>
-<p:sld xmlns:a="http://schemas.openxmlformats.org/drawingml/2006/main" xmlns:r="http://schemas.openxmlformats.org/officeDocument/2006/relationships" xmlns:p="http://schemas.openxmlformats.org/presentationml/2006/main">
-  <p:cSld>
-    <p:spTree>
-      <p:nvGrpSpPr>
-        <p:cNvPr id="1" name=""/>
-        <p:cNvGrpSpPr/>
-        <p:nvPr/>
-      </p:nvGrpSpPr>
-      <p:grpSpPr>
-        <a:xfrm>
-          <a:off x="0" y="0"/>
-          <a:ext cx="0" cy="0"/>
-          <a:chOff x="0" y="0"/>
-          <a:chExt cx="0" cy="0"/>
-        </a:xfrm>
-      </p:grpSpPr>
-      <p:sp>
-        <p:nvSpPr>
-          <p:cNvPr id="8" name="Rectángulo 7">
-            <a:extLst>
-              <a:ext uri="{FF2B5EF4-FFF2-40B4-BE49-F238E27FC236}">
-                <a16:creationId xmlns:a16="http://schemas.microsoft.com/office/drawing/2014/main" id="{FBBD296A-01E5-4110-A194-FDD8400BC74E}"/>
-              </a:ext>
-            </a:extLst>
-          </p:cNvPr>
-          <p:cNvSpPr/>
-          <p:nvPr/>
-        </p:nvSpPr>
-        <p:spPr>
-          <a:xfrm>
-            <a:off x="0" y="0"/>
-            <a:ext cx="12204875" cy="1017320"/>
-          </a:xfrm>
-          <a:prstGeom prst="rect">
-            <a:avLst/>
-          </a:prstGeom>
-          <a:solidFill>
-            <a:srgbClr val="FFFFFF"/>
-          </a:solidFill>
-          <a:ln>
-            <a:noFill/>
-          </a:ln>
-        </p:spPr>
-        <p:style>
-          <a:lnRef idx="2">
-            <a:schemeClr val="accent1">
-              <a:shade val="50000"/>
-            </a:schemeClr>
-          </a:lnRef>
-          <a:fillRef idx="1">
-            <a:schemeClr val="accent1"/>
-          </a:fillRef>
-          <a:effectRef idx="0">
-            <a:schemeClr val="accent1"/>
-          </a:effectRef>
-          <a:fontRef idx="minor">
-            <a:schemeClr val="lt1"/>
-          </a:fontRef>
-        </p:style>
-        <p:txBody>
-          <a:bodyPr rtlCol="0" anchor="ctr"/>
-          <a:lstStyle/>
-          <a:p>
-            <a:pPr algn="ctr"/>
-            <a:endParaRPr lang="es-ES_tradnl" cap="all" dirty="0"/>
-          </a:p>
-        </p:txBody>
-      </p:sp>
-      <p:cxnSp>
-        <p:nvCxnSpPr>
-          <p:cNvPr id="9" name="Conector recto 8">
-            <a:extLst>
-              <a:ext uri="{FF2B5EF4-FFF2-40B4-BE49-F238E27FC236}">
-                <a16:creationId xmlns:a16="http://schemas.microsoft.com/office/drawing/2014/main" id="{3D13F2F9-A2BF-4634-836B-99C7BF44BEA3}"/>
-              </a:ext>
-            </a:extLst>
-          </p:cNvPr>
-          <p:cNvCxnSpPr>
-            <a:cxnSpLocks/>
-          </p:cNvCxnSpPr>
-          <p:nvPr/>
-        </p:nvCxnSpPr>
-        <p:spPr>
-          <a:xfrm flipH="1">
-            <a:off x="-1814" y="1039469"/>
-            <a:ext cx="7020000" cy="0"/>
-          </a:xfrm>
-          <a:prstGeom prst="line">
-            <a:avLst/>
-          </a:prstGeom>
-          <a:ln w="76200"/>
-        </p:spPr>
-        <p:style>
-          <a:lnRef idx="3">
-            <a:schemeClr val="accent2"/>
-          </a:lnRef>
-          <a:fillRef idx="0">
-            <a:schemeClr val="accent2"/>
-          </a:fillRef>
-          <a:effectRef idx="2">
-            <a:schemeClr val="accent2"/>
-          </a:effectRef>
-          <a:fontRef idx="minor">
-            <a:schemeClr val="tx1"/>
-          </a:fontRef>
-        </p:style>
-      </p:cxnSp>
-      <p:sp>
-        <p:nvSpPr>
-          <p:cNvPr id="10" name="CuadroTexto 9">
-            <a:extLst>
-              <a:ext uri="{FF2B5EF4-FFF2-40B4-BE49-F238E27FC236}">
-                <a16:creationId xmlns:a16="http://schemas.microsoft.com/office/drawing/2014/main" id="{FA96AE39-791A-447C-93BE-9E1BBEC3233B}"/>
-              </a:ext>
-            </a:extLst>
-          </p:cNvPr>
-          <p:cNvSpPr txBox="1"/>
-          <p:nvPr/>
-        </p:nvSpPr>
-        <p:spPr>
-          <a:xfrm>
-            <a:off x="100012" y="36547"/>
-            <a:ext cx="11918694" cy="954107"/>
-          </a:xfrm>
-          <a:prstGeom prst="rect">
-            <a:avLst/>
-          </a:prstGeom>
-          <a:noFill/>
-        </p:spPr>
-        <p:txBody>
-          <a:bodyPr wrap="square" numCol="1" rtlCol="0">
-            <a:spAutoFit/>
-          </a:bodyPr>
-          <a:lstStyle/>
-          <a:p>
-            <a:r>
-              <a:rPr lang="es-ES" cap="all" dirty="0">
-                <a:solidFill>
-                  <a:schemeClr val="bg1"/>
-                </a:solidFill>
-              </a:rPr>
-              <a:t>Materia - Análisis de Datos - </a:t>
-            </a:r>
-            <a:r>
-              <a:rPr lang="es-ES_tradnl" cap="all" dirty="0">
-                <a:solidFill>
-                  <a:schemeClr val="bg1"/>
-                </a:solidFill>
-              </a:rPr>
-              <a:t>Recorridos en </a:t>
-            </a:r>
-            <a:r>
-              <a:rPr lang="es-ES_tradnl" cap="all" dirty="0" err="1">
-                <a:solidFill>
-                  <a:schemeClr val="bg1"/>
-                </a:solidFill>
-              </a:rPr>
-              <a:t>Ecobicis</a:t>
-            </a:r>
-            <a:r>
-              <a:rPr lang="es-ES_tradnl" cap="all" dirty="0">
-                <a:solidFill>
-                  <a:schemeClr val="bg1"/>
-                </a:solidFill>
-              </a:rPr>
-              <a:t> en el año 2024</a:t>
-            </a:r>
-          </a:p>
-          <a:p>
-            <a:endParaRPr lang="es-ES_tradnl" cap="all" dirty="0">
-              <a:solidFill>
-                <a:schemeClr val="bg1"/>
-              </a:solidFill>
-            </a:endParaRPr>
-          </a:p>
-          <a:p>
-            <a:pPr algn="ctr"/>
-            <a:r>
-              <a:rPr lang="es-ES_tradnl" sz="2000" b="1" cap="all" dirty="0">
-                <a:solidFill>
-                  <a:schemeClr val="bg1"/>
-                </a:solidFill>
-              </a:rPr>
-              <a:t>Listado 5 registros de manera aleatoria para conocer su contenido </a:t>
-            </a:r>
-            <a:endParaRPr lang="es-ES_tradnl" cap="all" dirty="0">
-              <a:solidFill>
-                <a:schemeClr val="bg1"/>
-              </a:solidFill>
-            </a:endParaRPr>
-          </a:p>
-        </p:txBody>
-      </p:sp>
-      <p:pic>
-        <p:nvPicPr>
-          <p:cNvPr id="11" name="Picture 4" descr="UBA | Facultad de Ingeniería">
-            <a:extLst>
-              <a:ext uri="{FF2B5EF4-FFF2-40B4-BE49-F238E27FC236}">
-                <a16:creationId xmlns:a16="http://schemas.microsoft.com/office/drawing/2014/main" id="{62FCA779-D6EF-46A2-AA7D-1457134B9D3E}"/>
-              </a:ext>
-            </a:extLst>
-          </p:cNvPr>
-          <p:cNvPicPr>
-            <a:picLocks noChangeAspect="1" noChangeArrowheads="1"/>
-          </p:cNvPicPr>
-          <p:nvPr/>
-        </p:nvPicPr>
-        <p:blipFill>
-          <a:blip r:embed="rId2">
-            <a:extLst>
-              <a:ext uri="{BEBA8EAE-BF5A-486C-A8C5-ECC9F3942E4B}">
-                <a14:imgProps xmlns:a14="http://schemas.microsoft.com/office/drawing/2010/main">
-                  <a14:imgLayer r:embed="rId3">
-                    <a14:imgEffect>
-                      <a14:saturation sat="33000"/>
-                    </a14:imgEffect>
-                  </a14:imgLayer>
-                </a14:imgProps>
-              </a:ext>
-              <a:ext uri="{28A0092B-C50C-407E-A947-70E740481C1C}">
-                <a14:useLocalDpi xmlns:a14="http://schemas.microsoft.com/office/drawing/2010/main" val="0"/>
-              </a:ext>
-            </a:extLst>
-          </a:blip>
-          <a:srcRect/>
-          <a:stretch>
-            <a:fillRect/>
-          </a:stretch>
-        </p:blipFill>
-        <p:spPr bwMode="auto">
-          <a:xfrm>
-            <a:off x="9890975" y="36547"/>
-            <a:ext cx="2201013" cy="842812"/>
-          </a:xfrm>
-          <a:prstGeom prst="rect">
-            <a:avLst/>
-          </a:prstGeom>
-          <a:solidFill>
-            <a:srgbClr val="FFFFFF"/>
-          </a:solidFill>
-        </p:spPr>
-      </p:pic>
       <p:sp>
         <p:nvSpPr>
           <p:cNvPr id="13" name="CuadroTexto 12">
@@ -8589,7 +10397,7 @@
                 <a:effectLst/>
                 <a:latin typeface="Consolas" panose="020B0609020204030204" pitchFamily="49" charset="0"/>
               </a:rPr>
-              <a:t>Tercer cuartil (Q3): 1474.00 </a:t>
+              <a:t>Tercer cuartil (Q3): 1474 </a:t>
             </a:r>
           </a:p>
           <a:p>
@@ -8621,7 +10429,7 @@
                 <a:effectLst/>
                 <a:latin typeface="Consolas" panose="020B0609020204030204" pitchFamily="49" charset="0"/>
               </a:rPr>
-              <a:t> superiores detectados: 197787 </a:t>
+              <a:t> superiores detectados: 197.787 </a:t>
             </a:r>
           </a:p>
           <a:p>
@@ -8653,7 +10461,7 @@
                 <a:effectLst/>
                 <a:latin typeface="Consolas" panose="020B0609020204030204" pitchFamily="49" charset="0"/>
               </a:rPr>
-              <a:t> 2945.50</a:t>
+              <a:t> 2945,50</a:t>
             </a:r>
             <a:endParaRPr lang="es-ES_tradnl" sz="2000" b="1" cap="all" dirty="0">
               <a:solidFill>
@@ -8736,7 +10544,301 @@
 </p:sld>
 </file>
 
-<file path=ppt/slides/slide6.xml><?xml version="1.0" encoding="utf-8"?>
+<file path=ppt/slides/slide7.xml><?xml version="1.0" encoding="utf-8"?>
+<p:sld xmlns:a="http://schemas.openxmlformats.org/drawingml/2006/main" xmlns:r="http://schemas.openxmlformats.org/officeDocument/2006/relationships" xmlns:p="http://schemas.openxmlformats.org/presentationml/2006/main">
+  <p:cSld>
+    <p:spTree>
+      <p:nvGrpSpPr>
+        <p:cNvPr id="1" name=""/>
+        <p:cNvGrpSpPr/>
+        <p:nvPr/>
+      </p:nvGrpSpPr>
+      <p:grpSpPr>
+        <a:xfrm>
+          <a:off x="0" y="0"/>
+          <a:ext cx="0" cy="0"/>
+          <a:chOff x="0" y="0"/>
+          <a:chExt cx="0" cy="0"/>
+        </a:xfrm>
+      </p:grpSpPr>
+      <p:sp>
+        <p:nvSpPr>
+          <p:cNvPr id="8" name="Rectángulo 7">
+            <a:extLst>
+              <a:ext uri="{FF2B5EF4-FFF2-40B4-BE49-F238E27FC236}">
+                <a16:creationId xmlns:a16="http://schemas.microsoft.com/office/drawing/2014/main" id="{52FC6658-C1BF-420E-AE5C-A3613A748310}"/>
+              </a:ext>
+            </a:extLst>
+          </p:cNvPr>
+          <p:cNvSpPr/>
+          <p:nvPr/>
+        </p:nvSpPr>
+        <p:spPr>
+          <a:xfrm>
+            <a:off x="0" y="0"/>
+            <a:ext cx="12204875" cy="1017320"/>
+          </a:xfrm>
+          <a:prstGeom prst="rect">
+            <a:avLst/>
+          </a:prstGeom>
+          <a:solidFill>
+            <a:srgbClr val="FFFFFF"/>
+          </a:solidFill>
+          <a:ln>
+            <a:noFill/>
+          </a:ln>
+        </p:spPr>
+        <p:style>
+          <a:lnRef idx="2">
+            <a:schemeClr val="accent1">
+              <a:shade val="50000"/>
+            </a:schemeClr>
+          </a:lnRef>
+          <a:fillRef idx="1">
+            <a:schemeClr val="accent1"/>
+          </a:fillRef>
+          <a:effectRef idx="0">
+            <a:schemeClr val="accent1"/>
+          </a:effectRef>
+          <a:fontRef idx="minor">
+            <a:schemeClr val="lt1"/>
+          </a:fontRef>
+        </p:style>
+        <p:txBody>
+          <a:bodyPr rtlCol="0" anchor="ctr"/>
+          <a:lstStyle/>
+          <a:p>
+            <a:pPr algn="ctr"/>
+            <a:endParaRPr lang="es-ES_tradnl" cap="all" dirty="0"/>
+          </a:p>
+        </p:txBody>
+      </p:sp>
+      <p:cxnSp>
+        <p:nvCxnSpPr>
+          <p:cNvPr id="9" name="Conector recto 8">
+            <a:extLst>
+              <a:ext uri="{FF2B5EF4-FFF2-40B4-BE49-F238E27FC236}">
+                <a16:creationId xmlns:a16="http://schemas.microsoft.com/office/drawing/2014/main" id="{ED771758-FE12-4353-B583-CA473D68FDEB}"/>
+              </a:ext>
+            </a:extLst>
+          </p:cNvPr>
+          <p:cNvCxnSpPr>
+            <a:cxnSpLocks/>
+          </p:cNvCxnSpPr>
+          <p:nvPr/>
+        </p:nvCxnSpPr>
+        <p:spPr>
+          <a:xfrm flipH="1">
+            <a:off x="-1814" y="1039469"/>
+            <a:ext cx="7020000" cy="0"/>
+          </a:xfrm>
+          <a:prstGeom prst="line">
+            <a:avLst/>
+          </a:prstGeom>
+          <a:ln w="76200"/>
+        </p:spPr>
+        <p:style>
+          <a:lnRef idx="3">
+            <a:schemeClr val="accent2"/>
+          </a:lnRef>
+          <a:fillRef idx="0">
+            <a:schemeClr val="accent2"/>
+          </a:fillRef>
+          <a:effectRef idx="2">
+            <a:schemeClr val="accent2"/>
+          </a:effectRef>
+          <a:fontRef idx="minor">
+            <a:schemeClr val="tx1"/>
+          </a:fontRef>
+        </p:style>
+      </p:cxnSp>
+      <p:sp>
+        <p:nvSpPr>
+          <p:cNvPr id="10" name="CuadroTexto 9">
+            <a:extLst>
+              <a:ext uri="{FF2B5EF4-FFF2-40B4-BE49-F238E27FC236}">
+                <a16:creationId xmlns:a16="http://schemas.microsoft.com/office/drawing/2014/main" id="{09FB29D1-1142-4A71-BAEF-885B8AEBE633}"/>
+              </a:ext>
+            </a:extLst>
+          </p:cNvPr>
+          <p:cNvSpPr txBox="1"/>
+          <p:nvPr/>
+        </p:nvSpPr>
+        <p:spPr>
+          <a:xfrm>
+            <a:off x="100012" y="36547"/>
+            <a:ext cx="11918694" cy="954107"/>
+          </a:xfrm>
+          <a:prstGeom prst="rect">
+            <a:avLst/>
+          </a:prstGeom>
+          <a:noFill/>
+        </p:spPr>
+        <p:txBody>
+          <a:bodyPr wrap="square" numCol="1" rtlCol="0">
+            <a:spAutoFit/>
+          </a:bodyPr>
+          <a:lstStyle/>
+          <a:p>
+            <a:r>
+              <a:rPr lang="es-ES" cap="all" dirty="0">
+                <a:solidFill>
+                  <a:schemeClr val="bg1"/>
+                </a:solidFill>
+              </a:rPr>
+              <a:t>Materia - Análisis de Datos - </a:t>
+            </a:r>
+            <a:r>
+              <a:rPr lang="es-ES_tradnl" cap="all" dirty="0">
+                <a:solidFill>
+                  <a:schemeClr val="bg1"/>
+                </a:solidFill>
+              </a:rPr>
+              <a:t>Recorridos en </a:t>
+            </a:r>
+            <a:r>
+              <a:rPr lang="es-ES_tradnl" cap="all" dirty="0" err="1">
+                <a:solidFill>
+                  <a:schemeClr val="bg1"/>
+                </a:solidFill>
+              </a:rPr>
+              <a:t>Ecobicis</a:t>
+            </a:r>
+            <a:r>
+              <a:rPr lang="es-ES_tradnl" cap="all" dirty="0">
+                <a:solidFill>
+                  <a:schemeClr val="bg1"/>
+                </a:solidFill>
+              </a:rPr>
+              <a:t> en el año 2024</a:t>
+            </a:r>
+          </a:p>
+          <a:p>
+            <a:endParaRPr lang="es-ES_tradnl" cap="all" dirty="0">
+              <a:solidFill>
+                <a:schemeClr val="bg1"/>
+              </a:solidFill>
+            </a:endParaRPr>
+          </a:p>
+          <a:p>
+            <a:pPr algn="ctr"/>
+            <a:r>
+              <a:rPr lang="es-ES_tradnl" sz="2000" b="1" cap="all" dirty="0">
+                <a:solidFill>
+                  <a:schemeClr val="bg1"/>
+                </a:solidFill>
+              </a:rPr>
+              <a:t> Patrón Registros con 0 en </a:t>
+            </a:r>
+            <a:r>
+              <a:rPr lang="es-ES_tradnl" sz="2000" b="1" cap="all" dirty="0" err="1">
+                <a:solidFill>
+                  <a:schemeClr val="bg1"/>
+                </a:solidFill>
+              </a:rPr>
+              <a:t>duracion_recorrido</a:t>
+            </a:r>
+            <a:endParaRPr lang="es-ES_tradnl" cap="all" dirty="0">
+              <a:solidFill>
+                <a:schemeClr val="bg1"/>
+              </a:solidFill>
+            </a:endParaRPr>
+          </a:p>
+        </p:txBody>
+      </p:sp>
+      <p:pic>
+        <p:nvPicPr>
+          <p:cNvPr id="11" name="Picture 4" descr="UBA | Facultad de Ingeniería">
+            <a:extLst>
+              <a:ext uri="{FF2B5EF4-FFF2-40B4-BE49-F238E27FC236}">
+                <a16:creationId xmlns:a16="http://schemas.microsoft.com/office/drawing/2014/main" id="{67557C29-E071-4A01-898E-A7C7E900DB19}"/>
+              </a:ext>
+            </a:extLst>
+          </p:cNvPr>
+          <p:cNvPicPr>
+            <a:picLocks noChangeAspect="1" noChangeArrowheads="1"/>
+          </p:cNvPicPr>
+          <p:nvPr/>
+        </p:nvPicPr>
+        <p:blipFill>
+          <a:blip r:embed="rId3">
+            <a:extLst>
+              <a:ext uri="{BEBA8EAE-BF5A-486C-A8C5-ECC9F3942E4B}">
+                <a14:imgProps xmlns:a14="http://schemas.microsoft.com/office/drawing/2010/main">
+                  <a14:imgLayer r:embed="rId4">
+                    <a14:imgEffect>
+                      <a14:saturation sat="33000"/>
+                    </a14:imgEffect>
+                  </a14:imgLayer>
+                </a14:imgProps>
+              </a:ext>
+              <a:ext uri="{28A0092B-C50C-407E-A947-70E740481C1C}">
+                <a14:useLocalDpi xmlns:a14="http://schemas.microsoft.com/office/drawing/2010/main" val="0"/>
+              </a:ext>
+            </a:extLst>
+          </a:blip>
+          <a:srcRect/>
+          <a:stretch>
+            <a:fillRect/>
+          </a:stretch>
+        </p:blipFill>
+        <p:spPr bwMode="auto">
+          <a:xfrm>
+            <a:off x="9890975" y="36547"/>
+            <a:ext cx="2201013" cy="842812"/>
+          </a:xfrm>
+          <a:prstGeom prst="rect">
+            <a:avLst/>
+          </a:prstGeom>
+          <a:solidFill>
+            <a:srgbClr val="FFFFFF"/>
+          </a:solidFill>
+        </p:spPr>
+      </p:pic>
+      <p:pic>
+        <p:nvPicPr>
+          <p:cNvPr id="16" name="Imagen 15">
+            <a:extLst>
+              <a:ext uri="{FF2B5EF4-FFF2-40B4-BE49-F238E27FC236}">
+                <a16:creationId xmlns:a16="http://schemas.microsoft.com/office/drawing/2014/main" id="{3B51199F-710D-47B3-82D6-A1B0D4665A5B}"/>
+              </a:ext>
+            </a:extLst>
+          </p:cNvPr>
+          <p:cNvPicPr>
+            <a:picLocks noChangeAspect="1"/>
+          </p:cNvPicPr>
+          <p:nvPr/>
+        </p:nvPicPr>
+        <p:blipFill>
+          <a:blip r:embed="rId5"/>
+          <a:stretch>
+            <a:fillRect/>
+          </a:stretch>
+        </p:blipFill>
+        <p:spPr>
+          <a:xfrm>
+            <a:off x="0" y="2497752"/>
+            <a:ext cx="12192000" cy="1862496"/>
+          </a:xfrm>
+          <a:prstGeom prst="rect">
+            <a:avLst/>
+          </a:prstGeom>
+        </p:spPr>
+      </p:pic>
+    </p:spTree>
+    <p:extLst>
+      <p:ext uri="{BB962C8B-B14F-4D97-AF65-F5344CB8AC3E}">
+        <p14:creationId xmlns:p14="http://schemas.microsoft.com/office/powerpoint/2010/main" val="3072822005"/>
+      </p:ext>
+    </p:extLst>
+  </p:cSld>
+  <p:clrMapOvr>
+    <a:masterClrMapping/>
+  </p:clrMapOvr>
+</p:sld>
+</file>
+
+<file path=ppt/slides/slide8.xml><?xml version="1.0" encoding="utf-8"?>
 <p:sld xmlns:a="http://schemas.openxmlformats.org/drawingml/2006/main" xmlns:r="http://schemas.openxmlformats.org/officeDocument/2006/relationships" xmlns:p="http://schemas.openxmlformats.org/presentationml/2006/main">
   <p:cSld>
     <p:spTree>
@@ -8989,10 +11091,10 @@
       </p:pic>
       <p:pic>
         <p:nvPicPr>
-          <p:cNvPr id="13" name="Imagen 12">
+          <p:cNvPr id="3" name="Imagen 2">
             <a:extLst>
               <a:ext uri="{FF2B5EF4-FFF2-40B4-BE49-F238E27FC236}">
-                <a16:creationId xmlns:a16="http://schemas.microsoft.com/office/drawing/2014/main" id="{0D149D22-6C23-41B3-8315-5CB8E79376B6}"/>
+                <a16:creationId xmlns:a16="http://schemas.microsoft.com/office/drawing/2014/main" id="{03053C8C-B3F2-4ECE-B9A5-5CC7028CAD36}"/>
               </a:ext>
             </a:extLst>
           </p:cNvPr>
@@ -9009,8 +11111,38 @@
         </p:blipFill>
         <p:spPr>
           <a:xfrm>
-            <a:off x="828429" y="1302389"/>
-            <a:ext cx="9948985" cy="5208697"/>
+            <a:off x="0" y="1170894"/>
+            <a:ext cx="12192000" cy="2474474"/>
+          </a:xfrm>
+          <a:prstGeom prst="rect">
+            <a:avLst/>
+          </a:prstGeom>
+        </p:spPr>
+      </p:pic>
+      <p:pic>
+        <p:nvPicPr>
+          <p:cNvPr id="5" name="Imagen 4">
+            <a:extLst>
+              <a:ext uri="{FF2B5EF4-FFF2-40B4-BE49-F238E27FC236}">
+                <a16:creationId xmlns:a16="http://schemas.microsoft.com/office/drawing/2014/main" id="{1590DFD8-846C-4C36-AD45-32792E354F2B}"/>
+              </a:ext>
+            </a:extLst>
+          </p:cNvPr>
+          <p:cNvPicPr>
+            <a:picLocks noChangeAspect="1"/>
+          </p:cNvPicPr>
+          <p:nvPr/>
+        </p:nvPicPr>
+        <p:blipFill>
+          <a:blip r:embed="rId5"/>
+          <a:stretch>
+            <a:fillRect/>
+          </a:stretch>
+        </p:blipFill>
+        <p:spPr>
+          <a:xfrm>
+            <a:off x="0" y="3732035"/>
+            <a:ext cx="12192000" cy="2738371"/>
           </a:xfrm>
           <a:prstGeom prst="rect">
             <a:avLst/>
@@ -9030,7 +11162,7 @@
 </p:sld>
 </file>
 
-<file path=ppt/slides/slide7.xml><?xml version="1.0" encoding="utf-8"?>
+<file path=ppt/slides/slide9.xml><?xml version="1.0" encoding="utf-8"?>
 <p:sld xmlns:a="http://schemas.openxmlformats.org/drawingml/2006/main" xmlns:r="http://schemas.openxmlformats.org/officeDocument/2006/relationships" xmlns:p="http://schemas.openxmlformats.org/presentationml/2006/main">
   <p:cSld>
     <p:spTree>
@@ -9331,624 +11463,6 @@
     <p:extLst>
       <p:ext uri="{BB962C8B-B14F-4D97-AF65-F5344CB8AC3E}">
         <p14:creationId xmlns:p14="http://schemas.microsoft.com/office/powerpoint/2010/main" val="3754211217"/>
-      </p:ext>
-    </p:extLst>
-  </p:cSld>
-  <p:clrMapOvr>
-    <a:masterClrMapping/>
-  </p:clrMapOvr>
-</p:sld>
-</file>
-
-<file path=ppt/slides/slide8.xml><?xml version="1.0" encoding="utf-8"?>
-<p:sld xmlns:a="http://schemas.openxmlformats.org/drawingml/2006/main" xmlns:r="http://schemas.openxmlformats.org/officeDocument/2006/relationships" xmlns:p="http://schemas.openxmlformats.org/presentationml/2006/main">
-  <p:cSld>
-    <p:spTree>
-      <p:nvGrpSpPr>
-        <p:cNvPr id="1" name=""/>
-        <p:cNvGrpSpPr/>
-        <p:nvPr/>
-      </p:nvGrpSpPr>
-      <p:grpSpPr>
-        <a:xfrm>
-          <a:off x="0" y="0"/>
-          <a:ext cx="0" cy="0"/>
-          <a:chOff x="0" y="0"/>
-          <a:chExt cx="0" cy="0"/>
-        </a:xfrm>
-      </p:grpSpPr>
-      <p:sp>
-        <p:nvSpPr>
-          <p:cNvPr id="8" name="Rectángulo 7">
-            <a:extLst>
-              <a:ext uri="{FF2B5EF4-FFF2-40B4-BE49-F238E27FC236}">
-                <a16:creationId xmlns:a16="http://schemas.microsoft.com/office/drawing/2014/main" id="{4128A73D-1EFD-40B8-9961-6A97BCED5EC7}"/>
-              </a:ext>
-            </a:extLst>
-          </p:cNvPr>
-          <p:cNvSpPr/>
-          <p:nvPr/>
-        </p:nvSpPr>
-        <p:spPr>
-          <a:xfrm>
-            <a:off x="0" y="0"/>
-            <a:ext cx="12204875" cy="1017320"/>
-          </a:xfrm>
-          <a:prstGeom prst="rect">
-            <a:avLst/>
-          </a:prstGeom>
-          <a:solidFill>
-            <a:srgbClr val="FFFFFF"/>
-          </a:solidFill>
-          <a:ln>
-            <a:noFill/>
-          </a:ln>
-        </p:spPr>
-        <p:style>
-          <a:lnRef idx="2">
-            <a:schemeClr val="accent1">
-              <a:shade val="50000"/>
-            </a:schemeClr>
-          </a:lnRef>
-          <a:fillRef idx="1">
-            <a:schemeClr val="accent1"/>
-          </a:fillRef>
-          <a:effectRef idx="0">
-            <a:schemeClr val="accent1"/>
-          </a:effectRef>
-          <a:fontRef idx="minor">
-            <a:schemeClr val="lt1"/>
-          </a:fontRef>
-        </p:style>
-        <p:txBody>
-          <a:bodyPr rtlCol="0" anchor="ctr"/>
-          <a:lstStyle/>
-          <a:p>
-            <a:pPr algn="ctr"/>
-            <a:endParaRPr lang="es-ES_tradnl" cap="all" dirty="0"/>
-          </a:p>
-        </p:txBody>
-      </p:sp>
-      <p:cxnSp>
-        <p:nvCxnSpPr>
-          <p:cNvPr id="9" name="Conector recto 8">
-            <a:extLst>
-              <a:ext uri="{FF2B5EF4-FFF2-40B4-BE49-F238E27FC236}">
-                <a16:creationId xmlns:a16="http://schemas.microsoft.com/office/drawing/2014/main" id="{A56D1B3B-B74D-4175-BA8C-DB487ABD37FB}"/>
-              </a:ext>
-            </a:extLst>
-          </p:cNvPr>
-          <p:cNvCxnSpPr>
-            <a:cxnSpLocks/>
-          </p:cNvCxnSpPr>
-          <p:nvPr/>
-        </p:nvCxnSpPr>
-        <p:spPr>
-          <a:xfrm flipH="1">
-            <a:off x="-1814" y="1039469"/>
-            <a:ext cx="7020000" cy="0"/>
-          </a:xfrm>
-          <a:prstGeom prst="line">
-            <a:avLst/>
-          </a:prstGeom>
-          <a:ln w="76200"/>
-        </p:spPr>
-        <p:style>
-          <a:lnRef idx="3">
-            <a:schemeClr val="accent2"/>
-          </a:lnRef>
-          <a:fillRef idx="0">
-            <a:schemeClr val="accent2"/>
-          </a:fillRef>
-          <a:effectRef idx="2">
-            <a:schemeClr val="accent2"/>
-          </a:effectRef>
-          <a:fontRef idx="minor">
-            <a:schemeClr val="tx1"/>
-          </a:fontRef>
-        </p:style>
-      </p:cxnSp>
-      <p:sp>
-        <p:nvSpPr>
-          <p:cNvPr id="10" name="CuadroTexto 9">
-            <a:extLst>
-              <a:ext uri="{FF2B5EF4-FFF2-40B4-BE49-F238E27FC236}">
-                <a16:creationId xmlns:a16="http://schemas.microsoft.com/office/drawing/2014/main" id="{0BA32A5A-A36B-430C-BE06-9D7E6B7DF715}"/>
-              </a:ext>
-            </a:extLst>
-          </p:cNvPr>
-          <p:cNvSpPr txBox="1"/>
-          <p:nvPr/>
-        </p:nvSpPr>
-        <p:spPr>
-          <a:xfrm>
-            <a:off x="100012" y="36547"/>
-            <a:ext cx="11918694" cy="954107"/>
-          </a:xfrm>
-          <a:prstGeom prst="rect">
-            <a:avLst/>
-          </a:prstGeom>
-          <a:noFill/>
-        </p:spPr>
-        <p:txBody>
-          <a:bodyPr wrap="square" numCol="1" rtlCol="0">
-            <a:spAutoFit/>
-          </a:bodyPr>
-          <a:lstStyle/>
-          <a:p>
-            <a:r>
-              <a:rPr lang="es-ES" cap="all" dirty="0">
-                <a:solidFill>
-                  <a:schemeClr val="bg1"/>
-                </a:solidFill>
-              </a:rPr>
-              <a:t>Materia - Análisis de Datos - </a:t>
-            </a:r>
-            <a:r>
-              <a:rPr lang="es-ES_tradnl" cap="all" dirty="0">
-                <a:solidFill>
-                  <a:schemeClr val="bg1"/>
-                </a:solidFill>
-              </a:rPr>
-              <a:t>Recorridos en </a:t>
-            </a:r>
-            <a:r>
-              <a:rPr lang="es-ES_tradnl" cap="all" dirty="0" err="1">
-                <a:solidFill>
-                  <a:schemeClr val="bg1"/>
-                </a:solidFill>
-              </a:rPr>
-              <a:t>Ecobicis</a:t>
-            </a:r>
-            <a:r>
-              <a:rPr lang="es-ES_tradnl" cap="all" dirty="0">
-                <a:solidFill>
-                  <a:schemeClr val="bg1"/>
-                </a:solidFill>
-              </a:rPr>
-              <a:t> en el año 2024</a:t>
-            </a:r>
-          </a:p>
-          <a:p>
-            <a:endParaRPr lang="es-ES_tradnl" cap="all" dirty="0">
-              <a:solidFill>
-                <a:schemeClr val="bg1"/>
-              </a:solidFill>
-            </a:endParaRPr>
-          </a:p>
-          <a:p>
-            <a:pPr algn="ctr"/>
-            <a:r>
-              <a:rPr lang="es-ES_tradnl" sz="2000" b="1" cap="all" dirty="0" err="1">
-                <a:solidFill>
-                  <a:schemeClr val="bg1"/>
-                </a:solidFill>
-              </a:rPr>
-              <a:t>fecha_destino_recorrido</a:t>
-            </a:r>
-            <a:r>
-              <a:rPr lang="es-ES_tradnl" sz="2000" b="1" cap="all" dirty="0">
-                <a:solidFill>
-                  <a:schemeClr val="bg1"/>
-                </a:solidFill>
-              </a:rPr>
-              <a:t> / GENERO  CON VALOR NULL </a:t>
-            </a:r>
-            <a:endParaRPr lang="es-ES_tradnl" cap="all" dirty="0">
-              <a:solidFill>
-                <a:schemeClr val="bg1"/>
-              </a:solidFill>
-            </a:endParaRPr>
-          </a:p>
-        </p:txBody>
-      </p:sp>
-      <p:pic>
-        <p:nvPicPr>
-          <p:cNvPr id="11" name="Picture 4" descr="UBA | Facultad de Ingeniería">
-            <a:extLst>
-              <a:ext uri="{FF2B5EF4-FFF2-40B4-BE49-F238E27FC236}">
-                <a16:creationId xmlns:a16="http://schemas.microsoft.com/office/drawing/2014/main" id="{CA6B17F3-07DE-4557-8AB0-B67F2FA2143C}"/>
-              </a:ext>
-            </a:extLst>
-          </p:cNvPr>
-          <p:cNvPicPr>
-            <a:picLocks noChangeAspect="1" noChangeArrowheads="1"/>
-          </p:cNvPicPr>
-          <p:nvPr/>
-        </p:nvPicPr>
-        <p:blipFill>
-          <a:blip r:embed="rId2">
-            <a:extLst>
-              <a:ext uri="{BEBA8EAE-BF5A-486C-A8C5-ECC9F3942E4B}">
-                <a14:imgProps xmlns:a14="http://schemas.microsoft.com/office/drawing/2010/main">
-                  <a14:imgLayer r:embed="rId3">
-                    <a14:imgEffect>
-                      <a14:saturation sat="33000"/>
-                    </a14:imgEffect>
-                  </a14:imgLayer>
-                </a14:imgProps>
-              </a:ext>
-              <a:ext uri="{28A0092B-C50C-407E-A947-70E740481C1C}">
-                <a14:useLocalDpi xmlns:a14="http://schemas.microsoft.com/office/drawing/2010/main" val="0"/>
-              </a:ext>
-            </a:extLst>
-          </a:blip>
-          <a:srcRect/>
-          <a:stretch>
-            <a:fillRect/>
-          </a:stretch>
-        </p:blipFill>
-        <p:spPr bwMode="auto">
-          <a:xfrm>
-            <a:off x="9890975" y="36547"/>
-            <a:ext cx="2201013" cy="842812"/>
-          </a:xfrm>
-          <a:prstGeom prst="rect">
-            <a:avLst/>
-          </a:prstGeom>
-          <a:solidFill>
-            <a:srgbClr val="FFFFFF"/>
-          </a:solidFill>
-        </p:spPr>
-      </p:pic>
-      <p:pic>
-        <p:nvPicPr>
-          <p:cNvPr id="13" name="Imagen 12">
-            <a:extLst>
-              <a:ext uri="{FF2B5EF4-FFF2-40B4-BE49-F238E27FC236}">
-                <a16:creationId xmlns:a16="http://schemas.microsoft.com/office/drawing/2014/main" id="{F4906063-EC7F-43AC-82A1-3F25319DBFD0}"/>
-              </a:ext>
-            </a:extLst>
-          </p:cNvPr>
-          <p:cNvPicPr>
-            <a:picLocks noChangeAspect="1"/>
-          </p:cNvPicPr>
-          <p:nvPr/>
-        </p:nvPicPr>
-        <p:blipFill>
-          <a:blip r:embed="rId4"/>
-          <a:stretch>
-            <a:fillRect/>
-          </a:stretch>
-        </p:blipFill>
-        <p:spPr>
-          <a:xfrm>
-            <a:off x="7747776" y="2746214"/>
-            <a:ext cx="4286398" cy="3955477"/>
-          </a:xfrm>
-          <a:prstGeom prst="rect">
-            <a:avLst/>
-          </a:prstGeom>
-        </p:spPr>
-      </p:pic>
-      <p:pic>
-        <p:nvPicPr>
-          <p:cNvPr id="15" name="Imagen 14">
-            <a:extLst>
-              <a:ext uri="{FF2B5EF4-FFF2-40B4-BE49-F238E27FC236}">
-                <a16:creationId xmlns:a16="http://schemas.microsoft.com/office/drawing/2014/main" id="{386840FF-1E6D-4A94-AF9D-4E7253B48B71}"/>
-              </a:ext>
-            </a:extLst>
-          </p:cNvPr>
-          <p:cNvPicPr>
-            <a:picLocks noChangeAspect="1"/>
-          </p:cNvPicPr>
-          <p:nvPr/>
-        </p:nvPicPr>
-        <p:blipFill>
-          <a:blip r:embed="rId5"/>
-          <a:stretch>
-            <a:fillRect/>
-          </a:stretch>
-        </p:blipFill>
-        <p:spPr>
-          <a:xfrm>
-            <a:off x="-1814" y="1158450"/>
-            <a:ext cx="6496399" cy="3344174"/>
-          </a:xfrm>
-          <a:prstGeom prst="rect">
-            <a:avLst/>
-          </a:prstGeom>
-        </p:spPr>
-      </p:pic>
-    </p:spTree>
-    <p:extLst>
-      <p:ext uri="{BB962C8B-B14F-4D97-AF65-F5344CB8AC3E}">
-        <p14:creationId xmlns:p14="http://schemas.microsoft.com/office/powerpoint/2010/main" val="3833198138"/>
-      </p:ext>
-    </p:extLst>
-  </p:cSld>
-  <p:clrMapOvr>
-    <a:masterClrMapping/>
-  </p:clrMapOvr>
-</p:sld>
-</file>
-
-<file path=ppt/slides/slide9.xml><?xml version="1.0" encoding="utf-8"?>
-<p:sld xmlns:a="http://schemas.openxmlformats.org/drawingml/2006/main" xmlns:r="http://schemas.openxmlformats.org/officeDocument/2006/relationships" xmlns:p="http://schemas.openxmlformats.org/presentationml/2006/main">
-  <p:cSld>
-    <p:spTree>
-      <p:nvGrpSpPr>
-        <p:cNvPr id="1" name=""/>
-        <p:cNvGrpSpPr/>
-        <p:nvPr/>
-      </p:nvGrpSpPr>
-      <p:grpSpPr>
-        <a:xfrm>
-          <a:off x="0" y="0"/>
-          <a:ext cx="0" cy="0"/>
-          <a:chOff x="0" y="0"/>
-          <a:chExt cx="0" cy="0"/>
-        </a:xfrm>
-      </p:grpSpPr>
-      <p:sp>
-        <p:nvSpPr>
-          <p:cNvPr id="4" name="Rectángulo 3">
-            <a:extLst>
-              <a:ext uri="{FF2B5EF4-FFF2-40B4-BE49-F238E27FC236}">
-                <a16:creationId xmlns:a16="http://schemas.microsoft.com/office/drawing/2014/main" id="{90CFDF54-28CD-426A-9DE4-47A8A6D93A69}"/>
-              </a:ext>
-            </a:extLst>
-          </p:cNvPr>
-          <p:cNvSpPr/>
-          <p:nvPr/>
-        </p:nvSpPr>
-        <p:spPr>
-          <a:xfrm>
-            <a:off x="0" y="0"/>
-            <a:ext cx="12204875" cy="1017320"/>
-          </a:xfrm>
-          <a:prstGeom prst="rect">
-            <a:avLst/>
-          </a:prstGeom>
-          <a:solidFill>
-            <a:srgbClr val="FFFFFF"/>
-          </a:solidFill>
-          <a:ln>
-            <a:noFill/>
-          </a:ln>
-        </p:spPr>
-        <p:style>
-          <a:lnRef idx="2">
-            <a:schemeClr val="accent1">
-              <a:shade val="50000"/>
-            </a:schemeClr>
-          </a:lnRef>
-          <a:fillRef idx="1">
-            <a:schemeClr val="accent1"/>
-          </a:fillRef>
-          <a:effectRef idx="0">
-            <a:schemeClr val="accent1"/>
-          </a:effectRef>
-          <a:fontRef idx="minor">
-            <a:schemeClr val="lt1"/>
-          </a:fontRef>
-        </p:style>
-        <p:txBody>
-          <a:bodyPr rtlCol="0" anchor="ctr"/>
-          <a:lstStyle/>
-          <a:p>
-            <a:pPr algn="ctr"/>
-            <a:endParaRPr lang="es-ES_tradnl" dirty="0"/>
-          </a:p>
-        </p:txBody>
-      </p:sp>
-      <p:cxnSp>
-        <p:nvCxnSpPr>
-          <p:cNvPr id="5" name="Conector recto 4">
-            <a:extLst>
-              <a:ext uri="{FF2B5EF4-FFF2-40B4-BE49-F238E27FC236}">
-                <a16:creationId xmlns:a16="http://schemas.microsoft.com/office/drawing/2014/main" id="{3FE2725E-9DDD-4324-89A0-6AA7172971BB}"/>
-              </a:ext>
-            </a:extLst>
-          </p:cNvPr>
-          <p:cNvCxnSpPr>
-            <a:cxnSpLocks/>
-          </p:cNvCxnSpPr>
-          <p:nvPr/>
-        </p:nvCxnSpPr>
-        <p:spPr>
-          <a:xfrm flipH="1">
-            <a:off x="-1814" y="1039469"/>
-            <a:ext cx="7020000" cy="0"/>
-          </a:xfrm>
-          <a:prstGeom prst="line">
-            <a:avLst/>
-          </a:prstGeom>
-          <a:ln w="76200"/>
-        </p:spPr>
-        <p:style>
-          <a:lnRef idx="3">
-            <a:schemeClr val="accent2"/>
-          </a:lnRef>
-          <a:fillRef idx="0">
-            <a:schemeClr val="accent2"/>
-          </a:fillRef>
-          <a:effectRef idx="2">
-            <a:schemeClr val="accent2"/>
-          </a:effectRef>
-          <a:fontRef idx="minor">
-            <a:schemeClr val="tx1"/>
-          </a:fontRef>
-        </p:style>
-      </p:cxnSp>
-      <p:sp>
-        <p:nvSpPr>
-          <p:cNvPr id="6" name="CuadroTexto 5">
-            <a:extLst>
-              <a:ext uri="{FF2B5EF4-FFF2-40B4-BE49-F238E27FC236}">
-                <a16:creationId xmlns:a16="http://schemas.microsoft.com/office/drawing/2014/main" id="{3B43E018-C464-4580-8C78-3613C0E7B1C1}"/>
-              </a:ext>
-            </a:extLst>
-          </p:cNvPr>
-          <p:cNvSpPr txBox="1"/>
-          <p:nvPr/>
-        </p:nvSpPr>
-        <p:spPr>
-          <a:xfrm>
-            <a:off x="100012" y="36547"/>
-            <a:ext cx="11918694" cy="954107"/>
-          </a:xfrm>
-          <a:prstGeom prst="rect">
-            <a:avLst/>
-          </a:prstGeom>
-          <a:noFill/>
-        </p:spPr>
-        <p:txBody>
-          <a:bodyPr wrap="square" numCol="1" rtlCol="0">
-            <a:spAutoFit/>
-          </a:bodyPr>
-          <a:lstStyle/>
-          <a:p>
-            <a:r>
-              <a:rPr lang="es-ES" dirty="0">
-                <a:solidFill>
-                  <a:schemeClr val="bg1"/>
-                </a:solidFill>
-              </a:rPr>
-              <a:t>Materia - Análisis de Datos - </a:t>
-            </a:r>
-            <a:r>
-              <a:rPr lang="es-ES_tradnl" dirty="0">
-                <a:solidFill>
-                  <a:schemeClr val="bg1"/>
-                </a:solidFill>
-              </a:rPr>
-              <a:t>Recorridos en </a:t>
-            </a:r>
-            <a:r>
-              <a:rPr lang="es-ES_tradnl" dirty="0" err="1">
-                <a:solidFill>
-                  <a:schemeClr val="bg1"/>
-                </a:solidFill>
-              </a:rPr>
-              <a:t>Ecobicis</a:t>
-            </a:r>
-            <a:r>
-              <a:rPr lang="es-ES_tradnl" dirty="0">
-                <a:solidFill>
-                  <a:schemeClr val="bg1"/>
-                </a:solidFill>
-              </a:rPr>
-              <a:t> en el año 2024</a:t>
-            </a:r>
-          </a:p>
-          <a:p>
-            <a:endParaRPr lang="es-ES_tradnl" dirty="0">
-              <a:solidFill>
-                <a:schemeClr val="bg1"/>
-              </a:solidFill>
-            </a:endParaRPr>
-          </a:p>
-          <a:p>
-            <a:pPr algn="ctr"/>
-            <a:r>
-              <a:rPr lang="es-ES_tradnl" sz="2000" b="1" cap="all" dirty="0">
-                <a:solidFill>
-                  <a:schemeClr val="bg1"/>
-                </a:solidFill>
-              </a:rPr>
-              <a:t>GENERO  CON VALOR NULL</a:t>
-            </a:r>
-            <a:r>
-              <a:rPr lang="es-ES_tradnl" sz="2000" b="1" dirty="0">
-                <a:solidFill>
-                  <a:schemeClr val="bg1"/>
-                </a:solidFill>
-              </a:rPr>
-              <a:t> </a:t>
-            </a:r>
-            <a:endParaRPr lang="es-ES_tradnl" dirty="0">
-              <a:solidFill>
-                <a:schemeClr val="bg1"/>
-              </a:solidFill>
-            </a:endParaRPr>
-          </a:p>
-        </p:txBody>
-      </p:sp>
-      <p:pic>
-        <p:nvPicPr>
-          <p:cNvPr id="7" name="Picture 4" descr="UBA | Facultad de Ingeniería">
-            <a:extLst>
-              <a:ext uri="{FF2B5EF4-FFF2-40B4-BE49-F238E27FC236}">
-                <a16:creationId xmlns:a16="http://schemas.microsoft.com/office/drawing/2014/main" id="{837516E4-BDED-4C19-AE0E-7049AF2D8B37}"/>
-              </a:ext>
-            </a:extLst>
-          </p:cNvPr>
-          <p:cNvPicPr>
-            <a:picLocks noChangeAspect="1" noChangeArrowheads="1"/>
-          </p:cNvPicPr>
-          <p:nvPr/>
-        </p:nvPicPr>
-        <p:blipFill>
-          <a:blip r:embed="rId2">
-            <a:extLst>
-              <a:ext uri="{BEBA8EAE-BF5A-486C-A8C5-ECC9F3942E4B}">
-                <a14:imgProps xmlns:a14="http://schemas.microsoft.com/office/drawing/2010/main">
-                  <a14:imgLayer r:embed="rId3">
-                    <a14:imgEffect>
-                      <a14:saturation sat="33000"/>
-                    </a14:imgEffect>
-                  </a14:imgLayer>
-                </a14:imgProps>
-              </a:ext>
-              <a:ext uri="{28A0092B-C50C-407E-A947-70E740481C1C}">
-                <a14:useLocalDpi xmlns:a14="http://schemas.microsoft.com/office/drawing/2010/main" val="0"/>
-              </a:ext>
-            </a:extLst>
-          </a:blip>
-          <a:srcRect/>
-          <a:stretch>
-            <a:fillRect/>
-          </a:stretch>
-        </p:blipFill>
-        <p:spPr bwMode="auto">
-          <a:xfrm>
-            <a:off x="9890975" y="36547"/>
-            <a:ext cx="2201013" cy="842812"/>
-          </a:xfrm>
-          <a:prstGeom prst="rect">
-            <a:avLst/>
-          </a:prstGeom>
-          <a:solidFill>
-            <a:srgbClr val="FFFFFF"/>
-          </a:solidFill>
-        </p:spPr>
-      </p:pic>
-      <p:pic>
-        <p:nvPicPr>
-          <p:cNvPr id="8" name="Imagen 7">
-            <a:extLst>
-              <a:ext uri="{FF2B5EF4-FFF2-40B4-BE49-F238E27FC236}">
-                <a16:creationId xmlns:a16="http://schemas.microsoft.com/office/drawing/2014/main" id="{81632ECB-7CF4-4E1E-9711-4B7744573383}"/>
-              </a:ext>
-            </a:extLst>
-          </p:cNvPr>
-          <p:cNvPicPr>
-            <a:picLocks noChangeAspect="1"/>
-          </p:cNvPicPr>
-          <p:nvPr/>
-        </p:nvPicPr>
-        <p:blipFill>
-          <a:blip r:embed="rId4"/>
-          <a:stretch>
-            <a:fillRect/>
-          </a:stretch>
-        </p:blipFill>
-        <p:spPr>
-          <a:xfrm>
-            <a:off x="2055446" y="1273757"/>
-            <a:ext cx="8287016" cy="5506091"/>
-          </a:xfrm>
-          <a:prstGeom prst="rect">
-            <a:avLst/>
-          </a:prstGeom>
-        </p:spPr>
-      </p:pic>
-    </p:spTree>
-    <p:extLst>
-      <p:ext uri="{BB962C8B-B14F-4D97-AF65-F5344CB8AC3E}">
-        <p14:creationId xmlns:p14="http://schemas.microsoft.com/office/powerpoint/2010/main" val="2117826350"/>
       </p:ext>
     </p:extLst>
   </p:cSld>
@@ -10230,4 +11744,299 @@
     </a:ext>
   </a:extLst>
 </a:theme>
+</file>
+
+<file path=ppt/theme/theme2.xml><?xml version="1.0" encoding="utf-8"?>
+<a:theme xmlns:a="http://schemas.openxmlformats.org/drawingml/2006/main" name="Tema de Office">
+  <a:themeElements>
+    <a:clrScheme name="Office">
+      <a:dk1>
+        <a:sysClr val="windowText" lastClr="000000"/>
+      </a:dk1>
+      <a:lt1>
+        <a:sysClr val="window" lastClr="FFFFFF"/>
+      </a:lt1>
+      <a:dk2>
+        <a:srgbClr val="44546A"/>
+      </a:dk2>
+      <a:lt2>
+        <a:srgbClr val="E7E6E6"/>
+      </a:lt2>
+      <a:accent1>
+        <a:srgbClr val="4472C4"/>
+      </a:accent1>
+      <a:accent2>
+        <a:srgbClr val="ED7D31"/>
+      </a:accent2>
+      <a:accent3>
+        <a:srgbClr val="A5A5A5"/>
+      </a:accent3>
+      <a:accent4>
+        <a:srgbClr val="FFC000"/>
+      </a:accent4>
+      <a:accent5>
+        <a:srgbClr val="5B9BD5"/>
+      </a:accent5>
+      <a:accent6>
+        <a:srgbClr val="70AD47"/>
+      </a:accent6>
+      <a:hlink>
+        <a:srgbClr val="0563C1"/>
+      </a:hlink>
+      <a:folHlink>
+        <a:srgbClr val="954F72"/>
+      </a:folHlink>
+    </a:clrScheme>
+    <a:fontScheme name="Office">
+      <a:majorFont>
+        <a:latin typeface="Calibri Light" panose="020F0302020204030204"/>
+        <a:ea typeface=""/>
+        <a:cs typeface=""/>
+        <a:font script="Jpan" typeface="游ゴシック Light"/>
+        <a:font script="Hang" typeface="맑은 고딕"/>
+        <a:font script="Hans" typeface="等线 Light"/>
+        <a:font script="Hant" typeface="新細明體"/>
+        <a:font script="Arab" typeface="Times New Roman"/>
+        <a:font script="Hebr" typeface="Times New Roman"/>
+        <a:font script="Thai" typeface="Angsana New"/>
+        <a:font script="Ethi" typeface="Nyala"/>
+        <a:font script="Beng" typeface="Vrinda"/>
+        <a:font script="Gujr" typeface="Shruti"/>
+        <a:font script="Khmr" typeface="MoolBoran"/>
+        <a:font script="Knda" typeface="Tunga"/>
+        <a:font script="Guru" typeface="Raavi"/>
+        <a:font script="Cans" typeface="Euphemia"/>
+        <a:font script="Cher" typeface="Plantagenet Cherokee"/>
+        <a:font script="Yiii" typeface="Microsoft Yi Baiti"/>
+        <a:font script="Tibt" typeface="Microsoft Himalaya"/>
+        <a:font script="Thaa" typeface="MV Boli"/>
+        <a:font script="Deva" typeface="Mangal"/>
+        <a:font script="Telu" typeface="Gautami"/>
+        <a:font script="Taml" typeface="Latha"/>
+        <a:font script="Syrc" typeface="Estrangelo Edessa"/>
+        <a:font script="Orya" typeface="Kalinga"/>
+        <a:font script="Mlym" typeface="Kartika"/>
+        <a:font script="Laoo" typeface="DokChampa"/>
+        <a:font script="Sinh" typeface="Iskoola Pota"/>
+        <a:font script="Mong" typeface="Mongolian Baiti"/>
+        <a:font script="Viet" typeface="Times New Roman"/>
+        <a:font script="Uigh" typeface="Microsoft Uighur"/>
+        <a:font script="Geor" typeface="Sylfaen"/>
+        <a:font script="Armn" typeface="Arial"/>
+        <a:font script="Bugi" typeface="Leelawadee UI"/>
+        <a:font script="Bopo" typeface="Microsoft JhengHei"/>
+        <a:font script="Java" typeface="Javanese Text"/>
+        <a:font script="Lisu" typeface="Segoe UI"/>
+        <a:font script="Mymr" typeface="Myanmar Text"/>
+        <a:font script="Nkoo" typeface="Ebrima"/>
+        <a:font script="Olck" typeface="Nirmala UI"/>
+        <a:font script="Osma" typeface="Ebrima"/>
+        <a:font script="Phag" typeface="Phagspa"/>
+        <a:font script="Syrn" typeface="Estrangelo Edessa"/>
+        <a:font script="Syrj" typeface="Estrangelo Edessa"/>
+        <a:font script="Syre" typeface="Estrangelo Edessa"/>
+        <a:font script="Sora" typeface="Nirmala UI"/>
+        <a:font script="Tale" typeface="Microsoft Tai Le"/>
+        <a:font script="Talu" typeface="Microsoft New Tai Lue"/>
+        <a:font script="Tfng" typeface="Ebrima"/>
+      </a:majorFont>
+      <a:minorFont>
+        <a:latin typeface="Calibri" panose="020F0502020204030204"/>
+        <a:ea typeface=""/>
+        <a:cs typeface=""/>
+        <a:font script="Jpan" typeface="游ゴシック"/>
+        <a:font script="Hang" typeface="맑은 고딕"/>
+        <a:font script="Hans" typeface="等线"/>
+        <a:font script="Hant" typeface="新細明體"/>
+        <a:font script="Arab" typeface="Arial"/>
+        <a:font script="Hebr" typeface="Arial"/>
+        <a:font script="Thai" typeface="Cordia New"/>
+        <a:font script="Ethi" typeface="Nyala"/>
+        <a:font script="Beng" typeface="Vrinda"/>
+        <a:font script="Gujr" typeface="Shruti"/>
+        <a:font script="Khmr" typeface="DaunPenh"/>
+        <a:font script="Knda" typeface="Tunga"/>
+        <a:font script="Guru" typeface="Raavi"/>
+        <a:font script="Cans" typeface="Euphemia"/>
+        <a:font script="Cher" typeface="Plantagenet Cherokee"/>
+        <a:font script="Yiii" typeface="Microsoft Yi Baiti"/>
+        <a:font script="Tibt" typeface="Microsoft Himalaya"/>
+        <a:font script="Thaa" typeface="MV Boli"/>
+        <a:font script="Deva" typeface="Mangal"/>
+        <a:font script="Telu" typeface="Gautami"/>
+        <a:font script="Taml" typeface="Latha"/>
+        <a:font script="Syrc" typeface="Estrangelo Edessa"/>
+        <a:font script="Orya" typeface="Kalinga"/>
+        <a:font script="Mlym" typeface="Kartika"/>
+        <a:font script="Laoo" typeface="DokChampa"/>
+        <a:font script="Sinh" typeface="Iskoola Pota"/>
+        <a:font script="Mong" typeface="Mongolian Baiti"/>
+        <a:font script="Viet" typeface="Arial"/>
+        <a:font script="Uigh" typeface="Microsoft Uighur"/>
+        <a:font script="Geor" typeface="Sylfaen"/>
+        <a:font script="Armn" typeface="Arial"/>
+        <a:font script="Bugi" typeface="Leelawadee UI"/>
+        <a:font script="Bopo" typeface="Microsoft JhengHei"/>
+        <a:font script="Java" typeface="Javanese Text"/>
+        <a:font script="Lisu" typeface="Segoe UI"/>
+        <a:font script="Mymr" typeface="Myanmar Text"/>
+        <a:font script="Nkoo" typeface="Ebrima"/>
+        <a:font script="Olck" typeface="Nirmala UI"/>
+        <a:font script="Osma" typeface="Ebrima"/>
+        <a:font script="Phag" typeface="Phagspa"/>
+        <a:font script="Syrn" typeface="Estrangelo Edessa"/>
+        <a:font script="Syrj" typeface="Estrangelo Edessa"/>
+        <a:font script="Syre" typeface="Estrangelo Edessa"/>
+        <a:font script="Sora" typeface="Nirmala UI"/>
+        <a:font script="Tale" typeface="Microsoft Tai Le"/>
+        <a:font script="Talu" typeface="Microsoft New Tai Lue"/>
+        <a:font script="Tfng" typeface="Ebrima"/>
+      </a:minorFont>
+    </a:fontScheme>
+    <a:fmtScheme name="Office">
+      <a:fillStyleLst>
+        <a:solidFill>
+          <a:schemeClr val="phClr"/>
+        </a:solidFill>
+        <a:gradFill rotWithShape="1">
+          <a:gsLst>
+            <a:gs pos="0">
+              <a:schemeClr val="phClr">
+                <a:lumMod val="110000"/>
+                <a:satMod val="105000"/>
+                <a:tint val="67000"/>
+              </a:schemeClr>
+            </a:gs>
+            <a:gs pos="50000">
+              <a:schemeClr val="phClr">
+                <a:lumMod val="105000"/>
+                <a:satMod val="103000"/>
+                <a:tint val="73000"/>
+              </a:schemeClr>
+            </a:gs>
+            <a:gs pos="100000">
+              <a:schemeClr val="phClr">
+                <a:lumMod val="105000"/>
+                <a:satMod val="109000"/>
+                <a:tint val="81000"/>
+              </a:schemeClr>
+            </a:gs>
+          </a:gsLst>
+          <a:lin ang="5400000" scaled="0"/>
+        </a:gradFill>
+        <a:gradFill rotWithShape="1">
+          <a:gsLst>
+            <a:gs pos="0">
+              <a:schemeClr val="phClr">
+                <a:satMod val="103000"/>
+                <a:lumMod val="102000"/>
+                <a:tint val="94000"/>
+              </a:schemeClr>
+            </a:gs>
+            <a:gs pos="50000">
+              <a:schemeClr val="phClr">
+                <a:satMod val="110000"/>
+                <a:lumMod val="100000"/>
+                <a:shade val="100000"/>
+              </a:schemeClr>
+            </a:gs>
+            <a:gs pos="100000">
+              <a:schemeClr val="phClr">
+                <a:lumMod val="99000"/>
+                <a:satMod val="120000"/>
+                <a:shade val="78000"/>
+              </a:schemeClr>
+            </a:gs>
+          </a:gsLst>
+          <a:lin ang="5400000" scaled="0"/>
+        </a:gradFill>
+      </a:fillStyleLst>
+      <a:lnStyleLst>
+        <a:ln w="6350" cap="flat" cmpd="sng" algn="ctr">
+          <a:solidFill>
+            <a:schemeClr val="phClr"/>
+          </a:solidFill>
+          <a:prstDash val="solid"/>
+          <a:miter lim="800000"/>
+        </a:ln>
+        <a:ln w="12700" cap="flat" cmpd="sng" algn="ctr">
+          <a:solidFill>
+            <a:schemeClr val="phClr"/>
+          </a:solidFill>
+          <a:prstDash val="solid"/>
+          <a:miter lim="800000"/>
+        </a:ln>
+        <a:ln w="19050" cap="flat" cmpd="sng" algn="ctr">
+          <a:solidFill>
+            <a:schemeClr val="phClr"/>
+          </a:solidFill>
+          <a:prstDash val="solid"/>
+          <a:miter lim="800000"/>
+        </a:ln>
+      </a:lnStyleLst>
+      <a:effectStyleLst>
+        <a:effectStyle>
+          <a:effectLst/>
+        </a:effectStyle>
+        <a:effectStyle>
+          <a:effectLst/>
+        </a:effectStyle>
+        <a:effectStyle>
+          <a:effectLst>
+            <a:outerShdw blurRad="57150" dist="19050" dir="5400000" algn="ctr" rotWithShape="0">
+              <a:srgbClr val="000000">
+                <a:alpha val="63000"/>
+              </a:srgbClr>
+            </a:outerShdw>
+          </a:effectLst>
+        </a:effectStyle>
+      </a:effectStyleLst>
+      <a:bgFillStyleLst>
+        <a:solidFill>
+          <a:schemeClr val="phClr"/>
+        </a:solidFill>
+        <a:solidFill>
+          <a:schemeClr val="phClr">
+            <a:tint val="95000"/>
+            <a:satMod val="170000"/>
+          </a:schemeClr>
+        </a:solidFill>
+        <a:gradFill rotWithShape="1">
+          <a:gsLst>
+            <a:gs pos="0">
+              <a:schemeClr val="phClr">
+                <a:tint val="93000"/>
+                <a:satMod val="150000"/>
+                <a:shade val="98000"/>
+                <a:lumMod val="102000"/>
+              </a:schemeClr>
+            </a:gs>
+            <a:gs pos="50000">
+              <a:schemeClr val="phClr">
+                <a:tint val="98000"/>
+                <a:satMod val="130000"/>
+                <a:shade val="90000"/>
+                <a:lumMod val="103000"/>
+              </a:schemeClr>
+            </a:gs>
+            <a:gs pos="100000">
+              <a:schemeClr val="phClr">
+                <a:shade val="63000"/>
+                <a:satMod val="120000"/>
+              </a:schemeClr>
+            </a:gs>
+          </a:gsLst>
+          <a:lin ang="5400000" scaled="0"/>
+        </a:gradFill>
+      </a:bgFillStyleLst>
+    </a:fmtScheme>
+  </a:themeElements>
+  <a:objectDefaults/>
+  <a:extraClrSchemeLst/>
+  <a:extLst>
+    <a:ext uri="{05A4C25C-085E-4340-85A3-A5531E510DB2}">
+      <thm15:themeFamily xmlns:thm15="http://schemas.microsoft.com/office/thememl/2012/main" name="Office Theme" id="{62F939B6-93AF-4DB8-9C6B-D6C7DFDC589F}" vid="{4A3C46E8-61CC-4603-A589-7422A47A8E4A}"/>
+    </a:ext>
+  </a:extLst>
+</a:theme>
 </file>